--- a/PPT slides.pptx
+++ b/PPT slides.pptx
@@ -5,7 +5,7 @@
     <p:sldMasterId id="2147483648" r:id="rId1"/>
   </p:sldMasterIdLst>
   <p:notesMasterIdLst>
-    <p:notesMasterId r:id="rId65"/>
+    <p:notesMasterId r:id="rId68"/>
   </p:notesMasterIdLst>
   <p:sldIdLst>
     <p:sldId id="256" r:id="rId2"/>
@@ -34,43 +34,46 @@
     <p:sldId id="320" r:id="rId25"/>
     <p:sldId id="321" r:id="rId26"/>
     <p:sldId id="322" r:id="rId27"/>
-    <p:sldId id="326" r:id="rId28"/>
-    <p:sldId id="364" r:id="rId29"/>
-    <p:sldId id="323" r:id="rId30"/>
-    <p:sldId id="324" r:id="rId31"/>
-    <p:sldId id="325" r:id="rId32"/>
-    <p:sldId id="350" r:id="rId33"/>
-    <p:sldId id="330" r:id="rId34"/>
-    <p:sldId id="331" r:id="rId35"/>
-    <p:sldId id="274" r:id="rId36"/>
-    <p:sldId id="334" r:id="rId37"/>
-    <p:sldId id="327" r:id="rId38"/>
+    <p:sldId id="366" r:id="rId28"/>
+    <p:sldId id="326" r:id="rId29"/>
+    <p:sldId id="364" r:id="rId30"/>
+    <p:sldId id="323" r:id="rId31"/>
+    <p:sldId id="324" r:id="rId32"/>
+    <p:sldId id="325" r:id="rId33"/>
+    <p:sldId id="350" r:id="rId34"/>
+    <p:sldId id="330" r:id="rId35"/>
+    <p:sldId id="331" r:id="rId36"/>
+    <p:sldId id="274" r:id="rId37"/>
+    <p:sldId id="334" r:id="rId38"/>
     <p:sldId id="336" r:id="rId39"/>
-    <p:sldId id="337" r:id="rId40"/>
-    <p:sldId id="335" r:id="rId41"/>
-    <p:sldId id="338" r:id="rId42"/>
-    <p:sldId id="352" r:id="rId43"/>
-    <p:sldId id="351" r:id="rId44"/>
-    <p:sldId id="332" r:id="rId45"/>
-    <p:sldId id="361" r:id="rId46"/>
-    <p:sldId id="328" r:id="rId47"/>
-    <p:sldId id="357" r:id="rId48"/>
-    <p:sldId id="312" r:id="rId49"/>
-    <p:sldId id="339" r:id="rId50"/>
-    <p:sldId id="341" r:id="rId51"/>
-    <p:sldId id="340" r:id="rId52"/>
-    <p:sldId id="343" r:id="rId53"/>
-    <p:sldId id="344" r:id="rId54"/>
-    <p:sldId id="355" r:id="rId55"/>
-    <p:sldId id="356" r:id="rId56"/>
-    <p:sldId id="342" r:id="rId57"/>
-    <p:sldId id="358" r:id="rId58"/>
-    <p:sldId id="353" r:id="rId59"/>
-    <p:sldId id="359" r:id="rId60"/>
-    <p:sldId id="360" r:id="rId61"/>
-    <p:sldId id="329" r:id="rId62"/>
-    <p:sldId id="277" r:id="rId63"/>
-    <p:sldId id="279" r:id="rId64"/>
+    <p:sldId id="327" r:id="rId40"/>
+    <p:sldId id="337" r:id="rId41"/>
+    <p:sldId id="335" r:id="rId42"/>
+    <p:sldId id="338" r:id="rId43"/>
+    <p:sldId id="352" r:id="rId44"/>
+    <p:sldId id="351" r:id="rId45"/>
+    <p:sldId id="332" r:id="rId46"/>
+    <p:sldId id="361" r:id="rId47"/>
+    <p:sldId id="328" r:id="rId48"/>
+    <p:sldId id="357" r:id="rId49"/>
+    <p:sldId id="312" r:id="rId50"/>
+    <p:sldId id="339" r:id="rId51"/>
+    <p:sldId id="341" r:id="rId52"/>
+    <p:sldId id="340" r:id="rId53"/>
+    <p:sldId id="343" r:id="rId54"/>
+    <p:sldId id="344" r:id="rId55"/>
+    <p:sldId id="355" r:id="rId56"/>
+    <p:sldId id="356" r:id="rId57"/>
+    <p:sldId id="342" r:id="rId58"/>
+    <p:sldId id="358" r:id="rId59"/>
+    <p:sldId id="353" r:id="rId60"/>
+    <p:sldId id="359" r:id="rId61"/>
+    <p:sldId id="360" r:id="rId62"/>
+    <p:sldId id="365" r:id="rId63"/>
+    <p:sldId id="367" r:id="rId64"/>
+    <p:sldId id="329" r:id="rId65"/>
+    <p:sldId id="277" r:id="rId66"/>
+    <p:sldId id="279" r:id="rId67"/>
   </p:sldIdLst>
   <p:sldSz cx="12192000" cy="6858000"/>
   <p:notesSz cx="12192000" cy="6858000"/>
@@ -101,7 +104,7 @@
 <file path=ppt/revisionInfo.xml><?xml version="1.0" encoding="utf-8"?>
 <p1510:revInfo xmlns:a="http://schemas.openxmlformats.org/drawingml/2006/main" xmlns:r="http://schemas.openxmlformats.org/officeDocument/2006/relationships" xmlns:p1510="http://schemas.microsoft.com/office/powerpoint/2015/10/main">
   <p1510:revLst>
-    <p1510:client id="{2925B890-CCBE-4154-8A13-FC2F68A57F6B}" v="63" dt="2023-06-18T11:45:48.652"/>
+    <p1510:client id="{2925B890-CCBE-4154-8A13-FC2F68A57F6B}" v="140" dt="2023-06-18T19:55:59.112"/>
   </p1510:revLst>
 </p1510:revInfo>
 </file>
@@ -2563,7 +2566,7 @@
   <pc:docChgLst>
     <pc:chgData name="Quang Duong" userId="b90c09f9-bc5c-4e87-9498-c18116c625da" providerId="ADAL" clId="{2925B890-CCBE-4154-8A13-FC2F68A57F6B}"/>
     <pc:docChg chg="undo custSel addSld delSld modSld sldOrd">
-      <pc:chgData name="Quang Duong" userId="b90c09f9-bc5c-4e87-9498-c18116c625da" providerId="ADAL" clId="{2925B890-CCBE-4154-8A13-FC2F68A57F6B}" dt="2023-06-18T11:45:48.636" v="10368" actId="20577"/>
+      <pc:chgData name="Quang Duong" userId="b90c09f9-bc5c-4e87-9498-c18116c625da" providerId="ADAL" clId="{2925B890-CCBE-4154-8A13-FC2F68A57F6B}" dt="2023-06-18T20:04:27.792" v="10766" actId="20577"/>
       <pc:docMkLst>
         <pc:docMk/>
       </pc:docMkLst>
@@ -2735,7 +2738,7 @@
         </pc:spChg>
       </pc:sldChg>
       <pc:sldChg chg="addSp modSp mod modAnim modNotesTx">
-        <pc:chgData name="Quang Duong" userId="b90c09f9-bc5c-4e87-9498-c18116c625da" providerId="ADAL" clId="{2925B890-CCBE-4154-8A13-FC2F68A57F6B}" dt="2023-06-15T10:34:39.948" v="7909" actId="20577"/>
+        <pc:chgData name="Quang Duong" userId="b90c09f9-bc5c-4e87-9498-c18116c625da" providerId="ADAL" clId="{2925B890-CCBE-4154-8A13-FC2F68A57F6B}" dt="2023-06-18T18:23:00.731" v="10439"/>
         <pc:sldMkLst>
           <pc:docMk/>
           <pc:sldMk cId="0" sldId="265"/>
@@ -2757,6 +2760,22 @@
           </ac:spMkLst>
         </pc:spChg>
         <pc:picChg chg="add mod">
+          <ac:chgData name="Quang Duong" userId="b90c09f9-bc5c-4e87-9498-c18116c625da" providerId="ADAL" clId="{2925B890-CCBE-4154-8A13-FC2F68A57F6B}" dt="2023-06-18T18:22:58.550" v="10438" actId="571"/>
+          <ac:picMkLst>
+            <pc:docMk/>
+            <pc:sldMk cId="0" sldId="265"/>
+            <ac:picMk id="5" creationId="{74E31043-03BE-0537-8FEC-8C7D9D7D39E1}"/>
+          </ac:picMkLst>
+        </pc:picChg>
+        <pc:picChg chg="add mod">
+          <ac:chgData name="Quang Duong" userId="b90c09f9-bc5c-4e87-9498-c18116c625da" providerId="ADAL" clId="{2925B890-CCBE-4154-8A13-FC2F68A57F6B}" dt="2023-06-18T18:22:58.550" v="10438" actId="571"/>
+          <ac:picMkLst>
+            <pc:docMk/>
+            <pc:sldMk cId="0" sldId="265"/>
+            <ac:picMk id="6" creationId="{DD0A19E0-2B61-F833-E5B2-BBF0F6B189A7}"/>
+          </ac:picMkLst>
+        </pc:picChg>
+        <pc:picChg chg="add mod">
           <ac:chgData name="Quang Duong" userId="b90c09f9-bc5c-4e87-9498-c18116c625da" providerId="ADAL" clId="{2925B890-CCBE-4154-8A13-FC2F68A57F6B}" dt="2023-06-15T10:34:16.426" v="7875" actId="1076"/>
           <ac:picMkLst>
             <pc:docMk/>
@@ -2765,7 +2784,7 @@
           </ac:picMkLst>
         </pc:picChg>
         <pc:picChg chg="add mod">
-          <ac:chgData name="Quang Duong" userId="b90c09f9-bc5c-4e87-9498-c18116c625da" providerId="ADAL" clId="{2925B890-CCBE-4154-8A13-FC2F68A57F6B}" dt="2023-06-15T10:34:03.699" v="7865" actId="1076"/>
+          <ac:chgData name="Quang Duong" userId="b90c09f9-bc5c-4e87-9498-c18116c625da" providerId="ADAL" clId="{2925B890-CCBE-4154-8A13-FC2F68A57F6B}" dt="2023-06-18T18:22:50.522" v="10433" actId="1076"/>
           <ac:picMkLst>
             <pc:docMk/>
             <pc:sldMk cId="0" sldId="265"/>
@@ -2891,7 +2910,7 @@
         </pc:sldMkLst>
       </pc:sldChg>
       <pc:sldChg chg="addSp delSp modSp mod">
-        <pc:chgData name="Quang Duong" userId="b90c09f9-bc5c-4e87-9498-c18116c625da" providerId="ADAL" clId="{2925B890-CCBE-4154-8A13-FC2F68A57F6B}" dt="2023-06-18T10:54:41.036" v="10097" actId="1076"/>
+        <pc:chgData name="Quang Duong" userId="b90c09f9-bc5c-4e87-9498-c18116c625da" providerId="ADAL" clId="{2925B890-CCBE-4154-8A13-FC2F68A57F6B}" dt="2023-06-18T19:35:13.084" v="10476" actId="1076"/>
         <pc:sldMkLst>
           <pc:docMk/>
           <pc:sldMk cId="0" sldId="277"/>
@@ -2904,8 +2923,16 @@
             <ac:spMk id="2" creationId="{00000000-0000-0000-0000-000000000000}"/>
           </ac:spMkLst>
         </pc:spChg>
+        <pc:spChg chg="del">
+          <ac:chgData name="Quang Duong" userId="b90c09f9-bc5c-4e87-9498-c18116c625da" providerId="ADAL" clId="{2925B890-CCBE-4154-8A13-FC2F68A57F6B}" dt="2023-06-18T19:35:03.097" v="10471" actId="478"/>
+          <ac:spMkLst>
+            <pc:docMk/>
+            <pc:sldMk cId="0" sldId="277"/>
+            <ac:spMk id="3" creationId="{00000000-0000-0000-0000-000000000000}"/>
+          </ac:spMkLst>
+        </pc:spChg>
         <pc:spChg chg="add mod">
-          <ac:chgData name="Quang Duong" userId="b90c09f9-bc5c-4e87-9498-c18116c625da" providerId="ADAL" clId="{2925B890-CCBE-4154-8A13-FC2F68A57F6B}" dt="2023-06-18T10:54:41.036" v="10097" actId="1076"/>
+          <ac:chgData name="Quang Duong" userId="b90c09f9-bc5c-4e87-9498-c18116c625da" providerId="ADAL" clId="{2925B890-CCBE-4154-8A13-FC2F68A57F6B}" dt="2023-06-18T19:35:13.084" v="10476" actId="1076"/>
           <ac:spMkLst>
             <pc:docMk/>
             <pc:sldMk cId="0" sldId="277"/>
@@ -2921,7 +2948,7 @@
           </ac:spMkLst>
         </pc:spChg>
         <pc:spChg chg="add mod">
-          <ac:chgData name="Quang Duong" userId="b90c09f9-bc5c-4e87-9498-c18116c625da" providerId="ADAL" clId="{2925B890-CCBE-4154-8A13-FC2F68A57F6B}" dt="2023-06-18T10:50:16.701" v="9667"/>
+          <ac:chgData name="Quang Duong" userId="b90c09f9-bc5c-4e87-9498-c18116c625da" providerId="ADAL" clId="{2925B890-CCBE-4154-8A13-FC2F68A57F6B}" dt="2023-06-18T19:34:59.951" v="10470" actId="115"/>
           <ac:spMkLst>
             <pc:docMk/>
             <pc:sldMk cId="0" sldId="277"/>
@@ -3248,7 +3275,7 @@
         </pc:picChg>
       </pc:sldChg>
       <pc:sldChg chg="addSp delSp modSp new mod modAnim modNotesTx">
-        <pc:chgData name="Quang Duong" userId="b90c09f9-bc5c-4e87-9498-c18116c625da" providerId="ADAL" clId="{2925B890-CCBE-4154-8A13-FC2F68A57F6B}" dt="2023-06-18T10:57:00.614" v="10135"/>
+        <pc:chgData name="Quang Duong" userId="b90c09f9-bc5c-4e87-9498-c18116c625da" providerId="ADAL" clId="{2925B890-CCBE-4154-8A13-FC2F68A57F6B}" dt="2023-06-18T19:34:35.281" v="10468" actId="20577"/>
         <pc:sldMkLst>
           <pc:docMk/>
           <pc:sldMk cId="4293416778" sldId="308"/>
@@ -3286,7 +3313,7 @@
           </ac:spMkLst>
         </pc:spChg>
         <pc:spChg chg="add mod">
-          <ac:chgData name="Quang Duong" userId="b90c09f9-bc5c-4e87-9498-c18116c625da" providerId="ADAL" clId="{2925B890-CCBE-4154-8A13-FC2F68A57F6B}" dt="2023-06-18T10:56:35.858" v="10127" actId="20577"/>
+          <ac:chgData name="Quang Duong" userId="b90c09f9-bc5c-4e87-9498-c18116c625da" providerId="ADAL" clId="{2925B890-CCBE-4154-8A13-FC2F68A57F6B}" dt="2023-06-18T19:34:35.281" v="10468" actId="20577"/>
           <ac:spMkLst>
             <pc:docMk/>
             <pc:sldMk cId="4293416778" sldId="308"/>
@@ -3381,7 +3408,7 @@
         </pc:cxnChg>
       </pc:sldChg>
       <pc:sldChg chg="addSp delSp modSp new mod modAnim">
-        <pc:chgData name="Quang Duong" userId="b90c09f9-bc5c-4e87-9498-c18116c625da" providerId="ADAL" clId="{2925B890-CCBE-4154-8A13-FC2F68A57F6B}" dt="2023-06-18T10:57:11.068" v="10137" actId="14100"/>
+        <pc:chgData name="Quang Duong" userId="b90c09f9-bc5c-4e87-9498-c18116c625da" providerId="ADAL" clId="{2925B890-CCBE-4154-8A13-FC2F68A57F6B}" dt="2023-06-18T18:22:34.097" v="10431" actId="1076"/>
         <pc:sldMkLst>
           <pc:docMk/>
           <pc:sldMk cId="3872441813" sldId="311"/>
@@ -3419,7 +3446,7 @@
           </ac:spMkLst>
         </pc:spChg>
         <pc:picChg chg="add mod">
-          <ac:chgData name="Quang Duong" userId="b90c09f9-bc5c-4e87-9498-c18116c625da" providerId="ADAL" clId="{2925B890-CCBE-4154-8A13-FC2F68A57F6B}" dt="2023-06-11T12:15:31.329" v="2061" actId="14100"/>
+          <ac:chgData name="Quang Duong" userId="b90c09f9-bc5c-4e87-9498-c18116c625da" providerId="ADAL" clId="{2925B890-CCBE-4154-8A13-FC2F68A57F6B}" dt="2023-06-18T18:22:34.097" v="10431" actId="1076"/>
           <ac:picMkLst>
             <pc:docMk/>
             <pc:sldMk cId="3872441813" sldId="311"/>
@@ -3600,8 +3627,8 @@
           </ac:picMkLst>
         </pc:picChg>
       </pc:sldChg>
-      <pc:sldChg chg="addSp delSp modSp new mod">
-        <pc:chgData name="Quang Duong" userId="b90c09f9-bc5c-4e87-9498-c18116c625da" providerId="ADAL" clId="{2925B890-CCBE-4154-8A13-FC2F68A57F6B}" dt="2023-06-18T10:57:59.566" v="10185" actId="20577"/>
+      <pc:sldChg chg="addSp delSp modSp new mod modAnim">
+        <pc:chgData name="Quang Duong" userId="b90c09f9-bc5c-4e87-9498-c18116c625da" providerId="ADAL" clId="{2925B890-CCBE-4154-8A13-FC2F68A57F6B}" dt="2023-06-18T18:24:44.596" v="10449"/>
         <pc:sldMkLst>
           <pc:docMk/>
           <pc:sldMk cId="2937963100" sldId="315"/>
@@ -3631,7 +3658,7 @@
           </ac:spMkLst>
         </pc:spChg>
         <pc:spChg chg="add mod">
-          <ac:chgData name="Quang Duong" userId="b90c09f9-bc5c-4e87-9498-c18116c625da" providerId="ADAL" clId="{2925B890-CCBE-4154-8A13-FC2F68A57F6B}" dt="2023-06-18T10:57:59.566" v="10185" actId="20577"/>
+          <ac:chgData name="Quang Duong" userId="b90c09f9-bc5c-4e87-9498-c18116c625da" providerId="ADAL" clId="{2925B890-CCBE-4154-8A13-FC2F68A57F6B}" dt="2023-06-18T18:24:12.403" v="10443" actId="1076"/>
           <ac:spMkLst>
             <pc:docMk/>
             <pc:sldMk cId="2937963100" sldId="315"/>
@@ -3904,8 +3931,8 @@
           </ac:spMkLst>
         </pc:spChg>
       </pc:sldChg>
-      <pc:sldChg chg="addSp delSp modSp new mod modNotesTx">
-        <pc:chgData name="Quang Duong" userId="b90c09f9-bc5c-4e87-9498-c18116c625da" providerId="ADAL" clId="{2925B890-CCBE-4154-8A13-FC2F68A57F6B}" dt="2023-06-12T14:19:57.202" v="5273"/>
+      <pc:sldChg chg="addSp delSp modSp new mod modAnim modNotesTx">
+        <pc:chgData name="Quang Duong" userId="b90c09f9-bc5c-4e87-9498-c18116c625da" providerId="ADAL" clId="{2925B890-CCBE-4154-8A13-FC2F68A57F6B}" dt="2023-06-18T11:56:28.605" v="10375"/>
         <pc:sldMkLst>
           <pc:docMk/>
           <pc:sldMk cId="564791892" sldId="323"/>
@@ -3927,7 +3954,7 @@
           </ac:spMkLst>
         </pc:spChg>
         <pc:spChg chg="add mod">
-          <ac:chgData name="Quang Duong" userId="b90c09f9-bc5c-4e87-9498-c18116c625da" providerId="ADAL" clId="{2925B890-CCBE-4154-8A13-FC2F68A57F6B}" dt="2023-06-12T14:19:04.013" v="5265" actId="20577"/>
+          <ac:chgData name="Quang Duong" userId="b90c09f9-bc5c-4e87-9498-c18116c625da" providerId="ADAL" clId="{2925B890-CCBE-4154-8A13-FC2F68A57F6B}" dt="2023-06-18T11:56:21.032" v="10372" actId="114"/>
           <ac:spMkLst>
             <pc:docMk/>
             <pc:sldMk cId="564791892" sldId="323"/>
@@ -3951,8 +3978,8 @@
           </ac:picMkLst>
         </pc:picChg>
       </pc:sldChg>
-      <pc:sldChg chg="addSp delSp modSp new mod modNotesTx">
-        <pc:chgData name="Quang Duong" userId="b90c09f9-bc5c-4e87-9498-c18116c625da" providerId="ADAL" clId="{2925B890-CCBE-4154-8A13-FC2F68A57F6B}" dt="2023-06-12T14:51:09.458" v="5672" actId="1076"/>
+      <pc:sldChg chg="addSp delSp modSp new mod modAnim modNotesTx">
+        <pc:chgData name="Quang Duong" userId="b90c09f9-bc5c-4e87-9498-c18116c625da" providerId="ADAL" clId="{2925B890-CCBE-4154-8A13-FC2F68A57F6B}" dt="2023-06-18T11:56:40.662" v="10380"/>
         <pc:sldMkLst>
           <pc:docMk/>
           <pc:sldMk cId="1869570000" sldId="324"/>
@@ -3998,7 +4025,7 @@
           </ac:picMkLst>
         </pc:picChg>
         <pc:picChg chg="add mod">
-          <ac:chgData name="Quang Duong" userId="b90c09f9-bc5c-4e87-9498-c18116c625da" providerId="ADAL" clId="{2925B890-CCBE-4154-8A13-FC2F68A57F6B}" dt="2023-06-12T14:51:09.458" v="5672" actId="1076"/>
+          <ac:chgData name="Quang Duong" userId="b90c09f9-bc5c-4e87-9498-c18116c625da" providerId="ADAL" clId="{2925B890-CCBE-4154-8A13-FC2F68A57F6B}" dt="2023-06-18T11:56:38.083" v="10378" actId="1076"/>
           <ac:picMkLst>
             <pc:docMk/>
             <pc:sldMk cId="1869570000" sldId="324"/>
@@ -4007,7 +4034,7 @@
         </pc:picChg>
       </pc:sldChg>
       <pc:sldChg chg="addSp delSp modSp new mod modAnim modNotesTx">
-        <pc:chgData name="Quang Duong" userId="b90c09f9-bc5c-4e87-9498-c18116c625da" providerId="ADAL" clId="{2925B890-CCBE-4154-8A13-FC2F68A57F6B}" dt="2023-06-12T14:57:27.715" v="5982" actId="122"/>
+        <pc:chgData name="Quang Duong" userId="b90c09f9-bc5c-4e87-9498-c18116c625da" providerId="ADAL" clId="{2925B890-CCBE-4154-8A13-FC2F68A57F6B}" dt="2023-06-18T11:56:46.375" v="10381"/>
         <pc:sldMkLst>
           <pc:docMk/>
           <pc:sldMk cId="1488073742" sldId="325"/>
@@ -4068,8 +4095,8 @@
           </ac:spMkLst>
         </pc:spChg>
       </pc:sldChg>
-      <pc:sldChg chg="addSp delSp modSp new mod modNotesTx">
-        <pc:chgData name="Quang Duong" userId="b90c09f9-bc5c-4e87-9498-c18116c625da" providerId="ADAL" clId="{2925B890-CCBE-4154-8A13-FC2F68A57F6B}" dt="2023-06-12T15:53:42.869" v="7282" actId="20577"/>
+      <pc:sldChg chg="addSp delSp modSp new mod modAnim modNotesTx">
+        <pc:chgData name="Quang Duong" userId="b90c09f9-bc5c-4e87-9498-c18116c625da" providerId="ADAL" clId="{2925B890-CCBE-4154-8A13-FC2F68A57F6B}" dt="2023-06-18T19:50:42.786" v="10508" actId="115"/>
         <pc:sldMkLst>
           <pc:docMk/>
           <pc:sldMk cId="2360094134" sldId="327"/>
@@ -4099,7 +4126,7 @@
           </ac:spMkLst>
         </pc:spChg>
         <pc:spChg chg="add mod">
-          <ac:chgData name="Quang Duong" userId="b90c09f9-bc5c-4e87-9498-c18116c625da" providerId="ADAL" clId="{2925B890-CCBE-4154-8A13-FC2F68A57F6B}" dt="2023-06-12T15:41:29.791" v="6953" actId="12"/>
+          <ac:chgData name="Quang Duong" userId="b90c09f9-bc5c-4e87-9498-c18116c625da" providerId="ADAL" clId="{2925B890-CCBE-4154-8A13-FC2F68A57F6B}" dt="2023-06-18T19:50:42.786" v="10508" actId="115"/>
           <ac:spMkLst>
             <pc:docMk/>
             <pc:sldMk cId="2360094134" sldId="327"/>
@@ -4123,8 +4150,8 @@
           </ac:picMkLst>
         </pc:picChg>
       </pc:sldChg>
-      <pc:sldChg chg="delSp modSp new mod">
-        <pc:chgData name="Quang Duong" userId="b90c09f9-bc5c-4e87-9498-c18116c625da" providerId="ADAL" clId="{2925B890-CCBE-4154-8A13-FC2F68A57F6B}" dt="2023-06-18T10:54:59.336" v="10099" actId="20577"/>
+      <pc:sldChg chg="delSp modSp new mod modAnim">
+        <pc:chgData name="Quang Duong" userId="b90c09f9-bc5c-4e87-9498-c18116c625da" providerId="ADAL" clId="{2925B890-CCBE-4154-8A13-FC2F68A57F6B}" dt="2023-06-18T19:55:59.112" v="10567"/>
         <pc:sldMkLst>
           <pc:docMk/>
           <pc:sldMk cId="2411560857" sldId="328"/>
@@ -4200,8 +4227,8 @@
           <pc:sldMk cId="3143353045" sldId="329"/>
         </pc:sldMkLst>
       </pc:sldChg>
-      <pc:sldChg chg="addSp delSp modSp new mod modNotesTx">
-        <pc:chgData name="Quang Duong" userId="b90c09f9-bc5c-4e87-9498-c18116c625da" providerId="ADAL" clId="{2925B890-CCBE-4154-8A13-FC2F68A57F6B}" dt="2023-06-12T15:28:25.561" v="6705" actId="20577"/>
+      <pc:sldChg chg="addSp delSp modSp new mod modAnim modNotesTx">
+        <pc:chgData name="Quang Duong" userId="b90c09f9-bc5c-4e87-9498-c18116c625da" providerId="ADAL" clId="{2925B890-CCBE-4154-8A13-FC2F68A57F6B}" dt="2023-06-18T11:57:11.512" v="10386"/>
         <pc:sldMkLst>
           <pc:docMk/>
           <pc:sldMk cId="718722992" sldId="330"/>
@@ -4247,8 +4274,8 @@
           </ac:picMkLst>
         </pc:picChg>
       </pc:sldChg>
-      <pc:sldChg chg="addSp delSp modSp new mod modNotesTx">
-        <pc:chgData name="Quang Duong" userId="b90c09f9-bc5c-4e87-9498-c18116c625da" providerId="ADAL" clId="{2925B890-CCBE-4154-8A13-FC2F68A57F6B}" dt="2023-06-12T15:19:07.491" v="6050" actId="1076"/>
+      <pc:sldChg chg="addSp delSp modSp new mod modAnim modNotesTx">
+        <pc:chgData name="Quang Duong" userId="b90c09f9-bc5c-4e87-9498-c18116c625da" providerId="ADAL" clId="{2925B890-CCBE-4154-8A13-FC2F68A57F6B}" dt="2023-06-18T11:57:15.935" v="10388"/>
         <pc:sldMkLst>
           <pc:docMk/>
           <pc:sldMk cId="2633230563" sldId="331"/>
@@ -4346,8 +4373,8 @@
           </ac:spMkLst>
         </pc:spChg>
       </pc:sldChg>
-      <pc:sldChg chg="addSp delSp modSp new mod">
-        <pc:chgData name="Quang Duong" userId="b90c09f9-bc5c-4e87-9498-c18116c625da" providerId="ADAL" clId="{2925B890-CCBE-4154-8A13-FC2F68A57F6B}" dt="2023-06-18T11:29:33.640" v="10281" actId="20577"/>
+      <pc:sldChg chg="addSp delSp modSp new mod modAnim">
+        <pc:chgData name="Quang Duong" userId="b90c09f9-bc5c-4e87-9498-c18116c625da" providerId="ADAL" clId="{2925B890-CCBE-4154-8A13-FC2F68A57F6B}" dt="2023-06-18T19:54:14.641" v="10517"/>
         <pc:sldMkLst>
           <pc:docMk/>
           <pc:sldMk cId="2941395594" sldId="335"/>
@@ -4393,7 +4420,7 @@
           </ac:spMkLst>
         </pc:spChg>
         <pc:spChg chg="add mod">
-          <ac:chgData name="Quang Duong" userId="b90c09f9-bc5c-4e87-9498-c18116c625da" providerId="ADAL" clId="{2925B890-CCBE-4154-8A13-FC2F68A57F6B}" dt="2023-06-18T11:29:33.640" v="10281" actId="20577"/>
+          <ac:chgData name="Quang Duong" userId="b90c09f9-bc5c-4e87-9498-c18116c625da" providerId="ADAL" clId="{2925B890-CCBE-4154-8A13-FC2F68A57F6B}" dt="2023-06-18T19:54:06.776" v="10514" actId="1076"/>
           <ac:spMkLst>
             <pc:docMk/>
             <pc:sldMk cId="2941395594" sldId="335"/>
@@ -4409,8 +4436,8 @@
           </ac:picMkLst>
         </pc:picChg>
       </pc:sldChg>
-      <pc:sldChg chg="addSp delSp modSp new mod modNotesTx">
-        <pc:chgData name="Quang Duong" userId="b90c09f9-bc5c-4e87-9498-c18116c625da" providerId="ADAL" clId="{2925B890-CCBE-4154-8A13-FC2F68A57F6B}" dt="2023-06-12T16:06:07.983" v="7377" actId="20577"/>
+      <pc:sldChg chg="addSp delSp modSp new mod ord modNotesTx">
+        <pc:chgData name="Quang Duong" userId="b90c09f9-bc5c-4e87-9498-c18116c625da" providerId="ADAL" clId="{2925B890-CCBE-4154-8A13-FC2F68A57F6B}" dt="2023-06-18T19:52:15.808" v="10510"/>
         <pc:sldMkLst>
           <pc:docMk/>
           <pc:sldMk cId="3501040729" sldId="336"/>
@@ -4457,13 +4484,13 @@
         </pc:graphicFrameChg>
       </pc:sldChg>
       <pc:sldChg chg="addSp delSp modSp new mod modNotesTx">
-        <pc:chgData name="Quang Duong" userId="b90c09f9-bc5c-4e87-9498-c18116c625da" providerId="ADAL" clId="{2925B890-CCBE-4154-8A13-FC2F68A57F6B}" dt="2023-06-12T16:28:32.299" v="7713"/>
+        <pc:chgData name="Quang Duong" userId="b90c09f9-bc5c-4e87-9498-c18116c625da" providerId="ADAL" clId="{2925B890-CCBE-4154-8A13-FC2F68A57F6B}" dt="2023-06-18T19:53:51.817" v="10511" actId="1076"/>
         <pc:sldMkLst>
           <pc:docMk/>
           <pc:sldMk cId="3557128169" sldId="337"/>
         </pc:sldMkLst>
         <pc:spChg chg="mod">
-          <ac:chgData name="Quang Duong" userId="b90c09f9-bc5c-4e87-9498-c18116c625da" providerId="ADAL" clId="{2925B890-CCBE-4154-8A13-FC2F68A57F6B}" dt="2023-06-12T16:03:59.467" v="7354" actId="1076"/>
+          <ac:chgData name="Quang Duong" userId="b90c09f9-bc5c-4e87-9498-c18116c625da" providerId="ADAL" clId="{2925B890-CCBE-4154-8A13-FC2F68A57F6B}" dt="2023-06-18T19:53:51.817" v="10511" actId="1076"/>
           <ac:spMkLst>
             <pc:docMk/>
             <pc:sldMk cId="3557128169" sldId="337"/>
@@ -4559,8 +4586,8 @@
           </ac:picMkLst>
         </pc:picChg>
       </pc:sldChg>
-      <pc:sldChg chg="addSp delSp modSp new mod modNotesTx">
-        <pc:chgData name="Quang Duong" userId="b90c09f9-bc5c-4e87-9498-c18116c625da" providerId="ADAL" clId="{2925B890-CCBE-4154-8A13-FC2F68A57F6B}" dt="2023-06-12T16:30:39.051" v="7715" actId="1076"/>
+      <pc:sldChg chg="addSp delSp modSp new mod modAnim modNotesTx">
+        <pc:chgData name="Quang Duong" userId="b90c09f9-bc5c-4e87-9498-c18116c625da" providerId="ADAL" clId="{2925B890-CCBE-4154-8A13-FC2F68A57F6B}" dt="2023-06-18T19:54:22.425" v="10519" actId="14100"/>
         <pc:sldMkLst>
           <pc:docMk/>
           <pc:sldMk cId="1542765014" sldId="338"/>
@@ -4582,7 +4609,7 @@
           </ac:spMkLst>
         </pc:spChg>
         <pc:spChg chg="add mod">
-          <ac:chgData name="Quang Duong" userId="b90c09f9-bc5c-4e87-9498-c18116c625da" providerId="ADAL" clId="{2925B890-CCBE-4154-8A13-FC2F68A57F6B}" dt="2023-06-12T16:22:23.262" v="7659"/>
+          <ac:chgData name="Quang Duong" userId="b90c09f9-bc5c-4e87-9498-c18116c625da" providerId="ADAL" clId="{2925B890-CCBE-4154-8A13-FC2F68A57F6B}" dt="2023-06-18T19:54:22.425" v="10519" actId="14100"/>
           <ac:spMkLst>
             <pc:docMk/>
             <pc:sldMk cId="1542765014" sldId="338"/>
@@ -4772,7 +4799,7 @@
         </pc:picChg>
       </pc:sldChg>
       <pc:sldChg chg="addSp delSp modSp new mod modAnim">
-        <pc:chgData name="Quang Duong" userId="b90c09f9-bc5c-4e87-9498-c18116c625da" providerId="ADAL" clId="{2925B890-CCBE-4154-8A13-FC2F68A57F6B}" dt="2023-06-18T09:48:34.810" v="9513"/>
+        <pc:chgData name="Quang Duong" userId="b90c09f9-bc5c-4e87-9498-c18116c625da" providerId="ADAL" clId="{2925B890-CCBE-4154-8A13-FC2F68A57F6B}" dt="2023-06-18T19:59:29.751" v="10570" actId="1076"/>
         <pc:sldMkLst>
           <pc:docMk/>
           <pc:sldMk cId="487637253" sldId="342"/>
@@ -4826,7 +4853,7 @@
           </ac:picMkLst>
         </pc:picChg>
         <pc:picChg chg="add mod">
-          <ac:chgData name="Quang Duong" userId="b90c09f9-bc5c-4e87-9498-c18116c625da" providerId="ADAL" clId="{2925B890-CCBE-4154-8A13-FC2F68A57F6B}" dt="2023-06-18T09:48:32.621" v="9512" actId="1076"/>
+          <ac:chgData name="Quang Duong" userId="b90c09f9-bc5c-4e87-9498-c18116c625da" providerId="ADAL" clId="{2925B890-CCBE-4154-8A13-FC2F68A57F6B}" dt="2023-06-18T19:59:29.751" v="10570" actId="1076"/>
           <ac:picMkLst>
             <pc:docMk/>
             <pc:sldMk cId="487637253" sldId="342"/>
@@ -4835,7 +4862,7 @@
         </pc:picChg>
       </pc:sldChg>
       <pc:sldChg chg="addSp delSp modSp new mod">
-        <pc:chgData name="Quang Duong" userId="b90c09f9-bc5c-4e87-9498-c18116c625da" providerId="ADAL" clId="{2925B890-CCBE-4154-8A13-FC2F68A57F6B}" dt="2023-06-18T08:53:00.623" v="9372" actId="1076"/>
+        <pc:chgData name="Quang Duong" userId="b90c09f9-bc5c-4e87-9498-c18116c625da" providerId="ADAL" clId="{2925B890-CCBE-4154-8A13-FC2F68A57F6B}" dt="2023-06-18T19:59:18.718" v="10569" actId="14100"/>
         <pc:sldMkLst>
           <pc:docMk/>
           <pc:sldMk cId="2125092634" sldId="343"/>
@@ -4865,7 +4892,7 @@
           </ac:spMkLst>
         </pc:spChg>
         <pc:picChg chg="add mod">
-          <ac:chgData name="Quang Duong" userId="b90c09f9-bc5c-4e87-9498-c18116c625da" providerId="ADAL" clId="{2925B890-CCBE-4154-8A13-FC2F68A57F6B}" dt="2023-06-18T08:53:00.623" v="9372" actId="1076"/>
+          <ac:chgData name="Quang Duong" userId="b90c09f9-bc5c-4e87-9498-c18116c625da" providerId="ADAL" clId="{2925B890-CCBE-4154-8A13-FC2F68A57F6B}" dt="2023-06-18T19:59:18.718" v="10569" actId="14100"/>
           <ac:picMkLst>
             <pc:docMk/>
             <pc:sldMk cId="2125092634" sldId="343"/>
@@ -4972,6 +4999,13 @@
           </ac:spMkLst>
         </pc:spChg>
       </pc:sldChg>
+      <pc:sldChg chg="modAnim">
+        <pc:chgData name="Quang Duong" userId="b90c09f9-bc5c-4e87-9498-c18116c625da" providerId="ADAL" clId="{2925B890-CCBE-4154-8A13-FC2F68A57F6B}" dt="2023-06-18T11:56:52.308" v="10383"/>
+        <pc:sldMkLst>
+          <pc:docMk/>
+          <pc:sldMk cId="1973075987" sldId="350"/>
+        </pc:sldMkLst>
+      </pc:sldChg>
       <pc:sldChg chg="modSp mod modAnim">
         <pc:chgData name="Quang Duong" userId="b90c09f9-bc5c-4e87-9498-c18116c625da" providerId="ADAL" clId="{2925B890-CCBE-4154-8A13-FC2F68A57F6B}" dt="2023-06-18T11:29:57.785" v="10285"/>
         <pc:sldMkLst>
@@ -4986,6 +5020,13 @@
             <ac:spMk id="4" creationId="{5767991C-8EA3-984B-EE46-7012B4B1B5F4}"/>
           </ac:spMkLst>
         </pc:spChg>
+      </pc:sldChg>
+      <pc:sldChg chg="modNotesTx">
+        <pc:chgData name="Quang Duong" userId="b90c09f9-bc5c-4e87-9498-c18116c625da" providerId="ADAL" clId="{2925B890-CCBE-4154-8A13-FC2F68A57F6B}" dt="2023-06-18T19:55:34.895" v="10561" actId="20577"/>
+        <pc:sldMkLst>
+          <pc:docMk/>
+          <pc:sldMk cId="273979605" sldId="352"/>
+        </pc:sldMkLst>
       </pc:sldChg>
       <pc:sldChg chg="addSp delSp modSp mod">
         <pc:chgData name="Quang Duong" userId="b90c09f9-bc5c-4e87-9498-c18116c625da" providerId="ADAL" clId="{2925B890-CCBE-4154-8A13-FC2F68A57F6B}" dt="2023-06-18T10:45:51.500" v="9652" actId="1076"/>
@@ -5297,8 +5338,8 @@
           </ac:spMkLst>
         </pc:spChg>
       </pc:sldChg>
-      <pc:sldChg chg="add">
-        <pc:chgData name="Quang Duong" userId="b90c09f9-bc5c-4e87-9498-c18116c625da" providerId="ADAL" clId="{2925B890-CCBE-4154-8A13-FC2F68A57F6B}" dt="2023-06-18T11:28:00.761" v="10277"/>
+      <pc:sldChg chg="add mod modShow">
+        <pc:chgData name="Quang Duong" userId="b90c09f9-bc5c-4e87-9498-c18116c625da" providerId="ADAL" clId="{2925B890-CCBE-4154-8A13-FC2F68A57F6B}" dt="2023-06-18T19:22:00.119" v="10450" actId="729"/>
         <pc:sldMkLst>
           <pc:docMk/>
           <pc:sldMk cId="4115999060" sldId="363"/>
@@ -5310,6 +5351,59 @@
           <pc:docMk/>
           <pc:sldMk cId="1762137607" sldId="364"/>
         </pc:sldMkLst>
+      </pc:sldChg>
+      <pc:sldChg chg="modSp add mod">
+        <pc:chgData name="Quang Duong" userId="b90c09f9-bc5c-4e87-9498-c18116c625da" providerId="ADAL" clId="{2925B890-CCBE-4154-8A13-FC2F68A57F6B}" dt="2023-06-18T11:54:47.659" v="10370" actId="20577"/>
+        <pc:sldMkLst>
+          <pc:docMk/>
+          <pc:sldMk cId="3853762525" sldId="365"/>
+        </pc:sldMkLst>
+        <pc:spChg chg="mod">
+          <ac:chgData name="Quang Duong" userId="b90c09f9-bc5c-4e87-9498-c18116c625da" providerId="ADAL" clId="{2925B890-CCBE-4154-8A13-FC2F68A57F6B}" dt="2023-06-18T11:54:47.659" v="10370" actId="20577"/>
+          <ac:spMkLst>
+            <pc:docMk/>
+            <pc:sldMk cId="3853762525" sldId="365"/>
+            <ac:spMk id="3" creationId="{00000000-0000-0000-0000-000000000000}"/>
+          </ac:spMkLst>
+        </pc:spChg>
+      </pc:sldChg>
+      <pc:sldChg chg="modSp add mod ord">
+        <pc:chgData name="Quang Duong" userId="b90c09f9-bc5c-4e87-9498-c18116c625da" providerId="ADAL" clId="{2925B890-CCBE-4154-8A13-FC2F68A57F6B}" dt="2023-06-18T11:59:11.733" v="10425" actId="20577"/>
+        <pc:sldMkLst>
+          <pc:docMk/>
+          <pc:sldMk cId="3263176719" sldId="366"/>
+        </pc:sldMkLst>
+        <pc:spChg chg="mod">
+          <ac:chgData name="Quang Duong" userId="b90c09f9-bc5c-4e87-9498-c18116c625da" providerId="ADAL" clId="{2925B890-CCBE-4154-8A13-FC2F68A57F6B}" dt="2023-06-18T11:59:11.733" v="10425" actId="20577"/>
+          <ac:spMkLst>
+            <pc:docMk/>
+            <pc:sldMk cId="3263176719" sldId="366"/>
+            <ac:spMk id="2" creationId="{00000000-0000-0000-0000-000000000000}"/>
+          </ac:spMkLst>
+        </pc:spChg>
+      </pc:sldChg>
+      <pc:sldChg chg="modSp new mod">
+        <pc:chgData name="Quang Duong" userId="b90c09f9-bc5c-4e87-9498-c18116c625da" providerId="ADAL" clId="{2925B890-CCBE-4154-8A13-FC2F68A57F6B}" dt="2023-06-18T20:04:27.792" v="10766" actId="20577"/>
+        <pc:sldMkLst>
+          <pc:docMk/>
+          <pc:sldMk cId="3047787511" sldId="367"/>
+        </pc:sldMkLst>
+        <pc:spChg chg="mod">
+          <ac:chgData name="Quang Duong" userId="b90c09f9-bc5c-4e87-9498-c18116c625da" providerId="ADAL" clId="{2925B890-CCBE-4154-8A13-FC2F68A57F6B}" dt="2023-06-18T20:04:19.823" v="10764" actId="1076"/>
+          <ac:spMkLst>
+            <pc:docMk/>
+            <pc:sldMk cId="3047787511" sldId="367"/>
+            <ac:spMk id="2" creationId="{CEAEBC8B-AA6B-8EDF-7BF4-EB7A8AE2DF98}"/>
+          </ac:spMkLst>
+        </pc:spChg>
+        <pc:spChg chg="mod">
+          <ac:chgData name="Quang Duong" userId="b90c09f9-bc5c-4e87-9498-c18116c625da" providerId="ADAL" clId="{2925B890-CCBE-4154-8A13-FC2F68A57F6B}" dt="2023-06-18T20:04:27.792" v="10766" actId="20577"/>
+          <ac:spMkLst>
+            <pc:docMk/>
+            <pc:sldMk cId="3047787511" sldId="367"/>
+            <ac:spMk id="3" creationId="{5BD9A528-8C9A-91E4-0B82-8FBC4E991636}"/>
+          </ac:spMkLst>
+        </pc:spChg>
       </pc:sldChg>
     </pc:docChg>
   </pc:docChgLst>
@@ -6092,7 +6186,7 @@
           <a:p>
             <a:fld id="{433B6994-23E3-4735-8D5E-0BFA6C6692BD}" type="slidenum">
               <a:rPr lang="en-GB" smtClean="0"/>
-              <a:t>29</a:t>
+              <a:t>30</a:t>
             </a:fld>
             <a:endParaRPr lang="en-GB"/>
           </a:p>
@@ -6213,7 +6307,7 @@
           <a:p>
             <a:fld id="{433B6994-23E3-4735-8D5E-0BFA6C6692BD}" type="slidenum">
               <a:rPr lang="en-GB" smtClean="0"/>
-              <a:t>30</a:t>
+              <a:t>31</a:t>
             </a:fld>
             <a:endParaRPr lang="en-GB"/>
           </a:p>
@@ -6546,7 +6640,7 @@
           <a:p>
             <a:fld id="{433B6994-23E3-4735-8D5E-0BFA6C6692BD}" type="slidenum">
               <a:rPr lang="en-GB" smtClean="0"/>
-              <a:t>31</a:t>
+              <a:t>32</a:t>
             </a:fld>
             <a:endParaRPr lang="en-GB"/>
           </a:p>
@@ -6689,7 +6783,7 @@
           <a:p>
             <a:fld id="{433B6994-23E3-4735-8D5E-0BFA6C6692BD}" type="slidenum">
               <a:rPr lang="en-GB" smtClean="0"/>
-              <a:t>32</a:t>
+              <a:t>33</a:t>
             </a:fld>
             <a:endParaRPr lang="en-GB"/>
           </a:p>
@@ -6977,7 +7071,7 @@
           <a:p>
             <a:fld id="{433B6994-23E3-4735-8D5E-0BFA6C6692BD}" type="slidenum">
               <a:rPr lang="en-GB" smtClean="0"/>
-              <a:t>33</a:t>
+              <a:t>34</a:t>
             </a:fld>
             <a:endParaRPr lang="en-GB"/>
           </a:p>
@@ -7061,7 +7155,7 @@
           <a:p>
             <a:fld id="{433B6994-23E3-4735-8D5E-0BFA6C6692BD}" type="slidenum">
               <a:rPr lang="en-GB" smtClean="0"/>
-              <a:t>34</a:t>
+              <a:t>35</a:t>
             </a:fld>
             <a:endParaRPr lang="en-GB"/>
           </a:p>
@@ -7125,65 +7219,118 @@
           <a:lstStyle/>
           <a:p>
             <a:r>
-              <a:rPr lang="en-GB"/>
-              <a:t>LSI (</a:t>
-            </a:r>
-            <a:r>
-              <a:rPr lang="en-GB" err="1"/>
-              <a:t>Dumais</a:t>
-            </a:r>
-            <a:r>
-              <a:rPr lang="en-GB"/>
-              <a:t> et al., 1988; </a:t>
-            </a:r>
-            <a:r>
-              <a:rPr lang="en-GB" err="1"/>
-              <a:t>Deerwester</a:t>
-            </a:r>
-            <a:r>
-              <a:rPr lang="en-GB"/>
-              <a:t> et al., 1990) is the pioneer model in topic modelling field and ushers in an era of probabilistic model. LSI analyses the connections between a document in a corpus and the tokens the document contains. It assumes that words in similar text will have close meanings with each other. The model creates a matrix ± called a </a:t>
-            </a:r>
-            <a:r>
-              <a:rPr lang="en-GB" err="1"/>
-              <a:t>documentterm</a:t>
-            </a:r>
-            <a:r>
-              <a:rPr lang="en-GB"/>
-              <a:t> matrix wherein rows are unique words of the corpora (i.e., list of vocabulary) and columns represent documents. Let </a:t>
-            </a:r>
-            <a:r>
-              <a:rPr lang="en-GB" err="1"/>
-              <a:t>mth</a:t>
-            </a:r>
-            <a:r>
-              <a:rPr lang="en-GB"/>
-              <a:t> is review-</a:t>
-            </a:r>
-            <a:r>
-              <a:rPr lang="en-GB" err="1"/>
-              <a:t>th</a:t>
-            </a:r>
-            <a:r>
-              <a:rPr lang="en-GB"/>
-              <a:t> ∈ M reviews, nth is word-</a:t>
-            </a:r>
-            <a:r>
-              <a:rPr lang="en-GB" err="1"/>
-              <a:t>th</a:t>
-            </a:r>
-            <a:r>
-              <a:rPr lang="en-GB"/>
-              <a:t> ∈ N vocabulary in all documents, a document-term matrix A </a:t>
-            </a:r>
-            <a:r>
-              <a:rPr lang="en-GB" err="1"/>
-              <a:t>mxn</a:t>
-            </a:r>
-            <a:r>
-              <a:rPr lang="en-GB"/>
-              <a:t> (see Table 5.2) has values which are the occurrence probabilities of words across different documents, calculated by a term frequency ± inverse document frequency (TF-IDF) method as follow</a:t>
-            </a:r>
+              <a:rPr lang="en-GB" b="0" i="0">
+                <a:solidFill>
+                  <a:srgbClr val="E8EAED"/>
+                </a:solidFill>
+                <a:effectLst/>
+                <a:latin typeface="Google Sans"/>
+              </a:rPr>
+              <a:t>TF-IDF is scored </a:t>
+            </a:r>
+            <a:r>
+              <a:rPr lang="en-GB" b="0" i="0">
+                <a:solidFill>
+                  <a:srgbClr val="E2EEFF"/>
+                </a:solidFill>
+                <a:effectLst/>
+                <a:latin typeface="Google Sans"/>
+              </a:rPr>
+              <a:t>between 0 and 1</a:t>
+            </a:r>
+            <a:r>
+              <a:rPr lang="en-GB" b="0" i="0">
+                <a:solidFill>
+                  <a:srgbClr val="E8EAED"/>
+                </a:solidFill>
+                <a:effectLst/>
+                <a:latin typeface="Google Sans"/>
+              </a:rPr>
+              <a:t>. The higher the numerical weight value, the rarer the term. The smaller the weight, the more common the term.</a:t>
+            </a:r>
+          </a:p>
+          <a:p>
+            <a:endParaRPr lang="en-GB" b="0" i="0">
+              <a:solidFill>
+                <a:srgbClr val="E8EAED"/>
+              </a:solidFill>
+              <a:effectLst/>
+              <a:latin typeface="Google Sans"/>
+            </a:endParaRPr>
+          </a:p>
+          <a:p>
+            <a:pPr algn="l"/>
+            <a:r>
+              <a:rPr lang="en-GB" b="0" i="0">
+                <a:solidFill>
+                  <a:srgbClr val="D1D5DB"/>
+                </a:solidFill>
+                <a:effectLst/>
+                <a:latin typeface="Söhne"/>
+              </a:rPr>
+              <a:t>TF-IDF stands for Term Frequency-Inverse Document Frequency. It is a numerical statistic used in natural language processing (NLP) to evaluate the importance of a term within a document or a collection of documents.</a:t>
+            </a:r>
+          </a:p>
+          <a:p>
+            <a:pPr algn="l"/>
+            <a:r>
+              <a:rPr lang="en-GB" b="0" i="0">
+                <a:solidFill>
+                  <a:srgbClr val="D1D5DB"/>
+                </a:solidFill>
+                <a:effectLst/>
+                <a:latin typeface="Söhne"/>
+              </a:rPr>
+              <a:t>TF (Term Frequency) measures the frequency of a term within a document. It indicates how often a term appears in a document relative to the total number of words in that document. A higher TF value suggests that a term is more relevant or important within the document.</a:t>
+            </a:r>
+          </a:p>
+          <a:p>
+            <a:pPr algn="l"/>
+            <a:r>
+              <a:rPr lang="en-GB" b="0" i="0">
+                <a:solidFill>
+                  <a:srgbClr val="D1D5DB"/>
+                </a:solidFill>
+                <a:effectLst/>
+                <a:latin typeface="Söhne"/>
+              </a:rPr>
+              <a:t>IDF (Inverse Document Frequency) measures the rarity or uniqueness of a term across a collection of documents. It quantifies how much information a term provides by considering the number of documents in the collection that contain the term. A higher IDF value indicates that a term is less common and potentially more significant in distinguishing documents.</a:t>
+            </a:r>
+          </a:p>
+          <a:p>
+            <a:endParaRPr lang="en-GB"/>
+          </a:p>
+          <a:p>
+            <a:endParaRPr lang="en-GB"/>
+          </a:p>
+          <a:p>
+            <a:pPr algn="l"/>
+            <a:r>
+              <a:rPr lang="en-GB" b="0" i="0">
+                <a:solidFill>
+                  <a:srgbClr val="D1D5DB"/>
+                </a:solidFill>
+                <a:effectLst/>
+                <a:latin typeface="Söhne"/>
+              </a:rPr>
+              <a:t>The TF-IDF score is obtained by multiplying the TF value of a term in a document by its IDF value across the entire collection of documents. This helps in highlighting terms that are frequent within a document but relatively rare across the entire collection, thus capturing their uniqueness.</a:t>
+            </a:r>
+          </a:p>
+          <a:p>
+            <a:pPr algn="l"/>
+            <a:r>
+              <a:rPr lang="en-GB" b="0" i="0">
+                <a:solidFill>
+                  <a:srgbClr val="D1D5DB"/>
+                </a:solidFill>
+                <a:effectLst/>
+                <a:latin typeface="Söhne"/>
+              </a:rPr>
+              <a:t>The purpose of TF-IDF is to identify important terms that can help characterize or differentiate documents in a collection. It is commonly used in various NLP tasks such as information retrieval, document classification, keyword extraction, and text mining. By giving higher weights to terms that are more relevant and discriminative, TF-IDF allows for better representation and analysis of text data.</a:t>
+            </a:r>
+          </a:p>
+          <a:p>
+            <a:endParaRPr lang="en-GB"/>
           </a:p>
         </p:txBody>
       </p:sp>
@@ -7204,7 +7351,7 @@
           <a:p>
             <a:fld id="{433B6994-23E3-4735-8D5E-0BFA6C6692BD}" type="slidenum">
               <a:rPr lang="en-GB" smtClean="0"/>
-              <a:t>37</a:t>
+              <a:t>38</a:t>
             </a:fld>
             <a:endParaRPr lang="en-GB"/>
           </a:p>
@@ -7213,7 +7360,7 @@
     </p:spTree>
     <p:extLst>
       <p:ext uri="{BB962C8B-B14F-4D97-AF65-F5344CB8AC3E}">
-        <p14:creationId xmlns:p14="http://schemas.microsoft.com/office/powerpoint/2010/main" val="1760715187"/>
+        <p14:creationId xmlns:p14="http://schemas.microsoft.com/office/powerpoint/2010/main" val="1763442550"/>
       </p:ext>
     </p:extLst>
   </p:cSld>
@@ -7268,118 +7415,163 @@
           <a:lstStyle/>
           <a:p>
             <a:r>
-              <a:rPr lang="en-GB" b="0" i="0">
+              <a:rPr lang="en-GB" dirty="0"/>
+              <a:t>LSI (</a:t>
+            </a:r>
+            <a:r>
+              <a:rPr lang="en-GB" dirty="0" err="1"/>
+              <a:t>Dumais</a:t>
+            </a:r>
+            <a:r>
+              <a:rPr lang="en-GB" dirty="0"/>
+              <a:t> et al., 1988; </a:t>
+            </a:r>
+            <a:r>
+              <a:rPr lang="en-GB" dirty="0" err="1"/>
+              <a:t>Deerwester</a:t>
+            </a:r>
+            <a:r>
+              <a:rPr lang="en-GB" dirty="0"/>
+              <a:t> et al., 1990) is the pioneer model in topic modelling field and ushers in an era of probabilistic model. LSI analyses the connections between a document in a corpus and the tokens the document contains. It assumes that words in similar text will have close meanings with each other. The model creates a matrix ± called a document term matrix wherein rows are unique words of the corpora (i.e., list of vocabulary) and columns represent documents. Let </a:t>
+            </a:r>
+            <a:r>
+              <a:rPr lang="en-GB" dirty="0" err="1"/>
+              <a:t>mth</a:t>
+            </a:r>
+            <a:r>
+              <a:rPr lang="en-GB" dirty="0"/>
+              <a:t> is review-</a:t>
+            </a:r>
+            <a:r>
+              <a:rPr lang="en-GB" dirty="0" err="1"/>
+              <a:t>th</a:t>
+            </a:r>
+            <a:r>
+              <a:rPr lang="en-GB" dirty="0"/>
+              <a:t> ∈ M reviews, nth is word-</a:t>
+            </a:r>
+            <a:r>
+              <a:rPr lang="en-GB" dirty="0" err="1"/>
+              <a:t>th</a:t>
+            </a:r>
+            <a:r>
+              <a:rPr lang="en-GB" dirty="0"/>
+              <a:t> ∈ N vocabulary in all documents, a document-term matrix A </a:t>
+            </a:r>
+            <a:r>
+              <a:rPr lang="en-GB" dirty="0" err="1"/>
+              <a:t>mxn</a:t>
+            </a:r>
+            <a:r>
+              <a:rPr lang="en-GB" dirty="0"/>
+              <a:t> (see Table 5.2) has values which are the occurrence probabilities of words across different documents, calculated by a term frequency ± inverse document frequency (TF-IDF) method as follow.</a:t>
+            </a:r>
+          </a:p>
+          <a:p>
+            <a:endParaRPr lang="en-GB" dirty="0"/>
+          </a:p>
+          <a:p>
+            <a:endParaRPr lang="en-GB" dirty="0"/>
+          </a:p>
+          <a:p>
+            <a:r>
+              <a:rPr lang="en-GB" b="0" i="0" dirty="0">
                 <a:solidFill>
-                  <a:srgbClr val="E8EAED"/>
+                  <a:srgbClr val="202122"/>
                 </a:solidFill>
                 <a:effectLst/>
-                <a:latin typeface="Google Sans"/>
+                <a:latin typeface="Arial" panose="020B0604020202020204" pitchFamily="34" charset="0"/>
               </a:rPr>
-              <a:t>TF-IDF is scored </a:t>
-            </a:r>
-            <a:r>
-              <a:rPr lang="en-GB" b="0" i="0">
+              <a:t>we might count the number of times each term occurs in each document; the number of times a term occurs in a document is called its </a:t>
+            </a:r>
+            <a:r>
+              <a:rPr lang="en-GB" b="0" i="1" dirty="0">
                 <a:solidFill>
-                  <a:srgbClr val="E2EEFF"/>
+                  <a:srgbClr val="202122"/>
                 </a:solidFill>
                 <a:effectLst/>
-                <a:latin typeface="Google Sans"/>
+                <a:latin typeface="Arial" panose="020B0604020202020204" pitchFamily="34" charset="0"/>
               </a:rPr>
-              <a:t>between 0 and 1</a:t>
-            </a:r>
-            <a:r>
-              <a:rPr lang="en-GB" b="0" i="0">
+              <a:t>term frequency</a:t>
+            </a:r>
+            <a:endParaRPr lang="en-GB" dirty="0"/>
+          </a:p>
+          <a:p>
+            <a:endParaRPr lang="en-GB" dirty="0"/>
+          </a:p>
+          <a:p>
+            <a:r>
+              <a:rPr lang="en-GB" b="0" i="0" dirty="0">
                 <a:solidFill>
-                  <a:srgbClr val="E8EAED"/>
+                  <a:srgbClr val="202122"/>
                 </a:solidFill>
                 <a:effectLst/>
-                <a:latin typeface="Google Sans"/>
+                <a:latin typeface="Arial" panose="020B0604020202020204" pitchFamily="34" charset="0"/>
               </a:rPr>
-              <a:t>. The higher the numerical weight value, the rarer the term. The smaller the weight, the more common the term.</a:t>
-            </a:r>
-          </a:p>
-          <a:p>
-            <a:endParaRPr lang="en-GB" b="0" i="0">
-              <a:solidFill>
-                <a:srgbClr val="E8EAED"/>
-              </a:solidFill>
-              <a:effectLst/>
-              <a:latin typeface="Google Sans"/>
-            </a:endParaRPr>
-          </a:p>
-          <a:p>
-            <a:pPr algn="l"/>
-            <a:r>
-              <a:rPr lang="en-GB" b="0" i="0">
+              <a:t>Hence, an </a:t>
+            </a:r>
+            <a:r>
+              <a:rPr lang="en-GB" b="0" i="1" dirty="0">
                 <a:solidFill>
-                  <a:srgbClr val="D1D5DB"/>
+                  <a:srgbClr val="202122"/>
                 </a:solidFill>
                 <a:effectLst/>
-                <a:latin typeface="Söhne"/>
+                <a:latin typeface="Arial" panose="020B0604020202020204" pitchFamily="34" charset="0"/>
               </a:rPr>
-              <a:t>TF-IDF stands for Term Frequency-Inverse Document Frequency. It is a numerical statistic used in natural language processing (NLP) to evaluate the importance of a term within a document or a collection of documents.</a:t>
-            </a:r>
-          </a:p>
-          <a:p>
-            <a:pPr algn="l"/>
-            <a:r>
-              <a:rPr lang="en-GB" b="0" i="0">
+              <a:t>inverse document frequency</a:t>
+            </a:r>
+            <a:r>
+              <a:rPr lang="en-GB" b="0" i="0" dirty="0">
                 <a:solidFill>
-                  <a:srgbClr val="D1D5DB"/>
+                  <a:srgbClr val="202122"/>
                 </a:solidFill>
                 <a:effectLst/>
-                <a:latin typeface="Söhne"/>
+                <a:latin typeface="Arial" panose="020B0604020202020204" pitchFamily="34" charset="0"/>
               </a:rPr>
-              <a:t>TF (Term Frequency) measures the frequency of a term within a document. It indicates how often a term appears in a document relative to the total number of words in that document. A higher TF value suggests that a term is more relevant or important within the document.</a:t>
-            </a:r>
-          </a:p>
-          <a:p>
-            <a:pPr algn="l"/>
-            <a:r>
-              <a:rPr lang="en-GB" b="0" i="0">
+              <a:t> factor is incorporated which diminishes the weight of terms that occur very frequently in the document set and increases the weight of terms that occur rarely. It is </a:t>
+            </a:r>
+            <a:r>
+              <a:rPr lang="en-GB" b="1" i="0" u="sng" dirty="0">
                 <a:solidFill>
-                  <a:srgbClr val="D1D5DB"/>
+                  <a:srgbClr val="202122"/>
                 </a:solidFill>
                 <a:effectLst/>
-                <a:latin typeface="Söhne"/>
+                <a:latin typeface="Arial" panose="020B0604020202020204" pitchFamily="34" charset="0"/>
               </a:rPr>
-              <a:t>IDF (Inverse Document Frequency) measures the rarity or uniqueness of a term across a collection of documents. It quantifies how much information a term provides by considering the number of documents in the collection that contain the term. A higher IDF value indicates that a term is less common and potentially more significant in distinguishing documents.</a:t>
-            </a:r>
-          </a:p>
-          <a:p>
-            <a:endParaRPr lang="en-GB"/>
-          </a:p>
-          <a:p>
-            <a:endParaRPr lang="en-GB"/>
-          </a:p>
-          <a:p>
-            <a:pPr algn="l"/>
-            <a:r>
-              <a:rPr lang="en-GB" b="0" i="0">
+              <a:t>the </a:t>
+            </a:r>
+            <a:r>
+              <a:rPr lang="en-GB" b="1" i="0" u="sng" strike="noStrike" dirty="0">
                 <a:solidFill>
-                  <a:srgbClr val="D1D5DB"/>
+                  <a:srgbClr val="3366CC"/>
                 </a:solidFill>
                 <a:effectLst/>
-                <a:latin typeface="Söhne"/>
+                <a:latin typeface="Arial" panose="020B0604020202020204" pitchFamily="34" charset="0"/>
+                <a:hlinkClick r:id="rId3" tooltip="Logarithmic scale"/>
               </a:rPr>
-              <a:t>The TF-IDF score is obtained by multiplying the TF value of a term in a document by its IDF value across the entire collection of documents. This helps in highlighting terms that are frequent within a document but relatively rare across the entire collection, thus capturing their uniqueness.</a:t>
-            </a:r>
-          </a:p>
-          <a:p>
-            <a:pPr algn="l"/>
-            <a:r>
-              <a:rPr lang="en-GB" b="0" i="0">
+              <a:t>logarithmically scaled</a:t>
+            </a:r>
+            <a:r>
+              <a:rPr lang="en-GB" b="1" i="0" u="sng" dirty="0">
                 <a:solidFill>
-                  <a:srgbClr val="D1D5DB"/>
+                  <a:srgbClr val="202122"/>
                 </a:solidFill>
                 <a:effectLst/>
-                <a:latin typeface="Söhne"/>
+                <a:latin typeface="Arial" panose="020B0604020202020204" pitchFamily="34" charset="0"/>
               </a:rPr>
-              <a:t>The purpose of TF-IDF is to identify important terms that can help characterize or differentiate documents in a collection. It is commonly used in various NLP tasks such as information retrieval, document classification, keyword extraction, and text mining. By giving higher weights to terms that are more relevant and discriminative, TF-IDF allows for better representation and analysis of text data.</a:t>
-            </a:r>
-          </a:p>
-          <a:p>
-            <a:endParaRPr lang="en-GB"/>
+              <a:t> inverse fraction of the documents </a:t>
+            </a:r>
+            <a:r>
+              <a:rPr lang="en-GB" b="0" i="0" dirty="0">
+                <a:solidFill>
+                  <a:srgbClr val="202122"/>
+                </a:solidFill>
+                <a:effectLst/>
+                <a:latin typeface="Arial" panose="020B0604020202020204" pitchFamily="34" charset="0"/>
+              </a:rPr>
+              <a:t>that contain the word (obtained by dividing the total number of documents by the number of documents containing the term, and then taking the logarithm of that quotient)</a:t>
+            </a:r>
+            <a:endParaRPr lang="en-GB" dirty="0"/>
           </a:p>
         </p:txBody>
       </p:sp>
@@ -7400,7 +7592,7 @@
           <a:p>
             <a:fld id="{433B6994-23E3-4735-8D5E-0BFA6C6692BD}" type="slidenum">
               <a:rPr lang="en-GB" smtClean="0"/>
-              <a:t>38</a:t>
+              <a:t>39</a:t>
             </a:fld>
             <a:endParaRPr lang="en-GB"/>
           </a:p>
@@ -7409,7 +7601,7 @@
     </p:spTree>
     <p:extLst>
       <p:ext uri="{BB962C8B-B14F-4D97-AF65-F5344CB8AC3E}">
-        <p14:creationId xmlns:p14="http://schemas.microsoft.com/office/powerpoint/2010/main" val="1763442550"/>
+        <p14:creationId xmlns:p14="http://schemas.microsoft.com/office/powerpoint/2010/main" val="1760715187"/>
       </p:ext>
     </p:extLst>
   </p:cSld>
@@ -7568,7 +7760,7 @@
           <a:p>
             <a:fld id="{433B6994-23E3-4735-8D5E-0BFA6C6692BD}" type="slidenum">
               <a:rPr lang="en-GB" smtClean="0"/>
-              <a:t>39</a:t>
+              <a:t>40</a:t>
             </a:fld>
             <a:endParaRPr lang="en-GB"/>
           </a:p>
@@ -7771,66 +7963,7 @@
           <a:bodyPr/>
           <a:lstStyle/>
           <a:p>
-            <a:r>
-              <a:rPr lang="en-GB"/>
-              <a:t>https://www.analyticsvidhya.com/blog/2021/06/part-2-topic-modeling-and-latent-dirichlet-allocation-lda-using-gensim-and-sklearn/</a:t>
-            </a:r>
-          </a:p>
-          <a:p>
-            <a:endParaRPr lang="en-GB"/>
-          </a:p>
-          <a:p>
-            <a:r>
-              <a:rPr lang="en-GB"/>
-              <a:t>Interpretability: LDA provides better interpretability compared to LSA. LDA assigns meaningful labels to the discovered topics based on the probability distribution of words within each topic. This makes it easier for humans to understand and interpret the topics, as they are represented by the most relevant and representative terms.</a:t>
-            </a:r>
-          </a:p>
-          <a:p>
-            <a:endParaRPr lang="en-GB"/>
-          </a:p>
-          <a:p>
-            <a:r>
-              <a:rPr lang="en-GB"/>
-              <a:t>Handling of polysemy and synonyms: LDA can handle polysemy (multiple meanings of a word) and synonyms more effectively than LSA. LDA models topics as probability distributions over words, allowing a word to have different probabilities in different topics. This allows LDA to capture the nuanced semantic relationships between words and assign them to appropriate topics based on their context, whereas LSA may struggle with such complexities.</a:t>
-            </a:r>
-          </a:p>
-          <a:p>
-            <a:endParaRPr lang="en-GB"/>
-          </a:p>
-          <a:p>
-            <a:r>
-              <a:rPr lang="en-GB"/>
-              <a:t>Incorporation of prior knowledge: LDA allows the incorporation of prior knowledge or metadata about documents. It can consider document-level metadata (such as author, date, or source) or external knowledge sources to enhance the topic </a:t>
-            </a:r>
-            <a:r>
-              <a:rPr lang="en-GB" err="1"/>
-              <a:t>modeling</a:t>
-            </a:r>
-            <a:r>
-              <a:rPr lang="en-GB"/>
-              <a:t> process. This capability enables the inclusion of domain-specific information and can improve the quality and relevance of the topics generated.</a:t>
-            </a:r>
-          </a:p>
-          <a:p>
-            <a:endParaRPr lang="en-GB"/>
-          </a:p>
-          <a:p>
-            <a:r>
-              <a:rPr lang="en-GB"/>
-              <a:t>Scalability and efficiency: LDA is generally more scalable and efficient than LSA when dealing with large text corpora. LDA uses a generative probabilistic model and efficient inference algorithms (such as variational inference or Gibbs sampling) to estimate the topic distributions. These techniques make LDA more suitable for handling large-scale datasets compared to the matrix factorization approach used in LSA.</a:t>
-            </a:r>
-          </a:p>
-          <a:p>
-            <a:endParaRPr lang="en-GB"/>
-          </a:p>
-          <a:p>
-            <a:r>
-              <a:rPr lang="en-GB"/>
-              <a:t>Temporal analysis: LDA can be extended to handle temporal dynamics and topic evolution over time. By incorporating time stamps or considering document order, dynamic topic models based on LDA can capture how topics change and shift over different time periods. This temporal analysis is not inherent in LSA, which treats all documents equally and does not account for changes in topic distribution.</a:t>
-            </a:r>
-          </a:p>
-          <a:p>
-            <a:endParaRPr lang="en-GB"/>
+            <a:endParaRPr lang="en-GB" dirty="0"/>
           </a:p>
         </p:txBody>
       </p:sp>
@@ -7851,7 +7984,7 @@
           <a:p>
             <a:fld id="{433B6994-23E3-4735-8D5E-0BFA6C6692BD}" type="slidenum">
               <a:rPr lang="en-GB" smtClean="0"/>
-              <a:t>41</a:t>
+              <a:t>42</a:t>
             </a:fld>
             <a:endParaRPr lang="en-GB"/>
           </a:p>
@@ -7984,27 +8117,18 @@
                 <a:effectLst/>
                 <a:latin typeface="Söhne"/>
               </a:rPr>
-              <a:t>a. Random Assignment: Each word in each document is randomly assigned to one of the K topics.</a:t>
-            </a:r>
-          </a:p>
-          <a:p>
-            <a:pPr algn="l">
-              <a:buFont typeface="+mj-lt"/>
-              <a:buAutoNum type="arabicPeriod"/>
-            </a:pPr>
-            <a:endParaRPr lang="en-GB" b="0" i="0" dirty="0">
-              <a:solidFill>
-                <a:srgbClr val="374151"/>
-              </a:solidFill>
-              <a:effectLst/>
-              <a:latin typeface="Söhne"/>
-            </a:endParaRPr>
-          </a:p>
-          <a:p>
-            <a:pPr algn="l">
-              <a:buFont typeface="+mj-lt"/>
-              <a:buNone/>
-            </a:pPr>
+              <a:t>a. Random Assignment: </a:t>
+            </a:r>
+            <a:r>
+              <a:rPr lang="en-GB" b="1" i="0" u="sng" dirty="0">
+                <a:solidFill>
+                  <a:srgbClr val="374151"/>
+                </a:solidFill>
+                <a:effectLst/>
+                <a:latin typeface="Söhne"/>
+              </a:rPr>
+              <a:t>Each word in each document </a:t>
+            </a:r>
             <a:r>
               <a:rPr lang="en-GB" b="0" i="0" dirty="0">
                 <a:solidFill>
@@ -8013,21 +8137,64 @@
                 <a:effectLst/>
                 <a:latin typeface="Söhne"/>
               </a:rPr>
-              <a:t>b. Topic Distribution Estimation: LDA then iterates through each word in each document and estimates the probability of that word belonging to each topic, based on the current assignments of all other words. This estimation is performed using Bayesian inference and statistical techniques.</a:t>
+              <a:t>is randomly assigned to one of the K topics through a prior Dirichlet distribution.</a:t>
             </a:r>
           </a:p>
           <a:p>
             <a:pPr algn="l">
               <a:buFont typeface="+mj-lt"/>
-              <a:buAutoNum type="arabicPeriod"/>
+              <a:buNone/>
             </a:pPr>
-            <a:endParaRPr lang="en-GB" b="0" i="0" dirty="0">
-              <a:solidFill>
-                <a:srgbClr val="374151"/>
-              </a:solidFill>
-              <a:effectLst/>
-              <a:latin typeface="Söhne"/>
-            </a:endParaRPr>
+            <a:r>
+              <a:rPr lang="en-GB" b="0" i="0" dirty="0">
+                <a:solidFill>
+                  <a:srgbClr val="374151"/>
+                </a:solidFill>
+                <a:effectLst/>
+                <a:latin typeface="Söhne"/>
+              </a:rPr>
+              <a:t>b. Topic Distribution Estimation: LDA then iterates through each word in each document and estimates the probability of that word belonging to each topic, based on the current assignments of all other words. This estimation is performed using </a:t>
+            </a:r>
+            <a:r>
+              <a:rPr lang="en-GB" b="1" i="0" u="sng" dirty="0">
+                <a:solidFill>
+                  <a:srgbClr val="374151"/>
+                </a:solidFill>
+                <a:effectLst/>
+                <a:latin typeface="Söhne"/>
+              </a:rPr>
+              <a:t>Bayesian inference </a:t>
+            </a:r>
+            <a:r>
+              <a:rPr lang="en-GB" b="0" i="0" dirty="0">
+                <a:solidFill>
+                  <a:srgbClr val="374151"/>
+                </a:solidFill>
+                <a:effectLst/>
+                <a:latin typeface="Söhne"/>
+              </a:rPr>
+              <a:t>and </a:t>
+            </a:r>
+            <a:r>
+              <a:rPr lang="en-GB" b="1" i="0" u="sng" dirty="0">
+                <a:solidFill>
+                  <a:srgbClr val="374151"/>
+                </a:solidFill>
+                <a:effectLst/>
+                <a:latin typeface="Söhne"/>
+              </a:rPr>
+              <a:t>statistical techniques</a:t>
+            </a:r>
+            <a:r>
+              <a:rPr lang="en-GB" b="0" i="0" dirty="0">
+                <a:solidFill>
+                  <a:srgbClr val="374151"/>
+                </a:solidFill>
+                <a:effectLst/>
+                <a:latin typeface="Söhne"/>
+              </a:rPr>
+              <a:t>.</a:t>
+            </a:r>
           </a:p>
           <a:p>
             <a:pPr algn="l">
@@ -8048,19 +8215,6 @@
           <a:p>
             <a:pPr algn="l">
               <a:buFont typeface="+mj-lt"/>
-              <a:buAutoNum type="arabicPeriod"/>
-            </a:pPr>
-            <a:endParaRPr lang="en-GB" b="0" i="0" dirty="0">
-              <a:solidFill>
-                <a:srgbClr val="374151"/>
-              </a:solidFill>
-              <a:effectLst/>
-              <a:latin typeface="Söhne"/>
-            </a:endParaRPr>
-          </a:p>
-          <a:p>
-            <a:pPr algn="l">
-              <a:buFont typeface="+mj-lt"/>
               <a:buNone/>
             </a:pPr>
             <a:r>
@@ -8071,13 +8225,23 @@
                 <a:effectLst/>
                 <a:latin typeface="Söhne"/>
               </a:rPr>
-              <a:t>d. Iteration: Steps b and c are repeated multiple times until convergence is reached, meaning the topics and word distributions stabilize.</a:t>
+              <a:t>d. Iteration: Steps b and c are repeated multiple times until </a:t>
+            </a:r>
+            <a:r>
+              <a:rPr lang="en-GB" b="1" i="0" u="sng" dirty="0">
+                <a:solidFill>
+                  <a:srgbClr val="374151"/>
+                </a:solidFill>
+                <a:effectLst/>
+                <a:latin typeface="Söhne"/>
+              </a:rPr>
+              <a:t>convergence is reached, meaning the topics and word distributions stabilize.</a:t>
             </a:r>
           </a:p>
           <a:p>
             <a:pPr algn="l">
               <a:buFont typeface="+mj-lt"/>
-              <a:buAutoNum type="arabicPeriod"/>
+              <a:buNone/>
             </a:pPr>
             <a:endParaRPr lang="en-GB" b="0" i="0" dirty="0">
               <a:solidFill>
@@ -8125,7 +8289,7 @@
           <a:p>
             <a:fld id="{433B6994-23E3-4735-8D5E-0BFA6C6692BD}" type="slidenum">
               <a:rPr lang="en-GB" smtClean="0"/>
-              <a:t>42</a:t>
+              <a:t>43</a:t>
             </a:fld>
             <a:endParaRPr lang="en-GB"/>
           </a:p>
@@ -8260,7 +8424,7 @@
           <a:p>
             <a:fld id="{433B6994-23E3-4735-8D5E-0BFA6C6692BD}" type="slidenum">
               <a:rPr lang="en-GB" smtClean="0"/>
-              <a:t>43</a:t>
+              <a:t>44</a:t>
             </a:fld>
             <a:endParaRPr lang="en-GB"/>
           </a:p>
@@ -8344,7 +8508,7 @@
           <a:p>
             <a:fld id="{433B6994-23E3-4735-8D5E-0BFA6C6692BD}" type="slidenum">
               <a:rPr lang="en-GB" smtClean="0"/>
-              <a:t>47</a:t>
+              <a:t>48</a:t>
             </a:fld>
             <a:endParaRPr lang="en-GB"/>
           </a:p>
@@ -8392,8 +8556,8 @@
         </p:nvSpPr>
         <p:spPr/>
       </p:sp>
-      <mc:AlternateContent xmlns:mc="http://schemas.openxmlformats.org/markup-compatibility/2006">
-        <mc:Choice xmlns:a14="http://schemas.microsoft.com/office/drawing/2010/main" Requires="a14">
+      <mc:AlternateContent xmlns:mc="http://schemas.openxmlformats.org/markup-compatibility/2006" xmlns:a14="http://schemas.microsoft.com/office/drawing/2010/main">
+        <mc:Choice Requires="a14">
           <p:sp>
             <p:nvSpPr>
               <p:cNvPr id="3" name="Notes Placeholder 2"/>
@@ -8668,7 +8832,7 @@
             </p:txBody>
           </p:sp>
         </mc:Choice>
-        <mc:Fallback>
+        <mc:Fallback xmlns="">
           <p:sp>
             <p:nvSpPr>
               <p:cNvPr id="3" name="Notes Placeholder 2"/>
@@ -8916,7 +9080,7 @@
           <a:p>
             <a:fld id="{433B6994-23E3-4735-8D5E-0BFA6C6692BD}" type="slidenum">
               <a:rPr lang="en-GB" smtClean="0"/>
-              <a:t>50</a:t>
+              <a:t>51</a:t>
             </a:fld>
             <a:endParaRPr lang="en-GB"/>
           </a:p>
@@ -9185,7 +9349,7 @@
           <a:p>
             <a:fld id="{433B6994-23E3-4735-8D5E-0BFA6C6692BD}" type="slidenum">
               <a:rPr lang="en-GB" smtClean="0"/>
-              <a:t>53</a:t>
+              <a:t>54</a:t>
             </a:fld>
             <a:endParaRPr lang="en-GB"/>
           </a:p>
@@ -9195,6 +9359,146 @@
     <p:extLst>
       <p:ext uri="{BB962C8B-B14F-4D97-AF65-F5344CB8AC3E}">
         <p14:creationId xmlns:p14="http://schemas.microsoft.com/office/powerpoint/2010/main" val="1528698434"/>
+      </p:ext>
+    </p:extLst>
+  </p:cSld>
+  <p:clrMapOvr>
+    <a:masterClrMapping/>
+  </p:clrMapOvr>
+</p:notes>
+</file>
+
+<file path=ppt/notesSlides/notesSlide26.xml><?xml version="1.0" encoding="utf-8"?>
+<p:notes xmlns:a="http://schemas.openxmlformats.org/drawingml/2006/main" xmlns:r="http://schemas.openxmlformats.org/officeDocument/2006/relationships" xmlns:p="http://schemas.openxmlformats.org/presentationml/2006/main">
+  <p:cSld>
+    <p:spTree>
+      <p:nvGrpSpPr>
+        <p:cNvPr id="1" name=""/>
+        <p:cNvGrpSpPr/>
+        <p:nvPr/>
+      </p:nvGrpSpPr>
+      <p:grpSpPr>
+        <a:xfrm>
+          <a:off x="0" y="0"/>
+          <a:ext cx="0" cy="0"/>
+          <a:chOff x="0" y="0"/>
+          <a:chExt cx="0" cy="0"/>
+        </a:xfrm>
+      </p:grpSpPr>
+      <p:sp>
+        <p:nvSpPr>
+          <p:cNvPr id="2" name="Slide Image Placeholder 1"/>
+          <p:cNvSpPr>
+            <a:spLocks noGrp="1" noRot="1" noChangeAspect="1"/>
+          </p:cNvSpPr>
+          <p:nvPr>
+            <p:ph type="sldImg"/>
+          </p:nvPr>
+        </p:nvSpPr>
+        <p:spPr/>
+      </p:sp>
+      <p:sp>
+        <p:nvSpPr>
+          <p:cNvPr id="3" name="Notes Placeholder 2"/>
+          <p:cNvSpPr>
+            <a:spLocks noGrp="1"/>
+          </p:cNvSpPr>
+          <p:nvPr>
+            <p:ph type="body" idx="1"/>
+          </p:nvPr>
+        </p:nvSpPr>
+        <p:spPr/>
+        <p:txBody>
+          <a:bodyPr/>
+          <a:lstStyle/>
+          <a:p>
+            <a:pPr marL="0" marR="0" lvl="0" indent="0" algn="l" defTabSz="914400" rtl="0" eaLnBrk="1" fontAlgn="auto" latinLnBrk="0" hangingPunct="1">
+              <a:lnSpc>
+                <a:spcPct val="100000"/>
+              </a:lnSpc>
+              <a:spcBef>
+                <a:spcPts val="0"/>
+              </a:spcBef>
+              <a:spcAft>
+                <a:spcPts val="0"/>
+              </a:spcAft>
+              <a:buClrTx/>
+              <a:buSzTx/>
+              <a:buFontTx/>
+              <a:buNone/>
+              <a:tabLst/>
+              <a:defRPr/>
+            </a:pPr>
+            <a:r>
+              <a:rPr lang="en-GB" sz="1800" i="1" u="sng" dirty="0">
+                <a:solidFill>
+                  <a:srgbClr val="000000"/>
+                </a:solidFill>
+                <a:effectLst/>
+                <a:latin typeface="Arial" panose="020B0604020202020204" pitchFamily="34" charset="0"/>
+                <a:ea typeface="Calibri" panose="020F0502020204030204" pitchFamily="34" charset="0"/>
+              </a:rPr>
+              <a:t>About</a:t>
+            </a:r>
+            <a:br>
+              <a:rPr lang="en-GB" sz="1800" dirty="0">
+                <a:solidFill>
+                  <a:srgbClr val="000000"/>
+                </a:solidFill>
+                <a:effectLst/>
+                <a:latin typeface="Arial" panose="020B0604020202020204" pitchFamily="34" charset="0"/>
+                <a:ea typeface="Calibri" panose="020F0502020204030204" pitchFamily="34" charset="0"/>
+              </a:rPr>
+            </a:br>
+            <a:r>
+              <a:rPr lang="en-GB" sz="1800" dirty="0">
+                <a:solidFill>
+                  <a:srgbClr val="000000"/>
+                </a:solidFill>
+                <a:effectLst/>
+                <a:latin typeface="Arial" panose="020B0604020202020204" pitchFamily="34" charset="0"/>
+                <a:ea typeface="Calibri" panose="020F0502020204030204" pitchFamily="34" charset="0"/>
+              </a:rPr>
+              <a:t>With the proliferation of academic databases, manual thematic/content analysis is no longer effective to cover all papers and extract common topics. To cope with that issue, machine learning-based topic modelling is a well-known technique to explore prominent topics from a big collection of texts. This course aims to provide a basic knowledge about text pre-processing and an introduction of the most common topic model – Latent Dirichlet Allocation (LDA) using the Python-programming language. The participants will have an opportunity to practise on real academic dataset.</a:t>
+            </a:r>
+            <a:endParaRPr lang="en-GB" sz="1800" dirty="0">
+              <a:effectLst/>
+              <a:latin typeface="Calibri" panose="020F0502020204030204" pitchFamily="34" charset="0"/>
+              <a:ea typeface="Calibri" panose="020F0502020204030204" pitchFamily="34" charset="0"/>
+            </a:endParaRPr>
+          </a:p>
+          <a:p>
+            <a:endParaRPr lang="en-GB" dirty="0"/>
+          </a:p>
+        </p:txBody>
+      </p:sp>
+      <p:sp>
+        <p:nvSpPr>
+          <p:cNvPr id="4" name="Slide Number Placeholder 3"/>
+          <p:cNvSpPr>
+            <a:spLocks noGrp="1"/>
+          </p:cNvSpPr>
+          <p:nvPr>
+            <p:ph type="sldNum" sz="quarter" idx="5"/>
+          </p:nvPr>
+        </p:nvSpPr>
+        <p:spPr/>
+        <p:txBody>
+          <a:bodyPr/>
+          <a:lstStyle/>
+          <a:p>
+            <a:fld id="{433B6994-23E3-4735-8D5E-0BFA6C6692BD}" type="slidenum">
+              <a:rPr lang="en-GB" smtClean="0"/>
+              <a:t>62</a:t>
+            </a:fld>
+            <a:endParaRPr lang="en-GB"/>
+          </a:p>
+        </p:txBody>
+      </p:sp>
+    </p:spTree>
+    <p:extLst>
+      <p:ext uri="{BB962C8B-B14F-4D97-AF65-F5344CB8AC3E}">
+        <p14:creationId xmlns:p14="http://schemas.microsoft.com/office/powerpoint/2010/main" val="4182081118"/>
       </p:ext>
     </p:extLst>
   </p:cSld>
@@ -9249,7 +9553,7 @@
           <a:lstStyle/>
           <a:p>
             <a:r>
-              <a:rPr lang="en-GB" b="0" i="0">
+              <a:rPr lang="en-GB" b="0" i="0" dirty="0">
                 <a:solidFill>
                   <a:srgbClr val="D1D5DB"/>
                 </a:solidFill>
@@ -9259,7 +9563,7 @@
               <a:t>Unstructured text data refers to textual information that does not follow a specific format or organization. It typically lacks a predefined structure, making it challenging to </a:t>
             </a:r>
             <a:r>
-              <a:rPr lang="en-GB" b="0" i="0" err="1">
+              <a:rPr lang="en-GB" b="0" i="0" dirty="0" err="1">
                 <a:solidFill>
                   <a:srgbClr val="D1D5DB"/>
                 </a:solidFill>
@@ -9269,7 +9573,7 @@
               <a:t>analyze</a:t>
             </a:r>
             <a:r>
-              <a:rPr lang="en-GB" b="0" i="0">
+              <a:rPr lang="en-GB" b="0" i="0" dirty="0">
                 <a:solidFill>
                   <a:srgbClr val="D1D5DB"/>
                 </a:solidFill>
@@ -9278,7 +9582,7 @@
               </a:rPr>
               <a:t> and extract meaningful insights directly. </a:t>
             </a:r>
-            <a:endParaRPr lang="en-GB"/>
+            <a:endParaRPr lang="en-GB" dirty="0"/>
           </a:p>
         </p:txBody>
       </p:sp>
@@ -9380,12 +9684,12 @@
               <a:defRPr/>
             </a:pPr>
             <a:r>
-              <a:rPr lang="en-GB" sz="1200"/>
+              <a:rPr lang="en-GB" sz="1200" dirty="0"/>
               <a:t>It consists of well-defined fields, columns, and rows, with each data point having a specific data type.</a:t>
             </a:r>
           </a:p>
           <a:p>
-            <a:endParaRPr lang="en-GB"/>
+            <a:endParaRPr lang="en-GB" dirty="0"/>
           </a:p>
           <a:p>
             <a:pPr marL="0" marR="0" lvl="0" indent="0" algn="l" defTabSz="914400" rtl="0" eaLnBrk="1" fontAlgn="auto" latinLnBrk="0" hangingPunct="1">
@@ -9406,7 +9710,7 @@
               <a:defRPr/>
             </a:pPr>
             <a:r>
-              <a:rPr lang="en-GB" sz="1200"/>
+              <a:rPr lang="en-GB" sz="1200" dirty="0"/>
               <a:t>Un – data types - The content may include text in multiple languages, special characters, punctuation marks, and other linguistic elements.</a:t>
             </a:r>
           </a:p>
@@ -9428,7 +9732,7 @@
               <a:tabLst/>
               <a:defRPr/>
             </a:pPr>
-            <a:endParaRPr lang="en-GB" sz="1200"/>
+            <a:endParaRPr lang="en-GB" sz="1200" dirty="0"/>
           </a:p>
           <a:p>
             <a:pPr marL="0" marR="0" lvl="0" indent="0" algn="l" defTabSz="914400" rtl="0" eaLnBrk="1" fontAlgn="auto" latinLnBrk="0" hangingPunct="1">
@@ -9449,7 +9753,7 @@
               <a:defRPr/>
             </a:pPr>
             <a:r>
-              <a:rPr lang="en-GB" sz="1200"/>
+              <a:rPr lang="en-GB" sz="1200" dirty="0"/>
               <a:t>Analysis: NLP methods focus on understanding the meaning, sentiment, and context of the text.</a:t>
             </a:r>
           </a:p>
@@ -9471,13 +9775,13 @@
               <a:tabLst/>
               <a:defRPr/>
             </a:pPr>
-            <a:endParaRPr lang="en-GB" sz="1200"/>
-          </a:p>
-          <a:p>
-            <a:endParaRPr lang="en-GB"/>
-          </a:p>
-          <a:p>
-            <a:endParaRPr lang="en-GB"/>
+            <a:endParaRPr lang="en-GB" sz="1200" dirty="0"/>
+          </a:p>
+          <a:p>
+            <a:endParaRPr lang="en-GB" dirty="0"/>
+          </a:p>
+          <a:p>
+            <a:endParaRPr lang="en-GB" dirty="0"/>
           </a:p>
         </p:txBody>
       </p:sp>
@@ -13255,8 +13559,8 @@
         </p:nvSpPr>
         <p:spPr>
           <a:xfrm>
-            <a:off x="685800" y="1452265"/>
-            <a:ext cx="11125200" cy="3693319"/>
+            <a:off x="656772" y="1626437"/>
+            <a:ext cx="11125200" cy="4093428"/>
           </a:xfrm>
           <a:prstGeom prst="rect">
             <a:avLst/>
@@ -13270,7 +13574,7 @@
           <a:lstStyle/>
           <a:p>
             <a:r>
-              <a:rPr lang="en-GB" b="1" dirty="0"/>
+              <a:rPr lang="en-GB" sz="2000" b="1" dirty="0"/>
               <a:t>Processing Challenges: </a:t>
             </a:r>
           </a:p>
@@ -13279,7 +13583,7 @@
               <a:buFont typeface="+mj-lt"/>
               <a:buAutoNum type="alphaUcPeriod"/>
             </a:pPr>
-            <a:endParaRPr lang="en-GB" dirty="0"/>
+            <a:endParaRPr lang="en-GB" sz="2000" dirty="0"/>
           </a:p>
           <a:p>
             <a:pPr marL="342900" indent="-342900">
@@ -13287,7 +13591,7 @@
               <a:buChar char="•"/>
             </a:pPr>
             <a:r>
-              <a:rPr lang="en-GB" dirty="0"/>
+              <a:rPr lang="en-GB" sz="2000" dirty="0"/>
               <a:t>Language ambiguity</a:t>
             </a:r>
           </a:p>
@@ -13297,7 +13601,7 @@
               <a:buChar char="•"/>
             </a:pPr>
             <a:r>
-              <a:rPr lang="en-GB" dirty="0"/>
+              <a:rPr lang="en-GB" sz="2000" dirty="0"/>
               <a:t>Spelling and grammar variations, noise, errors e.g., special characters, punctuations.</a:t>
             </a:r>
           </a:p>
@@ -13307,7 +13611,7 @@
               <a:buChar char="•"/>
             </a:pPr>
             <a:r>
-              <a:rPr lang="en-GB" dirty="0"/>
+              <a:rPr lang="en-GB" sz="2000" dirty="0"/>
               <a:t>Synonyms</a:t>
             </a:r>
           </a:p>
@@ -13317,7 +13621,7 @@
               <a:buChar char="•"/>
             </a:pPr>
             <a:r>
-              <a:rPr lang="en-GB" dirty="0"/>
+              <a:rPr lang="en-GB" sz="2000" dirty="0"/>
               <a:t>Colloquialisms and slang</a:t>
             </a:r>
           </a:p>
@@ -13327,7 +13631,7 @@
               <a:buChar char="•"/>
             </a:pPr>
             <a:r>
-              <a:rPr lang="en-GB" dirty="0"/>
+              <a:rPr lang="en-GB" sz="2000" dirty="0"/>
               <a:t>Context-dependent interpretations.</a:t>
             </a:r>
           </a:p>
@@ -13337,7 +13641,7 @@
               <a:buChar char="•"/>
             </a:pPr>
             <a:r>
-              <a:rPr lang="en-GB" dirty="0"/>
+              <a:rPr lang="en-GB" sz="2000" dirty="0"/>
               <a:t>Contextual Understanding: Text data analysis often requires context awareness (e.g., domain-specific language) and semantic understanding to capture nuanced meanings, sarcasm, irony, or cultural references.</a:t>
             </a:r>
           </a:p>
@@ -13347,7 +13651,7 @@
               <a:buChar char="•"/>
             </a:pPr>
             <a:r>
-              <a:rPr lang="en-GB" dirty="0"/>
+              <a:rPr lang="en-GB" sz="2000" dirty="0"/>
               <a:t>Same word with different meanings:</a:t>
             </a:r>
           </a:p>
@@ -13357,39 +13661,39 @@
               <a:buChar char="•"/>
             </a:pPr>
             <a:r>
-              <a:rPr lang="en-GB" dirty="0"/>
+              <a:rPr lang="en-GB" sz="2000" dirty="0"/>
               <a:t>I </a:t>
             </a:r>
             <a:r>
-              <a:rPr lang="en-GB" b="1" dirty="0"/>
+              <a:rPr lang="en-GB" sz="2000" b="1" dirty="0"/>
               <a:t>ran</a:t>
             </a:r>
             <a:r>
-              <a:rPr lang="en-GB" dirty="0"/>
+              <a:rPr lang="en-GB" sz="2000" dirty="0"/>
               <a:t> to the store because we </a:t>
             </a:r>
             <a:r>
-              <a:rPr lang="en-GB" b="1" dirty="0"/>
+              <a:rPr lang="en-GB" sz="2000" b="1" dirty="0"/>
               <a:t>ran</a:t>
             </a:r>
             <a:r>
-              <a:rPr lang="en-GB" dirty="0"/>
+              <a:rPr lang="en-GB" sz="2000" dirty="0"/>
               <a:t> out of milk/Can I </a:t>
             </a:r>
             <a:r>
-              <a:rPr lang="en-GB" b="1" dirty="0"/>
+              <a:rPr lang="en-GB" sz="2000" b="1" dirty="0"/>
               <a:t>run</a:t>
             </a:r>
             <a:r>
-              <a:rPr lang="en-GB" dirty="0"/>
+              <a:rPr lang="en-GB" sz="2000" dirty="0"/>
               <a:t> something past you real quick?/The house is looking really </a:t>
             </a:r>
             <a:r>
-              <a:rPr lang="en-GB" b="1" dirty="0"/>
+              <a:rPr lang="en-GB" sz="2000" b="1" dirty="0"/>
               <a:t>run</a:t>
             </a:r>
             <a:r>
-              <a:rPr lang="en-GB" dirty="0"/>
+              <a:rPr lang="en-GB" sz="2000" dirty="0"/>
               <a:t> down.</a:t>
             </a:r>
           </a:p>
@@ -14058,8 +14362,8 @@
         </p:blipFill>
         <p:spPr>
           <a:xfrm>
-            <a:off x="3276600" y="1594978"/>
-            <a:ext cx="8229600" cy="5136642"/>
+            <a:off x="3475653" y="1753006"/>
+            <a:ext cx="7906657" cy="4935072"/>
           </a:xfrm>
           <a:prstGeom prst="rect">
             <a:avLst/>
@@ -15007,7 +15311,7 @@
               </a:lnSpc>
             </a:pPr>
             <a:r>
-              <a:rPr lang="en-GB" sz="2000" b="1"/>
+              <a:rPr lang="en-GB" sz="2000" b="1" dirty="0"/>
               <a:t>An interactive computing platform:</a:t>
             </a:r>
           </a:p>
@@ -15017,7 +15321,7 @@
                 <a:spcPct val="100000"/>
               </a:lnSpc>
             </a:pPr>
-            <a:endParaRPr lang="en-GB" sz="2000" b="1">
+            <a:endParaRPr lang="en-GB" sz="2000" b="1" dirty="0">
               <a:latin typeface="Arial"/>
               <a:cs typeface="Arial"/>
             </a:endParaRPr>
@@ -15028,7 +15332,7 @@
                 <a:spcPct val="100000"/>
               </a:lnSpc>
             </a:pPr>
-            <a:endParaRPr lang="en-GB" sz="2000" b="1">
+            <a:endParaRPr lang="en-GB" sz="2000" b="1" dirty="0">
               <a:latin typeface="Arial"/>
               <a:cs typeface="Arial"/>
             </a:endParaRPr>
@@ -15039,7 +15343,7 @@
                 <a:spcPct val="100000"/>
               </a:lnSpc>
             </a:pPr>
-            <a:endParaRPr lang="en-GB" sz="2000" b="1">
+            <a:endParaRPr lang="en-GB" sz="2000" b="1" dirty="0">
               <a:latin typeface="Arial"/>
               <a:cs typeface="Arial"/>
             </a:endParaRPr>
@@ -15051,35 +15355,35 @@
               </a:lnSpc>
             </a:pPr>
             <a:r>
-              <a:rPr lang="en-GB" sz="2000" b="1">
+              <a:rPr lang="en-GB" sz="2000" b="1" dirty="0">
                 <a:latin typeface="Arial"/>
                 <a:cs typeface="Arial"/>
               </a:rPr>
               <a:t>Other options: Google </a:t>
             </a:r>
             <a:r>
-              <a:rPr lang="en-GB" sz="2000" b="1" err="1">
+              <a:rPr lang="en-GB" sz="2000" b="1" dirty="0" err="1">
                 <a:latin typeface="Arial"/>
                 <a:cs typeface="Arial"/>
               </a:rPr>
               <a:t>Colab</a:t>
             </a:r>
             <a:r>
-              <a:rPr lang="en-GB" sz="2000" b="1">
+              <a:rPr lang="en-GB" sz="2000" b="1" dirty="0">
                 <a:latin typeface="Arial"/>
                 <a:cs typeface="Arial"/>
               </a:rPr>
               <a:t>, Spyder, </a:t>
             </a:r>
             <a:r>
-              <a:rPr lang="en-GB" sz="2000" b="1" err="1">
+              <a:rPr lang="en-GB" sz="2000" b="1" dirty="0" err="1">
                 <a:latin typeface="Arial"/>
                 <a:cs typeface="Arial"/>
               </a:rPr>
               <a:t>Pycharm</a:t>
             </a:r>
             <a:r>
-              <a:rPr lang="en-GB" sz="2000" b="1">
+              <a:rPr lang="en-GB" sz="2000" b="1" dirty="0">
                 <a:latin typeface="Arial"/>
                 <a:cs typeface="Arial"/>
               </a:rPr>
@@ -15249,7 +15553,7 @@
         </p:blipFill>
         <p:spPr bwMode="auto">
           <a:xfrm>
-            <a:off x="6705600" y="1081459"/>
+            <a:off x="6727372" y="1059646"/>
             <a:ext cx="2235165" cy="1115082"/>
           </a:xfrm>
           <a:prstGeom prst="rect">
@@ -15537,7 +15841,7 @@
                             </p:stCondLst>
                             <p:childTnLst>
                               <p:par>
-                                <p:cTn id="11" presetID="2" presetClass="entr" presetSubtype="4" fill="hold" nodeType="clickEffect">
+                                <p:cTn id="11" presetID="10" presetClass="entr" presetSubtype="0" fill="hold" nodeType="clickEffect">
                                   <p:stCondLst>
                                     <p:cond delay="0"/>
                                   </p:stCondLst>
@@ -15545,6 +15849,94 @@
                                     <p:set>
                                       <p:cBhvr>
                                         <p:cTn id="12" dur="1" fill="hold">
+                                          <p:stCondLst>
+                                            <p:cond delay="0"/>
+                                          </p:stCondLst>
+                                        </p:cTn>
+                                        <p:tgtEl>
+                                          <p:spTgt spid="1028"/>
+                                        </p:tgtEl>
+                                        <p:attrNameLst>
+                                          <p:attrName>style.visibility</p:attrName>
+                                        </p:attrNameLst>
+                                      </p:cBhvr>
+                                      <p:to>
+                                        <p:strVal val="visible"/>
+                                      </p:to>
+                                    </p:set>
+                                    <p:animEffect transition="in" filter="fade">
+                                      <p:cBhvr>
+                                        <p:cTn id="13" dur="500"/>
+                                        <p:tgtEl>
+                                          <p:spTgt spid="1028"/>
+                                        </p:tgtEl>
+                                      </p:cBhvr>
+                                    </p:animEffect>
+                                  </p:childTnLst>
+                                </p:cTn>
+                              </p:par>
+                              <p:par>
+                                <p:cTn id="14" presetID="10" presetClass="entr" presetSubtype="0" fill="hold" nodeType="withEffect">
+                                  <p:stCondLst>
+                                    <p:cond delay="0"/>
+                                  </p:stCondLst>
+                                  <p:childTnLst>
+                                    <p:set>
+                                      <p:cBhvr>
+                                        <p:cTn id="15" dur="1" fill="hold">
+                                          <p:stCondLst>
+                                            <p:cond delay="0"/>
+                                          </p:stCondLst>
+                                        </p:cTn>
+                                        <p:tgtEl>
+                                          <p:spTgt spid="1032"/>
+                                        </p:tgtEl>
+                                        <p:attrNameLst>
+                                          <p:attrName>style.visibility</p:attrName>
+                                        </p:attrNameLst>
+                                      </p:cBhvr>
+                                      <p:to>
+                                        <p:strVal val="visible"/>
+                                      </p:to>
+                                    </p:set>
+                                    <p:animEffect transition="in" filter="fade">
+                                      <p:cBhvr>
+                                        <p:cTn id="16" dur="500"/>
+                                        <p:tgtEl>
+                                          <p:spTgt spid="1032"/>
+                                        </p:tgtEl>
+                                      </p:cBhvr>
+                                    </p:animEffect>
+                                  </p:childTnLst>
+                                </p:cTn>
+                              </p:par>
+                            </p:childTnLst>
+                          </p:cTn>
+                        </p:par>
+                      </p:childTnLst>
+                    </p:cTn>
+                  </p:par>
+                  <p:par>
+                    <p:cTn id="17" fill="hold">
+                      <p:stCondLst>
+                        <p:cond delay="indefinite"/>
+                      </p:stCondLst>
+                      <p:childTnLst>
+                        <p:par>
+                          <p:cTn id="18" fill="hold">
+                            <p:stCondLst>
+                              <p:cond delay="0"/>
+                            </p:stCondLst>
+                            <p:childTnLst>
+                              <p:par>
+                                <p:cTn id="19" presetID="2" presetClass="entr" presetSubtype="4" fill="hold" nodeType="clickEffect">
+                                  <p:stCondLst>
+                                    <p:cond delay="0"/>
+                                  </p:stCondLst>
+                                  <p:childTnLst>
+                                    <p:set>
+                                      <p:cBhvr>
+                                        <p:cTn id="20" dur="1" fill="hold">
                                           <p:stCondLst>
                                             <p:cond delay="0"/>
                                           </p:stCondLst>
@@ -15566,7 +15958,7 @@
                                     </p:set>
                                     <p:anim calcmode="lin" valueType="num">
                                       <p:cBhvr additive="base">
-                                        <p:cTn id="13" dur="500" fill="hold"/>
+                                        <p:cTn id="21" dur="500" fill="hold"/>
                                         <p:tgtEl>
                                           <p:spTgt spid="3">
                                             <p:txEl>
@@ -15593,7 +15985,7 @@
                                     </p:anim>
                                     <p:anim calcmode="lin" valueType="num">
                                       <p:cBhvr additive="base">
-                                        <p:cTn id="14" dur="500" fill="hold"/>
+                                        <p:cTn id="22" dur="500" fill="hold"/>
                                         <p:tgtEl>
                                           <p:spTgt spid="3">
                                             <p:txEl>
@@ -15618,6 +16010,129 @@
                                         </p:tav>
                                       </p:tavLst>
                                     </p:anim>
+                                  </p:childTnLst>
+                                </p:cTn>
+                              </p:par>
+                            </p:childTnLst>
+                          </p:cTn>
+                        </p:par>
+                      </p:childTnLst>
+                    </p:cTn>
+                  </p:par>
+                  <p:par>
+                    <p:cTn id="23" fill="hold">
+                      <p:stCondLst>
+                        <p:cond delay="indefinite"/>
+                      </p:stCondLst>
+                      <p:childTnLst>
+                        <p:par>
+                          <p:cTn id="24" fill="hold">
+                            <p:stCondLst>
+                              <p:cond delay="0"/>
+                            </p:stCondLst>
+                            <p:childTnLst>
+                              <p:par>
+                                <p:cTn id="25" presetID="10" presetClass="entr" presetSubtype="0" fill="hold" nodeType="clickEffect">
+                                  <p:stCondLst>
+                                    <p:cond delay="0"/>
+                                  </p:stCondLst>
+                                  <p:childTnLst>
+                                    <p:set>
+                                      <p:cBhvr>
+                                        <p:cTn id="26" dur="1" fill="hold">
+                                          <p:stCondLst>
+                                            <p:cond delay="0"/>
+                                          </p:stCondLst>
+                                        </p:cTn>
+                                        <p:tgtEl>
+                                          <p:spTgt spid="1026"/>
+                                        </p:tgtEl>
+                                        <p:attrNameLst>
+                                          <p:attrName>style.visibility</p:attrName>
+                                        </p:attrNameLst>
+                                      </p:cBhvr>
+                                      <p:to>
+                                        <p:strVal val="visible"/>
+                                      </p:to>
+                                    </p:set>
+                                    <p:animEffect transition="in" filter="fade">
+                                      <p:cBhvr>
+                                        <p:cTn id="27" dur="500"/>
+                                        <p:tgtEl>
+                                          <p:spTgt spid="1026"/>
+                                        </p:tgtEl>
+                                      </p:cBhvr>
+                                    </p:animEffect>
+                                  </p:childTnLst>
+                                </p:cTn>
+                              </p:par>
+                              <p:par>
+                                <p:cTn id="28" presetID="10" presetClass="entr" presetSubtype="0" fill="hold" nodeType="withEffect">
+                                  <p:stCondLst>
+                                    <p:cond delay="0"/>
+                                  </p:stCondLst>
+                                  <p:childTnLst>
+                                    <p:set>
+                                      <p:cBhvr>
+                                        <p:cTn id="29" dur="1" fill="hold">
+                                          <p:stCondLst>
+                                            <p:cond delay="0"/>
+                                          </p:stCondLst>
+                                        </p:cTn>
+                                        <p:tgtEl>
+                                          <p:spTgt spid="1034"/>
+                                        </p:tgtEl>
+                                        <p:attrNameLst>
+                                          <p:attrName>style.visibility</p:attrName>
+                                        </p:attrNameLst>
+                                      </p:cBhvr>
+                                      <p:to>
+                                        <p:strVal val="visible"/>
+                                      </p:to>
+                                    </p:set>
+                                    <p:animEffect transition="in" filter="fade">
+                                      <p:cBhvr>
+                                        <p:cTn id="30" dur="500"/>
+                                        <p:tgtEl>
+                                          <p:spTgt spid="1034"/>
+                                        </p:tgtEl>
+                                      </p:cBhvr>
+                                    </p:animEffect>
+                                  </p:childTnLst>
+                                </p:cTn>
+                              </p:par>
+                              <p:par>
+                                <p:cTn id="31" presetID="10" presetClass="entr" presetSubtype="0" fill="hold" nodeType="withEffect">
+                                  <p:stCondLst>
+                                    <p:cond delay="0"/>
+                                  </p:stCondLst>
+                                  <p:childTnLst>
+                                    <p:set>
+                                      <p:cBhvr>
+                                        <p:cTn id="32" dur="1" fill="hold">
+                                          <p:stCondLst>
+                                            <p:cond delay="0"/>
+                                          </p:stCondLst>
+                                        </p:cTn>
+                                        <p:tgtEl>
+                                          <p:spTgt spid="1030"/>
+                                        </p:tgtEl>
+                                        <p:attrNameLst>
+                                          <p:attrName>style.visibility</p:attrName>
+                                        </p:attrNameLst>
+                                      </p:cBhvr>
+                                      <p:to>
+                                        <p:strVal val="visible"/>
+                                      </p:to>
+                                    </p:set>
+                                    <p:animEffect transition="in" filter="fade">
+                                      <p:cBhvr>
+                                        <p:cTn id="33" dur="500"/>
+                                        <p:tgtEl>
+                                          <p:spTgt spid="1030"/>
+                                        </p:tgtEl>
+                                      </p:cBhvr>
+                                    </p:animEffect>
                                   </p:childTnLst>
                                 </p:cTn>
                               </p:par>
@@ -15748,26 +16263,26 @@
               </a:spcBef>
             </a:pPr>
             <a:r>
-              <a:rPr lang="en-GB" sz="3600" spc="-45"/>
+              <a:rPr lang="en-GB" sz="3600" spc="-45" dirty="0"/>
               <a:t>2.</a:t>
             </a:r>
             <a:r>
-              <a:rPr lang="en-GB" sz="3600" spc="-225"/>
+              <a:rPr lang="en-GB" sz="3600" spc="-225" dirty="0"/>
               <a:t> </a:t>
             </a:r>
             <a:r>
-              <a:rPr lang="en-GB" sz="3600" spc="-95"/>
+              <a:rPr lang="en-GB" sz="3600" spc="-95" dirty="0"/>
               <a:t>Anaconda and </a:t>
             </a:r>
             <a:r>
-              <a:rPr lang="en-GB" sz="3600" spc="-95" err="1"/>
+              <a:rPr lang="en-GB" sz="3600" spc="-95" dirty="0" err="1"/>
               <a:t>Jupyter</a:t>
             </a:r>
             <a:r>
-              <a:rPr lang="en-GB" sz="3600" spc="-95"/>
+              <a:rPr lang="en-GB" sz="3600" spc="-95" dirty="0"/>
               <a:t> Notebook</a:t>
             </a:r>
-            <a:endParaRPr lang="en-GB" sz="3600" spc="-100"/>
+            <a:endParaRPr lang="en-GB" sz="3600" spc="-100" dirty="0"/>
           </a:p>
         </p:txBody>
       </p:sp>
@@ -15804,7 +16319,7 @@
               <a:buChar char="-"/>
             </a:pPr>
             <a:r>
-              <a:rPr lang="en-GB"/>
+              <a:rPr lang="en-GB" dirty="0"/>
               <a:t>Notebook: Location for creating and loading new notebooks, save data, etc</a:t>
             </a:r>
           </a:p>
@@ -15814,11 +16329,11 @@
               <a:buChar char="-"/>
             </a:pPr>
             <a:r>
-              <a:rPr lang="en-GB" err="1"/>
+              <a:rPr lang="en-GB" dirty="0" err="1"/>
               <a:t>Jupyterlab</a:t>
             </a:r>
             <a:r>
-              <a:rPr lang="en-GB"/>
+              <a:rPr lang="en-GB" dirty="0"/>
               <a:t>: Directly create a new notebook</a:t>
             </a:r>
           </a:p>
@@ -15827,7 +16342,7 @@
               <a:buFontTx/>
               <a:buChar char="-"/>
             </a:pPr>
-            <a:endParaRPr lang="en-GB"/>
+            <a:endParaRPr lang="en-GB" dirty="0"/>
           </a:p>
         </p:txBody>
       </p:sp>
@@ -15976,7 +16491,7 @@
         </p:nvSpPr>
         <p:spPr>
           <a:xfrm>
-            <a:off x="1143000" y="1447800"/>
+            <a:off x="1367972" y="997857"/>
             <a:ext cx="10287000" cy="5009833"/>
           </a:xfrm>
           <a:prstGeom prst="rect">
@@ -16126,6 +16641,531 @@
   <p:clrMapOvr>
     <a:masterClrMapping/>
   </p:clrMapOvr>
+  <p:timing>
+    <p:tnLst>
+      <p:par>
+        <p:cTn id="1" dur="indefinite" restart="never" nodeType="tmRoot">
+          <p:childTnLst>
+            <p:seq concurrent="1" nextAc="seek">
+              <p:cTn id="2" dur="indefinite" nodeType="mainSeq">
+                <p:childTnLst>
+                  <p:par>
+                    <p:cTn id="3" fill="hold">
+                      <p:stCondLst>
+                        <p:cond delay="indefinite"/>
+                      </p:stCondLst>
+                      <p:childTnLst>
+                        <p:par>
+                          <p:cTn id="4" fill="hold">
+                            <p:stCondLst>
+                              <p:cond delay="0"/>
+                            </p:stCondLst>
+                            <p:childTnLst>
+                              <p:par>
+                                <p:cTn id="5" presetID="10" presetClass="entr" presetSubtype="0" fill="hold" nodeType="clickEffect">
+                                  <p:stCondLst>
+                                    <p:cond delay="0"/>
+                                  </p:stCondLst>
+                                  <p:childTnLst>
+                                    <p:set>
+                                      <p:cBhvr>
+                                        <p:cTn id="6" dur="1" fill="hold">
+                                          <p:stCondLst>
+                                            <p:cond delay="0"/>
+                                          </p:stCondLst>
+                                        </p:cTn>
+                                        <p:tgtEl>
+                                          <p:spTgt spid="5">
+                                            <p:txEl>
+                                              <p:pRg st="0" end="0"/>
+                                            </p:txEl>
+                                          </p:spTgt>
+                                        </p:tgtEl>
+                                        <p:attrNameLst>
+                                          <p:attrName>style.visibility</p:attrName>
+                                        </p:attrNameLst>
+                                      </p:cBhvr>
+                                      <p:to>
+                                        <p:strVal val="visible"/>
+                                      </p:to>
+                                    </p:set>
+                                    <p:animEffect transition="in" filter="fade">
+                                      <p:cBhvr>
+                                        <p:cTn id="7" dur="500"/>
+                                        <p:tgtEl>
+                                          <p:spTgt spid="5">
+                                            <p:txEl>
+                                              <p:pRg st="0" end="0"/>
+                                            </p:txEl>
+                                          </p:spTgt>
+                                        </p:tgtEl>
+                                      </p:cBhvr>
+                                    </p:animEffect>
+                                  </p:childTnLst>
+                                </p:cTn>
+                              </p:par>
+                            </p:childTnLst>
+                          </p:cTn>
+                        </p:par>
+                      </p:childTnLst>
+                    </p:cTn>
+                  </p:par>
+                  <p:par>
+                    <p:cTn id="8" fill="hold">
+                      <p:stCondLst>
+                        <p:cond delay="indefinite"/>
+                      </p:stCondLst>
+                      <p:childTnLst>
+                        <p:par>
+                          <p:cTn id="9" fill="hold">
+                            <p:stCondLst>
+                              <p:cond delay="0"/>
+                            </p:stCondLst>
+                            <p:childTnLst>
+                              <p:par>
+                                <p:cTn id="10" presetID="10" presetClass="entr" presetSubtype="0" fill="hold" nodeType="clickEffect">
+                                  <p:stCondLst>
+                                    <p:cond delay="0"/>
+                                  </p:stCondLst>
+                                  <p:childTnLst>
+                                    <p:set>
+                                      <p:cBhvr>
+                                        <p:cTn id="11" dur="1" fill="hold">
+                                          <p:stCondLst>
+                                            <p:cond delay="0"/>
+                                          </p:stCondLst>
+                                        </p:cTn>
+                                        <p:tgtEl>
+                                          <p:spTgt spid="5">
+                                            <p:txEl>
+                                              <p:pRg st="1" end="1"/>
+                                            </p:txEl>
+                                          </p:spTgt>
+                                        </p:tgtEl>
+                                        <p:attrNameLst>
+                                          <p:attrName>style.visibility</p:attrName>
+                                        </p:attrNameLst>
+                                      </p:cBhvr>
+                                      <p:to>
+                                        <p:strVal val="visible"/>
+                                      </p:to>
+                                    </p:set>
+                                    <p:animEffect transition="in" filter="fade">
+                                      <p:cBhvr>
+                                        <p:cTn id="12" dur="500"/>
+                                        <p:tgtEl>
+                                          <p:spTgt spid="5">
+                                            <p:txEl>
+                                              <p:pRg st="1" end="1"/>
+                                            </p:txEl>
+                                          </p:spTgt>
+                                        </p:tgtEl>
+                                      </p:cBhvr>
+                                    </p:animEffect>
+                                  </p:childTnLst>
+                                </p:cTn>
+                              </p:par>
+                            </p:childTnLst>
+                          </p:cTn>
+                        </p:par>
+                      </p:childTnLst>
+                    </p:cTn>
+                  </p:par>
+                  <p:par>
+                    <p:cTn id="13" fill="hold">
+                      <p:stCondLst>
+                        <p:cond delay="indefinite"/>
+                      </p:stCondLst>
+                      <p:childTnLst>
+                        <p:par>
+                          <p:cTn id="14" fill="hold">
+                            <p:stCondLst>
+                              <p:cond delay="0"/>
+                            </p:stCondLst>
+                            <p:childTnLst>
+                              <p:par>
+                                <p:cTn id="15" presetID="10" presetClass="entr" presetSubtype="0" fill="hold" nodeType="clickEffect">
+                                  <p:stCondLst>
+                                    <p:cond delay="0"/>
+                                  </p:stCondLst>
+                                  <p:childTnLst>
+                                    <p:set>
+                                      <p:cBhvr>
+                                        <p:cTn id="16" dur="1" fill="hold">
+                                          <p:stCondLst>
+                                            <p:cond delay="0"/>
+                                          </p:stCondLst>
+                                        </p:cTn>
+                                        <p:tgtEl>
+                                          <p:spTgt spid="5">
+                                            <p:txEl>
+                                              <p:pRg st="2" end="2"/>
+                                            </p:txEl>
+                                          </p:spTgt>
+                                        </p:tgtEl>
+                                        <p:attrNameLst>
+                                          <p:attrName>style.visibility</p:attrName>
+                                        </p:attrNameLst>
+                                      </p:cBhvr>
+                                      <p:to>
+                                        <p:strVal val="visible"/>
+                                      </p:to>
+                                    </p:set>
+                                    <p:animEffect transition="in" filter="fade">
+                                      <p:cBhvr>
+                                        <p:cTn id="17" dur="500"/>
+                                        <p:tgtEl>
+                                          <p:spTgt spid="5">
+                                            <p:txEl>
+                                              <p:pRg st="2" end="2"/>
+                                            </p:txEl>
+                                          </p:spTgt>
+                                        </p:tgtEl>
+                                      </p:cBhvr>
+                                    </p:animEffect>
+                                  </p:childTnLst>
+                                </p:cTn>
+                              </p:par>
+                            </p:childTnLst>
+                          </p:cTn>
+                        </p:par>
+                      </p:childTnLst>
+                    </p:cTn>
+                  </p:par>
+                  <p:par>
+                    <p:cTn id="18" fill="hold">
+                      <p:stCondLst>
+                        <p:cond delay="indefinite"/>
+                      </p:stCondLst>
+                      <p:childTnLst>
+                        <p:par>
+                          <p:cTn id="19" fill="hold">
+                            <p:stCondLst>
+                              <p:cond delay="0"/>
+                            </p:stCondLst>
+                            <p:childTnLst>
+                              <p:par>
+                                <p:cTn id="20" presetID="10" presetClass="entr" presetSubtype="0" fill="hold" nodeType="clickEffect">
+                                  <p:stCondLst>
+                                    <p:cond delay="0"/>
+                                  </p:stCondLst>
+                                  <p:childTnLst>
+                                    <p:set>
+                                      <p:cBhvr>
+                                        <p:cTn id="21" dur="1" fill="hold">
+                                          <p:stCondLst>
+                                            <p:cond delay="0"/>
+                                          </p:stCondLst>
+                                        </p:cTn>
+                                        <p:tgtEl>
+                                          <p:spTgt spid="5">
+                                            <p:txEl>
+                                              <p:pRg st="3" end="3"/>
+                                            </p:txEl>
+                                          </p:spTgt>
+                                        </p:tgtEl>
+                                        <p:attrNameLst>
+                                          <p:attrName>style.visibility</p:attrName>
+                                        </p:attrNameLst>
+                                      </p:cBhvr>
+                                      <p:to>
+                                        <p:strVal val="visible"/>
+                                      </p:to>
+                                    </p:set>
+                                    <p:animEffect transition="in" filter="fade">
+                                      <p:cBhvr>
+                                        <p:cTn id="22" dur="500"/>
+                                        <p:tgtEl>
+                                          <p:spTgt spid="5">
+                                            <p:txEl>
+                                              <p:pRg st="3" end="3"/>
+                                            </p:txEl>
+                                          </p:spTgt>
+                                        </p:tgtEl>
+                                      </p:cBhvr>
+                                    </p:animEffect>
+                                  </p:childTnLst>
+                                </p:cTn>
+                              </p:par>
+                              <p:par>
+                                <p:cTn id="23" presetID="10" presetClass="entr" presetSubtype="0" fill="hold" nodeType="withEffect">
+                                  <p:stCondLst>
+                                    <p:cond delay="0"/>
+                                  </p:stCondLst>
+                                  <p:childTnLst>
+                                    <p:set>
+                                      <p:cBhvr>
+                                        <p:cTn id="24" dur="1" fill="hold">
+                                          <p:stCondLst>
+                                            <p:cond delay="0"/>
+                                          </p:stCondLst>
+                                        </p:cTn>
+                                        <p:tgtEl>
+                                          <p:spTgt spid="5">
+                                            <p:txEl>
+                                              <p:pRg st="4" end="4"/>
+                                            </p:txEl>
+                                          </p:spTgt>
+                                        </p:tgtEl>
+                                        <p:attrNameLst>
+                                          <p:attrName>style.visibility</p:attrName>
+                                        </p:attrNameLst>
+                                      </p:cBhvr>
+                                      <p:to>
+                                        <p:strVal val="visible"/>
+                                      </p:to>
+                                    </p:set>
+                                    <p:animEffect transition="in" filter="fade">
+                                      <p:cBhvr>
+                                        <p:cTn id="25" dur="500"/>
+                                        <p:tgtEl>
+                                          <p:spTgt spid="5">
+                                            <p:txEl>
+                                              <p:pRg st="4" end="4"/>
+                                            </p:txEl>
+                                          </p:spTgt>
+                                        </p:tgtEl>
+                                      </p:cBhvr>
+                                    </p:animEffect>
+                                  </p:childTnLst>
+                                </p:cTn>
+                              </p:par>
+                              <p:par>
+                                <p:cTn id="26" presetID="10" presetClass="entr" presetSubtype="0" fill="hold" nodeType="withEffect">
+                                  <p:stCondLst>
+                                    <p:cond delay="0"/>
+                                  </p:stCondLst>
+                                  <p:childTnLst>
+                                    <p:set>
+                                      <p:cBhvr>
+                                        <p:cTn id="27" dur="1" fill="hold">
+                                          <p:stCondLst>
+                                            <p:cond delay="0"/>
+                                          </p:stCondLst>
+                                        </p:cTn>
+                                        <p:tgtEl>
+                                          <p:spTgt spid="5">
+                                            <p:txEl>
+                                              <p:pRg st="5" end="5"/>
+                                            </p:txEl>
+                                          </p:spTgt>
+                                        </p:tgtEl>
+                                        <p:attrNameLst>
+                                          <p:attrName>style.visibility</p:attrName>
+                                        </p:attrNameLst>
+                                      </p:cBhvr>
+                                      <p:to>
+                                        <p:strVal val="visible"/>
+                                      </p:to>
+                                    </p:set>
+                                    <p:animEffect transition="in" filter="fade">
+                                      <p:cBhvr>
+                                        <p:cTn id="28" dur="500"/>
+                                        <p:tgtEl>
+                                          <p:spTgt spid="5">
+                                            <p:txEl>
+                                              <p:pRg st="5" end="5"/>
+                                            </p:txEl>
+                                          </p:spTgt>
+                                        </p:tgtEl>
+                                      </p:cBhvr>
+                                    </p:animEffect>
+                                  </p:childTnLst>
+                                </p:cTn>
+                              </p:par>
+                              <p:par>
+                                <p:cTn id="29" presetID="10" presetClass="entr" presetSubtype="0" fill="hold" nodeType="withEffect">
+                                  <p:stCondLst>
+                                    <p:cond delay="0"/>
+                                  </p:stCondLst>
+                                  <p:childTnLst>
+                                    <p:set>
+                                      <p:cBhvr>
+                                        <p:cTn id="30" dur="1" fill="hold">
+                                          <p:stCondLst>
+                                            <p:cond delay="0"/>
+                                          </p:stCondLst>
+                                        </p:cTn>
+                                        <p:tgtEl>
+                                          <p:spTgt spid="5">
+                                            <p:txEl>
+                                              <p:pRg st="6" end="6"/>
+                                            </p:txEl>
+                                          </p:spTgt>
+                                        </p:tgtEl>
+                                        <p:attrNameLst>
+                                          <p:attrName>style.visibility</p:attrName>
+                                        </p:attrNameLst>
+                                      </p:cBhvr>
+                                      <p:to>
+                                        <p:strVal val="visible"/>
+                                      </p:to>
+                                    </p:set>
+                                    <p:animEffect transition="in" filter="fade">
+                                      <p:cBhvr>
+                                        <p:cTn id="31" dur="500"/>
+                                        <p:tgtEl>
+                                          <p:spTgt spid="5">
+                                            <p:txEl>
+                                              <p:pRg st="6" end="6"/>
+                                            </p:txEl>
+                                          </p:spTgt>
+                                        </p:tgtEl>
+                                      </p:cBhvr>
+                                    </p:animEffect>
+                                  </p:childTnLst>
+                                </p:cTn>
+                              </p:par>
+                            </p:childTnLst>
+                          </p:cTn>
+                        </p:par>
+                      </p:childTnLst>
+                    </p:cTn>
+                  </p:par>
+                  <p:par>
+                    <p:cTn id="32" fill="hold">
+                      <p:stCondLst>
+                        <p:cond delay="indefinite"/>
+                      </p:stCondLst>
+                      <p:childTnLst>
+                        <p:par>
+                          <p:cTn id="33" fill="hold">
+                            <p:stCondLst>
+                              <p:cond delay="0"/>
+                            </p:stCondLst>
+                            <p:childTnLst>
+                              <p:par>
+                                <p:cTn id="34" presetID="10" presetClass="entr" presetSubtype="0" fill="hold" nodeType="clickEffect">
+                                  <p:stCondLst>
+                                    <p:cond delay="0"/>
+                                  </p:stCondLst>
+                                  <p:childTnLst>
+                                    <p:set>
+                                      <p:cBhvr>
+                                        <p:cTn id="35" dur="1" fill="hold">
+                                          <p:stCondLst>
+                                            <p:cond delay="0"/>
+                                          </p:stCondLst>
+                                        </p:cTn>
+                                        <p:tgtEl>
+                                          <p:spTgt spid="5">
+                                            <p:txEl>
+                                              <p:pRg st="7" end="7"/>
+                                            </p:txEl>
+                                          </p:spTgt>
+                                        </p:tgtEl>
+                                        <p:attrNameLst>
+                                          <p:attrName>style.visibility</p:attrName>
+                                        </p:attrNameLst>
+                                      </p:cBhvr>
+                                      <p:to>
+                                        <p:strVal val="visible"/>
+                                      </p:to>
+                                    </p:set>
+                                    <p:animEffect transition="in" filter="fade">
+                                      <p:cBhvr>
+                                        <p:cTn id="36" dur="500"/>
+                                        <p:tgtEl>
+                                          <p:spTgt spid="5">
+                                            <p:txEl>
+                                              <p:pRg st="7" end="7"/>
+                                            </p:txEl>
+                                          </p:spTgt>
+                                        </p:tgtEl>
+                                      </p:cBhvr>
+                                    </p:animEffect>
+                                  </p:childTnLst>
+                                </p:cTn>
+                              </p:par>
+                            </p:childTnLst>
+                          </p:cTn>
+                        </p:par>
+                      </p:childTnLst>
+                    </p:cTn>
+                  </p:par>
+                  <p:par>
+                    <p:cTn id="37" fill="hold">
+                      <p:stCondLst>
+                        <p:cond delay="indefinite"/>
+                      </p:stCondLst>
+                      <p:childTnLst>
+                        <p:par>
+                          <p:cTn id="38" fill="hold">
+                            <p:stCondLst>
+                              <p:cond delay="0"/>
+                            </p:stCondLst>
+                            <p:childTnLst>
+                              <p:par>
+                                <p:cTn id="39" presetID="10" presetClass="entr" presetSubtype="0" fill="hold" nodeType="clickEffect">
+                                  <p:stCondLst>
+                                    <p:cond delay="0"/>
+                                  </p:stCondLst>
+                                  <p:childTnLst>
+                                    <p:set>
+                                      <p:cBhvr>
+                                        <p:cTn id="40" dur="1" fill="hold">
+                                          <p:stCondLst>
+                                            <p:cond delay="0"/>
+                                          </p:stCondLst>
+                                        </p:cTn>
+                                        <p:tgtEl>
+                                          <p:spTgt spid="5">
+                                            <p:txEl>
+                                              <p:pRg st="8" end="8"/>
+                                            </p:txEl>
+                                          </p:spTgt>
+                                        </p:tgtEl>
+                                        <p:attrNameLst>
+                                          <p:attrName>style.visibility</p:attrName>
+                                        </p:attrNameLst>
+                                      </p:cBhvr>
+                                      <p:to>
+                                        <p:strVal val="visible"/>
+                                      </p:to>
+                                    </p:set>
+                                    <p:animEffect transition="in" filter="fade">
+                                      <p:cBhvr>
+                                        <p:cTn id="41" dur="500"/>
+                                        <p:tgtEl>
+                                          <p:spTgt spid="5">
+                                            <p:txEl>
+                                              <p:pRg st="8" end="8"/>
+                                            </p:txEl>
+                                          </p:spTgt>
+                                        </p:tgtEl>
+                                      </p:cBhvr>
+                                    </p:animEffect>
+                                  </p:childTnLst>
+                                </p:cTn>
+                              </p:par>
+                            </p:childTnLst>
+                          </p:cTn>
+                        </p:par>
+                      </p:childTnLst>
+                    </p:cTn>
+                  </p:par>
+                </p:childTnLst>
+              </p:cTn>
+              <p:prevCondLst>
+                <p:cond evt="onPrev" delay="0">
+                  <p:tgtEl>
+                    <p:sldTgt/>
+                  </p:tgtEl>
+                </p:cond>
+              </p:prevCondLst>
+              <p:nextCondLst>
+                <p:cond evt="onNext" delay="0">
+                  <p:tgtEl>
+                    <p:sldTgt/>
+                  </p:tgtEl>
+                </p:cond>
+              </p:nextCondLst>
+            </p:seq>
+          </p:childTnLst>
+        </p:cTn>
+      </p:par>
+    </p:tnLst>
+  </p:timing>
 </p:sld>
 </file>
 
@@ -16623,17 +17663,17 @@
               <a:buChar char="-"/>
             </a:pPr>
             <a:r>
-              <a:rPr lang="en-GB" sz="1400"/>
+              <a:rPr lang="en-GB" sz="1400" dirty="0"/>
               <a:t>Collect data from Scopus: </a:t>
             </a:r>
             <a:r>
-              <a:rPr lang="en-GB" sz="1400">
+              <a:rPr lang="en-GB" sz="1400" dirty="0">
                 <a:hlinkClick r:id="rId3"/>
               </a:rPr>
               <a:t>https://www.scopus.com/search/form.uri?display=basic#basic</a:t>
             </a:r>
             <a:r>
-              <a:rPr lang="en-GB" sz="1400"/>
+              <a:rPr lang="en-GB" sz="1400" dirty="0"/>
               <a:t> </a:t>
             </a:r>
           </a:p>
@@ -16646,15 +17686,15 @@
               <a:buChar char="-"/>
             </a:pPr>
             <a:r>
-              <a:rPr lang="en-GB" sz="1400"/>
+              <a:rPr lang="en-GB" sz="1400" dirty="0"/>
               <a:t>Upload to </a:t>
             </a:r>
             <a:r>
-              <a:rPr lang="en-GB" sz="1400" err="1"/>
+              <a:rPr lang="en-GB" sz="1400" dirty="0" err="1"/>
               <a:t>Jupyter</a:t>
             </a:r>
             <a:r>
-              <a:rPr lang="en-GB" sz="1400"/>
+              <a:rPr lang="en-GB" sz="1400" dirty="0"/>
               <a:t> Notebook or your local folder</a:t>
             </a:r>
           </a:p>
@@ -16667,22 +17707,22 @@
               <a:buChar char="-"/>
             </a:pPr>
             <a:r>
-              <a:rPr lang="en-GB" sz="1400"/>
+              <a:rPr lang="en-GB" sz="1400" dirty="0"/>
               <a:t>Load data – </a:t>
             </a:r>
             <a:r>
-              <a:rPr lang="en-GB" sz="1400" err="1"/>
+              <a:rPr lang="en-GB" sz="1400" dirty="0" err="1"/>
               <a:t>pd.read_csv</a:t>
             </a:r>
             <a:r>
-              <a:rPr lang="en-GB" sz="1400"/>
+              <a:rPr lang="en-GB" sz="1400" dirty="0"/>
               <a:t>/</a:t>
             </a:r>
             <a:r>
-              <a:rPr lang="en-GB" sz="1400" err="1"/>
+              <a:rPr lang="en-GB" sz="1400" dirty="0" err="1"/>
               <a:t>pd.read_excel</a:t>
             </a:r>
-            <a:endParaRPr lang="en-GB" sz="1400"/>
+            <a:endParaRPr lang="en-GB" sz="1400" dirty="0"/>
           </a:p>
           <a:p>
             <a:pPr marL="285750" indent="-285750">
@@ -16693,7 +17733,7 @@
               <a:buChar char="-"/>
             </a:pPr>
             <a:r>
-              <a:rPr lang="en-GB" sz="1400"/>
+              <a:rPr lang="en-GB" sz="1400" dirty="0"/>
               <a:t>Inspect the datasets</a:t>
             </a:r>
           </a:p>
@@ -16706,15 +17746,15 @@
               <a:buChar char="o"/>
             </a:pPr>
             <a:r>
-              <a:rPr lang="en-GB" sz="1400"/>
+              <a:rPr lang="en-GB" sz="1400" dirty="0"/>
               <a:t>.info(); .</a:t>
             </a:r>
             <a:r>
-              <a:rPr lang="en-GB" sz="1400" err="1"/>
+              <a:rPr lang="en-GB" sz="1400" dirty="0" err="1"/>
               <a:t>isna</a:t>
             </a:r>
             <a:r>
-              <a:rPr lang="en-GB" sz="1400"/>
+              <a:rPr lang="en-GB" sz="1400" dirty="0"/>
               <a:t>().sum(); .head(); .columns</a:t>
             </a:r>
           </a:p>
@@ -16727,19 +17767,19 @@
               <a:buChar char="o"/>
             </a:pPr>
             <a:r>
-              <a:rPr lang="en-GB" sz="1400" err="1"/>
+              <a:rPr lang="en-GB" sz="1400" dirty="0" err="1"/>
               <a:t>pd.set_option</a:t>
             </a:r>
             <a:r>
-              <a:rPr lang="en-GB" sz="1400"/>
+              <a:rPr lang="en-GB" sz="1400" dirty="0"/>
               <a:t>('</a:t>
             </a:r>
             <a:r>
-              <a:rPr lang="en-GB" sz="1400" err="1"/>
+              <a:rPr lang="en-GB" sz="1400" dirty="0" err="1"/>
               <a:t>display.max_columns</a:t>
             </a:r>
             <a:r>
-              <a:rPr lang="en-GB" sz="1400"/>
+              <a:rPr lang="en-GB" sz="1400" dirty="0"/>
               <a:t>', None)</a:t>
             </a:r>
           </a:p>
@@ -16752,7 +17792,7 @@
               <a:buChar char="-"/>
             </a:pPr>
             <a:r>
-              <a:rPr lang="en-GB" sz="1400"/>
+              <a:rPr lang="en-GB" sz="1400" dirty="0"/>
               <a:t>Merging</a:t>
             </a:r>
           </a:p>
@@ -16765,7 +17805,7 @@
               <a:buChar char="o"/>
             </a:pPr>
             <a:r>
-              <a:rPr lang="en-GB" sz="1400"/>
+              <a:rPr lang="en-GB" sz="1400" dirty="0"/>
               <a:t>Select a column(s): df1[[list of columns]]</a:t>
             </a:r>
           </a:p>
@@ -16778,7 +17818,7 @@
               <a:buChar char="o"/>
             </a:pPr>
             <a:r>
-              <a:rPr lang="en-GB" sz="1400"/>
+              <a:rPr lang="en-GB" sz="1400" dirty="0"/>
               <a:t>Rename columns: df1.columns = []</a:t>
             </a:r>
           </a:p>
@@ -16791,25 +17831,25 @@
               <a:buChar char="o"/>
             </a:pPr>
             <a:r>
-              <a:rPr lang="en-GB" sz="1400">
+              <a:rPr lang="en-GB" sz="1400" dirty="0">
                 <a:hlinkClick r:id="rId4"/>
               </a:rPr>
               <a:t>Merging: </a:t>
             </a:r>
             <a:r>
-              <a:rPr lang="en-GB" sz="1400" err="1">
+              <a:rPr lang="en-GB" sz="1400" dirty="0" err="1">
                 <a:hlinkClick r:id="rId4"/>
               </a:rPr>
               <a:t>pd.concat</a:t>
             </a:r>
             <a:r>
-              <a:rPr lang="en-GB" sz="1400">
+              <a:rPr lang="en-GB" sz="1400" dirty="0">
                 <a:hlinkClick r:id="rId4"/>
               </a:rPr>
               <a:t>() https://pandas.pydata.org/docs/user_guide/merging.html</a:t>
             </a:r>
             <a:r>
-              <a:rPr lang="en-GB" sz="1400"/>
+              <a:rPr lang="en-GB" sz="1400" dirty="0"/>
               <a:t> </a:t>
             </a:r>
           </a:p>
@@ -16822,7 +17862,7 @@
               <a:buChar char="-"/>
             </a:pPr>
             <a:r>
-              <a:rPr lang="en-GB" sz="1400"/>
+              <a:rPr lang="en-GB" sz="1400" dirty="0"/>
               <a:t>Remove duplications</a:t>
             </a:r>
           </a:p>
@@ -16835,7 +17875,7 @@
               <a:buChar char="o"/>
             </a:pPr>
             <a:r>
-              <a:rPr lang="en-GB" sz="1400"/>
+              <a:rPr lang="en-GB" sz="1400" dirty="0"/>
               <a:t>Use Title (lower the title)</a:t>
             </a:r>
           </a:p>
@@ -16848,27 +17888,27 @@
               <a:buChar char="o"/>
             </a:pPr>
             <a:r>
-              <a:rPr lang="en-GB" sz="1400" err="1"/>
+              <a:rPr lang="en-GB" sz="1400" dirty="0" err="1"/>
               <a:t>df</a:t>
             </a:r>
             <a:r>
-              <a:rPr lang="en-GB" sz="1400"/>
+              <a:rPr lang="en-GB" sz="1400" dirty="0"/>
               <a:t>['Title'] = </a:t>
             </a:r>
             <a:r>
-              <a:rPr lang="en-GB" sz="1400" err="1"/>
+              <a:rPr lang="en-GB" sz="1400" dirty="0" err="1"/>
               <a:t>df</a:t>
             </a:r>
             <a:r>
-              <a:rPr lang="en-GB" sz="1400"/>
+              <a:rPr lang="en-GB" sz="1400" dirty="0"/>
               <a:t>['Title'].</a:t>
             </a:r>
             <a:r>
-              <a:rPr lang="en-GB" sz="1400" err="1"/>
+              <a:rPr lang="en-GB" sz="1400" dirty="0" err="1"/>
               <a:t>str.lower</a:t>
             </a:r>
             <a:r>
-              <a:rPr lang="en-GB" sz="1400"/>
+              <a:rPr lang="en-GB" sz="1400" dirty="0"/>
               <a:t>()</a:t>
             </a:r>
           </a:p>
@@ -16881,27 +17921,27 @@
               <a:buChar char="o"/>
             </a:pPr>
             <a:r>
-              <a:rPr lang="en-GB" sz="1400" err="1"/>
+              <a:rPr lang="en-GB" sz="1400" dirty="0" err="1"/>
               <a:t>df</a:t>
             </a:r>
             <a:r>
-              <a:rPr lang="en-GB" sz="1400"/>
+              <a:rPr lang="en-GB" sz="1400" dirty="0"/>
               <a:t>[</a:t>
             </a:r>
             <a:r>
-              <a:rPr lang="en-GB" sz="1400" err="1"/>
+              <a:rPr lang="en-GB" sz="1400" dirty="0" err="1"/>
               <a:t>df.duplicated</a:t>
             </a:r>
             <a:r>
-              <a:rPr lang="en-GB" sz="1400"/>
+              <a:rPr lang="en-GB" sz="1400" dirty="0"/>
               <a:t>(subset=['Title'], keep=False) == True].</a:t>
             </a:r>
             <a:r>
-              <a:rPr lang="en-GB" sz="1400" err="1"/>
+              <a:rPr lang="en-GB" sz="1400" dirty="0" err="1"/>
               <a:t>sort_values</a:t>
             </a:r>
             <a:r>
-              <a:rPr lang="en-GB" sz="1400"/>
+              <a:rPr lang="en-GB" sz="1400" dirty="0"/>
               <a:t>(by='Title’)</a:t>
             </a:r>
           </a:p>
@@ -16914,27 +17954,27 @@
               <a:buChar char="o"/>
             </a:pPr>
             <a:r>
-              <a:rPr lang="en-GB" sz="1400" err="1"/>
+              <a:rPr lang="en-GB" sz="1400" dirty="0" err="1"/>
               <a:t>index_drop_title</a:t>
             </a:r>
             <a:r>
-              <a:rPr lang="en-GB" sz="1400"/>
+              <a:rPr lang="en-GB" sz="1400" dirty="0"/>
               <a:t> = </a:t>
             </a:r>
             <a:r>
-              <a:rPr lang="en-GB" sz="1400" err="1"/>
+              <a:rPr lang="en-GB" sz="1400" dirty="0" err="1"/>
               <a:t>df</a:t>
             </a:r>
             <a:r>
-              <a:rPr lang="en-GB" sz="1400"/>
+              <a:rPr lang="en-GB" sz="1400" dirty="0"/>
               <a:t>[</a:t>
             </a:r>
             <a:r>
-              <a:rPr lang="en-GB" sz="1400" err="1"/>
+              <a:rPr lang="en-GB" sz="1400" dirty="0" err="1"/>
               <a:t>df.duplicated</a:t>
             </a:r>
             <a:r>
-              <a:rPr lang="en-GB" sz="1400"/>
+              <a:rPr lang="en-GB" sz="1400" dirty="0"/>
               <a:t>(subset=['Title'], keep='first') == True].index</a:t>
             </a:r>
           </a:p>
@@ -16947,27 +17987,27 @@
               <a:buChar char="o"/>
             </a:pPr>
             <a:r>
-              <a:rPr lang="en-GB" sz="1400" err="1"/>
+              <a:rPr lang="en-GB" sz="1400" dirty="0" err="1"/>
               <a:t>Df</a:t>
             </a:r>
             <a:r>
-              <a:rPr lang="en-GB" sz="1400"/>
+              <a:rPr lang="en-GB" sz="1400" dirty="0"/>
               <a:t> = </a:t>
             </a:r>
             <a:r>
-              <a:rPr lang="en-GB" sz="1400" err="1"/>
+              <a:rPr lang="en-GB" sz="1400" dirty="0" err="1"/>
               <a:t>df.drop</a:t>
             </a:r>
             <a:r>
-              <a:rPr lang="en-GB" sz="1400"/>
+              <a:rPr lang="en-GB" sz="1400" dirty="0"/>
               <a:t>(</a:t>
             </a:r>
             <a:r>
-              <a:rPr lang="en-GB" sz="1400" err="1"/>
+              <a:rPr lang="en-GB" sz="1400" dirty="0" err="1"/>
               <a:t>index_drop_title</a:t>
             </a:r>
             <a:r>
-              <a:rPr lang="en-GB" sz="1400"/>
+              <a:rPr lang="en-GB" sz="1400" dirty="0"/>
               <a:t>, axis='index')</a:t>
             </a:r>
           </a:p>
@@ -16980,7 +18020,7 @@
               <a:buChar char="o"/>
             </a:pPr>
             <a:r>
-              <a:rPr lang="en-GB" sz="1400"/>
+              <a:rPr lang="en-GB" sz="1400" dirty="0"/>
               <a:t>Use DOI</a:t>
             </a:r>
           </a:p>
@@ -16993,27 +18033,27 @@
               <a:buChar char="o"/>
             </a:pPr>
             <a:r>
-              <a:rPr lang="en-GB" sz="1400" err="1"/>
+              <a:rPr lang="en-GB" sz="1400" dirty="0" err="1"/>
               <a:t>df.dropna</a:t>
             </a:r>
             <a:r>
-              <a:rPr lang="en-GB" sz="1400"/>
+              <a:rPr lang="en-GB" sz="1400" dirty="0"/>
               <a:t>(subset=['DOI'], axis=0)[</a:t>
             </a:r>
             <a:r>
-              <a:rPr lang="en-GB" sz="1400" err="1"/>
+              <a:rPr lang="en-GB" sz="1400" dirty="0" err="1"/>
               <a:t>df.dropna</a:t>
             </a:r>
             <a:r>
-              <a:rPr lang="en-GB" sz="1400"/>
+              <a:rPr lang="en-GB" sz="1400" dirty="0"/>
               <a:t>(subset=['DOI'], axis=0).duplicated(subset=['DOI'], keep=False) == True].</a:t>
             </a:r>
             <a:r>
-              <a:rPr lang="en-GB" sz="1400" err="1"/>
+              <a:rPr lang="en-GB" sz="1400" dirty="0" err="1"/>
               <a:t>sort_values</a:t>
             </a:r>
             <a:r>
-              <a:rPr lang="en-GB" sz="1400"/>
+              <a:rPr lang="en-GB" sz="1400" dirty="0"/>
               <a:t>(by='DOI’)</a:t>
             </a:r>
           </a:p>
@@ -17022,7 +18062,7 @@
               <a:buFontTx/>
               <a:buChar char="-"/>
             </a:pPr>
-            <a:endParaRPr lang="en-GB" sz="1400"/>
+            <a:endParaRPr lang="en-GB" sz="1400" dirty="0"/>
           </a:p>
         </p:txBody>
       </p:sp>
@@ -17845,6 +18885,89 @@
         <p:spPr>
           <a:xfrm>
             <a:off x="609600" y="2438400"/>
+            <a:ext cx="5029200" cy="1665521"/>
+          </a:xfrm>
+          <a:prstGeom prst="rect">
+            <a:avLst/>
+          </a:prstGeom>
+        </p:spPr>
+        <p:txBody>
+          <a:bodyPr vert="horz" wrap="square" lIns="0" tIns="154940" rIns="0" bIns="0" rtlCol="0">
+            <a:spAutoFit/>
+          </a:bodyPr>
+          <a:lstStyle/>
+          <a:p>
+            <a:pPr marL="12700" marR="5080" algn="ctr">
+              <a:lnSpc>
+                <a:spcPts val="6100"/>
+              </a:lnSpc>
+              <a:spcBef>
+                <a:spcPts val="1220"/>
+              </a:spcBef>
+            </a:pPr>
+            <a:r>
+              <a:rPr lang="en-GB" sz="4800" spc="-80">
+                <a:solidFill>
+                  <a:srgbClr val="F7D600"/>
+                </a:solidFill>
+              </a:rPr>
+              <a:t>Practice with your </a:t>
+            </a:r>
+            <a:r>
+              <a:rPr lang="en-GB" sz="4800" spc="-80" dirty="0">
+                <a:solidFill>
+                  <a:srgbClr val="F7D600"/>
+                </a:solidFill>
+              </a:rPr>
+              <a:t>own data</a:t>
+            </a:r>
+            <a:endParaRPr sz="4800" dirty="0"/>
+          </a:p>
+        </p:txBody>
+      </p:sp>
+    </p:spTree>
+    <p:extLst>
+      <p:ext uri="{BB962C8B-B14F-4D97-AF65-F5344CB8AC3E}">
+        <p14:creationId xmlns:p14="http://schemas.microsoft.com/office/powerpoint/2010/main" val="3263176719"/>
+      </p:ext>
+    </p:extLst>
+  </p:cSld>
+  <p:clrMapOvr>
+    <a:masterClrMapping/>
+  </p:clrMapOvr>
+</p:sld>
+</file>
+
+<file path=ppt/slides/slide28.xml><?xml version="1.0" encoding="utf-8"?>
+<p:sld xmlns:a="http://schemas.openxmlformats.org/drawingml/2006/main" xmlns:r="http://schemas.openxmlformats.org/officeDocument/2006/relationships" xmlns:p="http://schemas.openxmlformats.org/presentationml/2006/main">
+  <p:cSld>
+    <p:spTree>
+      <p:nvGrpSpPr>
+        <p:cNvPr id="1" name=""/>
+        <p:cNvGrpSpPr/>
+        <p:nvPr/>
+      </p:nvGrpSpPr>
+      <p:grpSpPr>
+        <a:xfrm>
+          <a:off x="0" y="0"/>
+          <a:ext cx="0" cy="0"/>
+          <a:chOff x="0" y="0"/>
+          <a:chExt cx="0" cy="0"/>
+        </a:xfrm>
+      </p:grpSpPr>
+      <p:sp>
+        <p:nvSpPr>
+          <p:cNvPr id="2" name="object 2"/>
+          <p:cNvSpPr txBox="1">
+            <a:spLocks noGrp="1"/>
+          </p:cNvSpPr>
+          <p:nvPr>
+            <p:ph type="title"/>
+          </p:nvPr>
+        </p:nvSpPr>
+        <p:spPr>
+          <a:xfrm>
+            <a:off x="609600" y="2438400"/>
             <a:ext cx="5029200" cy="883255"/>
           </a:xfrm>
           <a:prstGeom prst="rect">
@@ -17890,7 +19013,7 @@
 </p:sld>
 </file>
 
-<file path=ppt/slides/slide28.xml><?xml version="1.0" encoding="utf-8"?>
+<file path=ppt/slides/slide29.xml><?xml version="1.0" encoding="utf-8"?>
 <p:sld xmlns:a="http://schemas.openxmlformats.org/drawingml/2006/main" xmlns:r="http://schemas.openxmlformats.org/officeDocument/2006/relationships" xmlns:p="http://schemas.openxmlformats.org/presentationml/2006/main">
   <p:cSld>
     <p:spTree>
@@ -18210,7 +19333,276 @@
 </p:sld>
 </file>
 
-<file path=ppt/slides/slide29.xml><?xml version="1.0" encoding="utf-8"?>
+<file path=ppt/slides/slide3.xml><?xml version="1.0" encoding="utf-8"?>
+<p:sld xmlns:a="http://schemas.openxmlformats.org/drawingml/2006/main" xmlns:r="http://schemas.openxmlformats.org/officeDocument/2006/relationships" xmlns:p="http://schemas.openxmlformats.org/presentationml/2006/main">
+  <p:cSld>
+    <p:spTree>
+      <p:nvGrpSpPr>
+        <p:cNvPr id="1" name=""/>
+        <p:cNvGrpSpPr/>
+        <p:nvPr/>
+      </p:nvGrpSpPr>
+      <p:grpSpPr>
+        <a:xfrm>
+          <a:off x="0" y="0"/>
+          <a:ext cx="0" cy="0"/>
+          <a:chOff x="0" y="0"/>
+          <a:chExt cx="0" cy="0"/>
+        </a:xfrm>
+      </p:grpSpPr>
+      <p:sp>
+        <p:nvSpPr>
+          <p:cNvPr id="2" name="object 2"/>
+          <p:cNvSpPr txBox="1">
+            <a:spLocks noGrp="1"/>
+          </p:cNvSpPr>
+          <p:nvPr>
+            <p:ph type="title"/>
+          </p:nvPr>
+        </p:nvSpPr>
+        <p:spPr>
+          <a:xfrm>
+            <a:off x="831055" y="1190890"/>
+            <a:ext cx="11101301" cy="566822"/>
+          </a:xfrm>
+          <a:prstGeom prst="rect">
+            <a:avLst/>
+          </a:prstGeom>
+        </p:spPr>
+        <p:txBody>
+          <a:bodyPr vert="horz" wrap="square" lIns="0" tIns="12700" rIns="0" bIns="0" rtlCol="0">
+            <a:spAutoFit/>
+          </a:bodyPr>
+          <a:lstStyle/>
+          <a:p>
+            <a:pPr marL="12700">
+              <a:lnSpc>
+                <a:spcPct val="100000"/>
+              </a:lnSpc>
+              <a:spcBef>
+                <a:spcPts val="100"/>
+              </a:spcBef>
+            </a:pPr>
+            <a:r>
+              <a:rPr lang="en-GB" sz="3600" spc="-55" dirty="0"/>
+              <a:t>Session 1. Getting started and Text Cleaning</a:t>
+            </a:r>
+            <a:endParaRPr sz="3600" dirty="0"/>
+          </a:p>
+        </p:txBody>
+      </p:sp>
+      <p:sp>
+        <p:nvSpPr>
+          <p:cNvPr id="3" name="object 3"/>
+          <p:cNvSpPr txBox="1"/>
+          <p:nvPr/>
+        </p:nvSpPr>
+        <p:spPr>
+          <a:xfrm>
+            <a:off x="990600" y="2133600"/>
+            <a:ext cx="10896600" cy="3991477"/>
+          </a:xfrm>
+          <a:prstGeom prst="rect">
+            <a:avLst/>
+          </a:prstGeom>
+        </p:spPr>
+        <p:txBody>
+          <a:bodyPr vert="horz" wrap="square" lIns="0" tIns="94615" rIns="0" bIns="0" rtlCol="0">
+            <a:spAutoFit/>
+          </a:bodyPr>
+          <a:lstStyle/>
+          <a:p>
+            <a:pPr marL="605790" lvl="1" indent="-593725">
+              <a:lnSpc>
+                <a:spcPct val="100000"/>
+              </a:lnSpc>
+              <a:spcBef>
+                <a:spcPts val="745"/>
+              </a:spcBef>
+              <a:buAutoNum type="arabicPeriod"/>
+              <a:tabLst>
+                <a:tab pos="606425" algn="l"/>
+              </a:tabLst>
+            </a:pPr>
+            <a:r>
+              <a:rPr lang="en-GB" sz="2800" dirty="0">
+                <a:latin typeface="Arial"/>
+                <a:cs typeface="Arial"/>
+              </a:rPr>
+              <a:t>Warm-up (10 mins)</a:t>
+            </a:r>
+          </a:p>
+          <a:p>
+            <a:pPr marL="605790" lvl="1" indent="-593725">
+              <a:spcBef>
+                <a:spcPts val="745"/>
+              </a:spcBef>
+              <a:buAutoNum type="arabicPeriod"/>
+              <a:tabLst>
+                <a:tab pos="606425" algn="l"/>
+              </a:tabLst>
+            </a:pPr>
+            <a:r>
+              <a:rPr lang="en-GB" sz="2800" dirty="0">
+                <a:latin typeface="Arial"/>
+                <a:cs typeface="Arial"/>
+              </a:rPr>
+              <a:t>Theory – Why is text cleaning and pre-processing utmost important? (10 mins)</a:t>
+            </a:r>
+          </a:p>
+          <a:p>
+            <a:pPr marL="605790" lvl="1" indent="-593725">
+              <a:spcBef>
+                <a:spcPts val="745"/>
+              </a:spcBef>
+              <a:buAutoNum type="arabicPeriod"/>
+              <a:tabLst>
+                <a:tab pos="606425" algn="l"/>
+              </a:tabLst>
+            </a:pPr>
+            <a:r>
+              <a:rPr lang="en-GB" sz="2800" dirty="0">
+                <a:latin typeface="Arial"/>
+                <a:cs typeface="Arial"/>
+              </a:rPr>
+              <a:t>Setting up the environment (5 mins)</a:t>
+            </a:r>
+          </a:p>
+          <a:p>
+            <a:pPr marL="605790" lvl="1" indent="-593725">
+              <a:lnSpc>
+                <a:spcPct val="100000"/>
+              </a:lnSpc>
+              <a:spcBef>
+                <a:spcPts val="745"/>
+              </a:spcBef>
+              <a:buAutoNum type="arabicPeriod"/>
+              <a:tabLst>
+                <a:tab pos="606425" algn="l"/>
+              </a:tabLst>
+            </a:pPr>
+            <a:r>
+              <a:rPr lang="en-GB" sz="2800" dirty="0">
+                <a:latin typeface="Arial"/>
+                <a:cs typeface="Arial"/>
+              </a:rPr>
+              <a:t>Data collection &amp; inspection from Scopus and Web of Science (25 mins)</a:t>
+            </a:r>
+          </a:p>
+          <a:p>
+            <a:pPr marL="605790" lvl="1" indent="-593725">
+              <a:lnSpc>
+                <a:spcPct val="100000"/>
+              </a:lnSpc>
+              <a:spcBef>
+                <a:spcPts val="745"/>
+              </a:spcBef>
+              <a:buAutoNum type="arabicPeriod"/>
+              <a:tabLst>
+                <a:tab pos="606425" algn="l"/>
+              </a:tabLst>
+            </a:pPr>
+            <a:r>
+              <a:rPr lang="en-GB" sz="2800" dirty="0">
+                <a:latin typeface="Arial"/>
+                <a:cs typeface="Arial"/>
+              </a:rPr>
+              <a:t>Basic text data cleaning (20 mins)</a:t>
+            </a:r>
+          </a:p>
+          <a:p>
+            <a:pPr marL="605790" lvl="1" indent="-593725">
+              <a:lnSpc>
+                <a:spcPct val="100000"/>
+              </a:lnSpc>
+              <a:spcBef>
+                <a:spcPts val="745"/>
+              </a:spcBef>
+              <a:buAutoNum type="arabicPeriod"/>
+              <a:tabLst>
+                <a:tab pos="606425" algn="l"/>
+              </a:tabLst>
+            </a:pPr>
+            <a:r>
+              <a:rPr lang="en-GB" sz="2800" dirty="0">
+                <a:latin typeface="Arial"/>
+                <a:cs typeface="Arial"/>
+              </a:rPr>
+              <a:t>Practice in your own data (20 mins)</a:t>
+            </a:r>
+            <a:endParaRPr sz="2800" dirty="0">
+              <a:latin typeface="Arial"/>
+              <a:cs typeface="Arial"/>
+            </a:endParaRPr>
+          </a:p>
+        </p:txBody>
+      </p:sp>
+      <p:sp>
+        <p:nvSpPr>
+          <p:cNvPr id="4" name="object 2">
+            <a:extLst>
+              <a:ext uri="{FF2B5EF4-FFF2-40B4-BE49-F238E27FC236}">
+                <a16:creationId xmlns:a16="http://schemas.microsoft.com/office/drawing/2014/main" id="{A5096FE3-1200-60FB-C31C-6CE12AC856AF}"/>
+              </a:ext>
+            </a:extLst>
+          </p:cNvPr>
+          <p:cNvSpPr txBox="1">
+            <a:spLocks/>
+          </p:cNvSpPr>
+          <p:nvPr/>
+        </p:nvSpPr>
+        <p:spPr>
+          <a:xfrm>
+            <a:off x="862099" y="152908"/>
+            <a:ext cx="1998345" cy="695960"/>
+          </a:xfrm>
+          <a:prstGeom prst="rect">
+            <a:avLst/>
+          </a:prstGeom>
+        </p:spPr>
+        <p:txBody>
+          <a:bodyPr vert="horz" wrap="square" lIns="0" tIns="12700" rIns="0" bIns="0" rtlCol="0">
+            <a:spAutoFit/>
+          </a:bodyPr>
+          <a:lstStyle>
+            <a:lvl1pPr>
+              <a:defRPr sz="4400" b="1" i="0">
+                <a:solidFill>
+                  <a:srgbClr val="2E3E80"/>
+                </a:solidFill>
+                <a:latin typeface="Arial"/>
+                <a:ea typeface="+mj-ea"/>
+                <a:cs typeface="Arial"/>
+              </a:defRPr>
+            </a:lvl1pPr>
+          </a:lstStyle>
+          <a:p>
+            <a:pPr marL="12700">
+              <a:spcBef>
+                <a:spcPts val="100"/>
+              </a:spcBef>
+            </a:pPr>
+            <a:r>
+              <a:rPr lang="en-GB" spc="-100"/>
+              <a:t>Agenda</a:t>
+            </a:r>
+          </a:p>
+        </p:txBody>
+      </p:sp>
+    </p:spTree>
+    <p:extLst>
+      <p:ext uri="{BB962C8B-B14F-4D97-AF65-F5344CB8AC3E}">
+        <p14:creationId xmlns:p14="http://schemas.microsoft.com/office/powerpoint/2010/main" val="1442333292"/>
+      </p:ext>
+    </p:extLst>
+  </p:cSld>
+  <p:clrMapOvr>
+    <a:masterClrMapping/>
+  </p:clrMapOvr>
+</p:sld>
+</file>
+
+<file path=ppt/slides/slide30.xml><?xml version="1.0" encoding="utf-8"?>
 <p:sld xmlns:a="http://schemas.openxmlformats.org/drawingml/2006/main" xmlns:r="http://schemas.openxmlformats.org/officeDocument/2006/relationships" xmlns:p="http://schemas.openxmlformats.org/presentationml/2006/main">
   <p:cSld>
     <p:spTree>
@@ -18254,7 +19646,7 @@
           <a:lstStyle/>
           <a:p>
             <a:r>
-              <a:rPr lang="en-GB" sz="3600"/>
+              <a:rPr lang="en-GB" sz="3600" dirty="0"/>
               <a:t>Learn the bigrams and trigrams from the datasets</a:t>
             </a:r>
           </a:p>
@@ -18293,7 +19685,7 @@
               <a:buChar char="•"/>
             </a:pPr>
             <a:r>
-              <a:rPr lang="en-GB" sz="2000"/>
+              <a:rPr lang="en-GB" sz="2000" dirty="0"/>
               <a:t>An n-gram is a contiguous sequence of n items, where an item can be a word, a character, or even a phoneme, depending on the application.</a:t>
             </a:r>
           </a:p>
@@ -18303,7 +19695,11 @@
               <a:buChar char="•"/>
             </a:pPr>
             <a:r>
-              <a:rPr lang="en-GB" sz="2000"/>
+              <a:rPr lang="en-GB" sz="2000" i="1" dirty="0">
+                <a:solidFill>
+                  <a:srgbClr val="FF0000"/>
+                </a:solidFill>
+              </a:rPr>
               <a:t>How does it work?</a:t>
             </a:r>
           </a:p>
@@ -18312,14 +19708,14 @@
               <a:buFont typeface="Arial" panose="020B0604020202020204" pitchFamily="34" charset="0"/>
               <a:buChar char="•"/>
             </a:pPr>
-            <a:endParaRPr lang="en-GB"/>
+            <a:endParaRPr lang="en-GB" dirty="0"/>
           </a:p>
           <a:p>
             <a:pPr marL="285750" indent="-285750">
               <a:buFont typeface="Arial" panose="020B0604020202020204" pitchFamily="34" charset="0"/>
               <a:buChar char="•"/>
             </a:pPr>
-            <a:endParaRPr lang="en-GB"/>
+            <a:endParaRPr lang="en-GB" dirty="0"/>
           </a:p>
         </p:txBody>
       </p:sp>
@@ -18380,279 +19776,215 @@
   <p:clrMapOvr>
     <a:masterClrMapping/>
   </p:clrMapOvr>
+  <p:timing>
+    <p:tnLst>
+      <p:par>
+        <p:cTn id="1" dur="indefinite" restart="never" nodeType="tmRoot">
+          <p:childTnLst>
+            <p:seq concurrent="1" nextAc="seek">
+              <p:cTn id="2" dur="indefinite" nodeType="mainSeq">
+                <p:childTnLst>
+                  <p:par>
+                    <p:cTn id="3" fill="hold">
+                      <p:stCondLst>
+                        <p:cond delay="indefinite"/>
+                      </p:stCondLst>
+                      <p:childTnLst>
+                        <p:par>
+                          <p:cTn id="4" fill="hold">
+                            <p:stCondLst>
+                              <p:cond delay="0"/>
+                            </p:stCondLst>
+                            <p:childTnLst>
+                              <p:par>
+                                <p:cTn id="5" presetID="10" presetClass="entr" presetSubtype="0" fill="hold" nodeType="clickEffect">
+                                  <p:stCondLst>
+                                    <p:cond delay="0"/>
+                                  </p:stCondLst>
+                                  <p:childTnLst>
+                                    <p:set>
+                                      <p:cBhvr>
+                                        <p:cTn id="6" dur="1" fill="hold">
+                                          <p:stCondLst>
+                                            <p:cond delay="0"/>
+                                          </p:stCondLst>
+                                        </p:cTn>
+                                        <p:tgtEl>
+                                          <p:spTgt spid="4">
+                                            <p:txEl>
+                                              <p:pRg st="0" end="0"/>
+                                            </p:txEl>
+                                          </p:spTgt>
+                                        </p:tgtEl>
+                                        <p:attrNameLst>
+                                          <p:attrName>style.visibility</p:attrName>
+                                        </p:attrNameLst>
+                                      </p:cBhvr>
+                                      <p:to>
+                                        <p:strVal val="visible"/>
+                                      </p:to>
+                                    </p:set>
+                                    <p:animEffect transition="in" filter="fade">
+                                      <p:cBhvr>
+                                        <p:cTn id="7" dur="500"/>
+                                        <p:tgtEl>
+                                          <p:spTgt spid="4">
+                                            <p:txEl>
+                                              <p:pRg st="0" end="0"/>
+                                            </p:txEl>
+                                          </p:spTgt>
+                                        </p:tgtEl>
+                                      </p:cBhvr>
+                                    </p:animEffect>
+                                  </p:childTnLst>
+                                </p:cTn>
+                              </p:par>
+                            </p:childTnLst>
+                          </p:cTn>
+                        </p:par>
+                      </p:childTnLst>
+                    </p:cTn>
+                  </p:par>
+                  <p:par>
+                    <p:cTn id="8" fill="hold">
+                      <p:stCondLst>
+                        <p:cond delay="indefinite"/>
+                      </p:stCondLst>
+                      <p:childTnLst>
+                        <p:par>
+                          <p:cTn id="9" fill="hold">
+                            <p:stCondLst>
+                              <p:cond delay="0"/>
+                            </p:stCondLst>
+                            <p:childTnLst>
+                              <p:par>
+                                <p:cTn id="10" presetID="10" presetClass="entr" presetSubtype="0" fill="hold" nodeType="clickEffect">
+                                  <p:stCondLst>
+                                    <p:cond delay="0"/>
+                                  </p:stCondLst>
+                                  <p:childTnLst>
+                                    <p:set>
+                                      <p:cBhvr>
+                                        <p:cTn id="11" dur="1" fill="hold">
+                                          <p:stCondLst>
+                                            <p:cond delay="0"/>
+                                          </p:stCondLst>
+                                        </p:cTn>
+                                        <p:tgtEl>
+                                          <p:spTgt spid="4">
+                                            <p:txEl>
+                                              <p:pRg st="1" end="1"/>
+                                            </p:txEl>
+                                          </p:spTgt>
+                                        </p:tgtEl>
+                                        <p:attrNameLst>
+                                          <p:attrName>style.visibility</p:attrName>
+                                        </p:attrNameLst>
+                                      </p:cBhvr>
+                                      <p:to>
+                                        <p:strVal val="visible"/>
+                                      </p:to>
+                                    </p:set>
+                                    <p:animEffect transition="in" filter="fade">
+                                      <p:cBhvr>
+                                        <p:cTn id="12" dur="500"/>
+                                        <p:tgtEl>
+                                          <p:spTgt spid="4">
+                                            <p:txEl>
+                                              <p:pRg st="1" end="1"/>
+                                            </p:txEl>
+                                          </p:spTgt>
+                                        </p:tgtEl>
+                                      </p:cBhvr>
+                                    </p:animEffect>
+                                  </p:childTnLst>
+                                </p:cTn>
+                              </p:par>
+                            </p:childTnLst>
+                          </p:cTn>
+                        </p:par>
+                      </p:childTnLst>
+                    </p:cTn>
+                  </p:par>
+                  <p:par>
+                    <p:cTn id="13" fill="hold">
+                      <p:stCondLst>
+                        <p:cond delay="indefinite"/>
+                      </p:stCondLst>
+                      <p:childTnLst>
+                        <p:par>
+                          <p:cTn id="14" fill="hold">
+                            <p:stCondLst>
+                              <p:cond delay="0"/>
+                            </p:stCondLst>
+                            <p:childTnLst>
+                              <p:par>
+                                <p:cTn id="15" presetID="10" presetClass="entr" presetSubtype="0" fill="hold" nodeType="clickEffect">
+                                  <p:stCondLst>
+                                    <p:cond delay="0"/>
+                                  </p:stCondLst>
+                                  <p:childTnLst>
+                                    <p:set>
+                                      <p:cBhvr>
+                                        <p:cTn id="16" dur="1" fill="hold">
+                                          <p:stCondLst>
+                                            <p:cond delay="0"/>
+                                          </p:stCondLst>
+                                        </p:cTn>
+                                        <p:tgtEl>
+                                          <p:spTgt spid="1028"/>
+                                        </p:tgtEl>
+                                        <p:attrNameLst>
+                                          <p:attrName>style.visibility</p:attrName>
+                                        </p:attrNameLst>
+                                      </p:cBhvr>
+                                      <p:to>
+                                        <p:strVal val="visible"/>
+                                      </p:to>
+                                    </p:set>
+                                    <p:animEffect transition="in" filter="fade">
+                                      <p:cBhvr>
+                                        <p:cTn id="17" dur="500"/>
+                                        <p:tgtEl>
+                                          <p:spTgt spid="1028"/>
+                                        </p:tgtEl>
+                                      </p:cBhvr>
+                                    </p:animEffect>
+                                  </p:childTnLst>
+                                </p:cTn>
+                              </p:par>
+                            </p:childTnLst>
+                          </p:cTn>
+                        </p:par>
+                      </p:childTnLst>
+                    </p:cTn>
+                  </p:par>
+                </p:childTnLst>
+              </p:cTn>
+              <p:prevCondLst>
+                <p:cond evt="onPrev" delay="0">
+                  <p:tgtEl>
+                    <p:sldTgt/>
+                  </p:tgtEl>
+                </p:cond>
+              </p:prevCondLst>
+              <p:nextCondLst>
+                <p:cond evt="onNext" delay="0">
+                  <p:tgtEl>
+                    <p:sldTgt/>
+                  </p:tgtEl>
+                </p:cond>
+              </p:nextCondLst>
+            </p:seq>
+          </p:childTnLst>
+        </p:cTn>
+      </p:par>
+    </p:tnLst>
+  </p:timing>
 </p:sld>
 </file>
 
-<file path=ppt/slides/slide3.xml><?xml version="1.0" encoding="utf-8"?>
-<p:sld xmlns:a="http://schemas.openxmlformats.org/drawingml/2006/main" xmlns:r="http://schemas.openxmlformats.org/officeDocument/2006/relationships" xmlns:p="http://schemas.openxmlformats.org/presentationml/2006/main">
-  <p:cSld>
-    <p:spTree>
-      <p:nvGrpSpPr>
-        <p:cNvPr id="1" name=""/>
-        <p:cNvGrpSpPr/>
-        <p:nvPr/>
-      </p:nvGrpSpPr>
-      <p:grpSpPr>
-        <a:xfrm>
-          <a:off x="0" y="0"/>
-          <a:ext cx="0" cy="0"/>
-          <a:chOff x="0" y="0"/>
-          <a:chExt cx="0" cy="0"/>
-        </a:xfrm>
-      </p:grpSpPr>
-      <p:sp>
-        <p:nvSpPr>
-          <p:cNvPr id="2" name="object 2"/>
-          <p:cNvSpPr txBox="1">
-            <a:spLocks noGrp="1"/>
-          </p:cNvSpPr>
-          <p:nvPr>
-            <p:ph type="title"/>
-          </p:nvPr>
-        </p:nvSpPr>
-        <p:spPr>
-          <a:xfrm>
-            <a:off x="831055" y="1190890"/>
-            <a:ext cx="11101301" cy="566822"/>
-          </a:xfrm>
-          <a:prstGeom prst="rect">
-            <a:avLst/>
-          </a:prstGeom>
-        </p:spPr>
-        <p:txBody>
-          <a:bodyPr vert="horz" wrap="square" lIns="0" tIns="12700" rIns="0" bIns="0" rtlCol="0">
-            <a:spAutoFit/>
-          </a:bodyPr>
-          <a:lstStyle/>
-          <a:p>
-            <a:pPr marL="12700">
-              <a:lnSpc>
-                <a:spcPct val="100000"/>
-              </a:lnSpc>
-              <a:spcBef>
-                <a:spcPts val="100"/>
-              </a:spcBef>
-            </a:pPr>
-            <a:r>
-              <a:rPr lang="en-GB" sz="3600" spc="-55" dirty="0"/>
-              <a:t>Session 1. Getting started and Text Cleaning</a:t>
-            </a:r>
-            <a:endParaRPr sz="3600" dirty="0"/>
-          </a:p>
-        </p:txBody>
-      </p:sp>
-      <p:sp>
-        <p:nvSpPr>
-          <p:cNvPr id="3" name="object 3"/>
-          <p:cNvSpPr txBox="1"/>
-          <p:nvPr/>
-        </p:nvSpPr>
-        <p:spPr>
-          <a:xfrm>
-            <a:off x="990600" y="2133600"/>
-            <a:ext cx="10896600" cy="3991477"/>
-          </a:xfrm>
-          <a:prstGeom prst="rect">
-            <a:avLst/>
-          </a:prstGeom>
-        </p:spPr>
-        <p:txBody>
-          <a:bodyPr vert="horz" wrap="square" lIns="0" tIns="94615" rIns="0" bIns="0" rtlCol="0">
-            <a:spAutoFit/>
-          </a:bodyPr>
-          <a:lstStyle/>
-          <a:p>
-            <a:pPr marL="605790" lvl="1" indent="-593725">
-              <a:lnSpc>
-                <a:spcPct val="100000"/>
-              </a:lnSpc>
-              <a:spcBef>
-                <a:spcPts val="745"/>
-              </a:spcBef>
-              <a:buAutoNum type="arabicPeriod"/>
-              <a:tabLst>
-                <a:tab pos="606425" algn="l"/>
-              </a:tabLst>
-            </a:pPr>
-            <a:r>
-              <a:rPr lang="en-GB" sz="2800" dirty="0">
-                <a:latin typeface="Arial"/>
-                <a:cs typeface="Arial"/>
-              </a:rPr>
-              <a:t>Warm-up (10 mins)</a:t>
-            </a:r>
-          </a:p>
-          <a:p>
-            <a:pPr marL="605790" lvl="1" indent="-593725">
-              <a:spcBef>
-                <a:spcPts val="745"/>
-              </a:spcBef>
-              <a:buAutoNum type="arabicPeriod"/>
-              <a:tabLst>
-                <a:tab pos="606425" algn="l"/>
-              </a:tabLst>
-            </a:pPr>
-            <a:r>
-              <a:rPr lang="en-GB" sz="2800" dirty="0">
-                <a:latin typeface="Arial"/>
-                <a:cs typeface="Arial"/>
-              </a:rPr>
-              <a:t>Theory – Why is text cleaning and pre-processing utmost important? (10 mins)</a:t>
-            </a:r>
-          </a:p>
-          <a:p>
-            <a:pPr marL="605790" lvl="1" indent="-593725">
-              <a:spcBef>
-                <a:spcPts val="745"/>
-              </a:spcBef>
-              <a:buAutoNum type="arabicPeriod"/>
-              <a:tabLst>
-                <a:tab pos="606425" algn="l"/>
-              </a:tabLst>
-            </a:pPr>
-            <a:r>
-              <a:rPr lang="en-GB" sz="2800" dirty="0">
-                <a:latin typeface="Arial"/>
-                <a:cs typeface="Arial"/>
-              </a:rPr>
-              <a:t>Setting up the environment (5 mins)</a:t>
-            </a:r>
-          </a:p>
-          <a:p>
-            <a:pPr marL="605790" lvl="1" indent="-593725">
-              <a:lnSpc>
-                <a:spcPct val="100000"/>
-              </a:lnSpc>
-              <a:spcBef>
-                <a:spcPts val="745"/>
-              </a:spcBef>
-              <a:buAutoNum type="arabicPeriod"/>
-              <a:tabLst>
-                <a:tab pos="606425" algn="l"/>
-              </a:tabLst>
-            </a:pPr>
-            <a:r>
-              <a:rPr lang="en-GB" sz="2800" dirty="0">
-                <a:latin typeface="Arial"/>
-                <a:cs typeface="Arial"/>
-              </a:rPr>
-              <a:t>Data collection &amp; inspection from Scopus and Web of Science (25 mins)</a:t>
-            </a:r>
-          </a:p>
-          <a:p>
-            <a:pPr marL="605790" lvl="1" indent="-593725">
-              <a:lnSpc>
-                <a:spcPct val="100000"/>
-              </a:lnSpc>
-              <a:spcBef>
-                <a:spcPts val="745"/>
-              </a:spcBef>
-              <a:buAutoNum type="arabicPeriod"/>
-              <a:tabLst>
-                <a:tab pos="606425" algn="l"/>
-              </a:tabLst>
-            </a:pPr>
-            <a:r>
-              <a:rPr lang="en-GB" sz="2800" dirty="0">
-                <a:latin typeface="Arial"/>
-                <a:cs typeface="Arial"/>
-              </a:rPr>
-              <a:t>Basic text data cleaning (20 mins)</a:t>
-            </a:r>
-          </a:p>
-          <a:p>
-            <a:pPr marL="605790" lvl="1" indent="-593725">
-              <a:lnSpc>
-                <a:spcPct val="100000"/>
-              </a:lnSpc>
-              <a:spcBef>
-                <a:spcPts val="745"/>
-              </a:spcBef>
-              <a:buAutoNum type="arabicPeriod"/>
-              <a:tabLst>
-                <a:tab pos="606425" algn="l"/>
-              </a:tabLst>
-            </a:pPr>
-            <a:r>
-              <a:rPr lang="en-GB" sz="2800" dirty="0">
-                <a:latin typeface="Arial"/>
-                <a:cs typeface="Arial"/>
-              </a:rPr>
-              <a:t>Practice in your own data (20 mins)</a:t>
-            </a:r>
-            <a:endParaRPr sz="2800" dirty="0">
-              <a:latin typeface="Arial"/>
-              <a:cs typeface="Arial"/>
-            </a:endParaRPr>
-          </a:p>
-        </p:txBody>
-      </p:sp>
-      <p:sp>
-        <p:nvSpPr>
-          <p:cNvPr id="4" name="object 2">
-            <a:extLst>
-              <a:ext uri="{FF2B5EF4-FFF2-40B4-BE49-F238E27FC236}">
-                <a16:creationId xmlns:a16="http://schemas.microsoft.com/office/drawing/2014/main" id="{A5096FE3-1200-60FB-C31C-6CE12AC856AF}"/>
-              </a:ext>
-            </a:extLst>
-          </p:cNvPr>
-          <p:cNvSpPr txBox="1">
-            <a:spLocks/>
-          </p:cNvSpPr>
-          <p:nvPr/>
-        </p:nvSpPr>
-        <p:spPr>
-          <a:xfrm>
-            <a:off x="862099" y="152908"/>
-            <a:ext cx="1998345" cy="695960"/>
-          </a:xfrm>
-          <a:prstGeom prst="rect">
-            <a:avLst/>
-          </a:prstGeom>
-        </p:spPr>
-        <p:txBody>
-          <a:bodyPr vert="horz" wrap="square" lIns="0" tIns="12700" rIns="0" bIns="0" rtlCol="0">
-            <a:spAutoFit/>
-          </a:bodyPr>
-          <a:lstStyle>
-            <a:lvl1pPr>
-              <a:defRPr sz="4400" b="1" i="0">
-                <a:solidFill>
-                  <a:srgbClr val="2E3E80"/>
-                </a:solidFill>
-                <a:latin typeface="Arial"/>
-                <a:ea typeface="+mj-ea"/>
-                <a:cs typeface="Arial"/>
-              </a:defRPr>
-            </a:lvl1pPr>
-          </a:lstStyle>
-          <a:p>
-            <a:pPr marL="12700">
-              <a:spcBef>
-                <a:spcPts val="100"/>
-              </a:spcBef>
-            </a:pPr>
-            <a:r>
-              <a:rPr lang="en-GB" spc="-100"/>
-              <a:t>Agenda</a:t>
-            </a:r>
-          </a:p>
-        </p:txBody>
-      </p:sp>
-    </p:spTree>
-    <p:extLst>
-      <p:ext uri="{BB962C8B-B14F-4D97-AF65-F5344CB8AC3E}">
-        <p14:creationId xmlns:p14="http://schemas.microsoft.com/office/powerpoint/2010/main" val="1442333292"/>
-      </p:ext>
-    </p:extLst>
-  </p:cSld>
-  <p:clrMapOvr>
-    <a:masterClrMapping/>
-  </p:clrMapOvr>
-</p:sld>
-</file>
-
-<file path=ppt/slides/slide30.xml><?xml version="1.0" encoding="utf-8"?>
+<file path=ppt/slides/slide31.xml><?xml version="1.0" encoding="utf-8"?>
 <p:sld xmlns:a="http://schemas.openxmlformats.org/drawingml/2006/main" xmlns:r="http://schemas.openxmlformats.org/officeDocument/2006/relationships" xmlns:p="http://schemas.openxmlformats.org/presentationml/2006/main">
   <p:cSld>
     <p:spTree>
@@ -18771,15 +20103,15 @@
               <a:buChar char="•"/>
             </a:pPr>
             <a:r>
-              <a:rPr lang="en-GB"/>
+              <a:rPr lang="en-GB" dirty="0"/>
               <a:t>Using </a:t>
             </a:r>
             <a:r>
-              <a:rPr lang="en-GB" err="1"/>
+              <a:rPr lang="en-GB" dirty="0" err="1"/>
               <a:t>Gensim</a:t>
             </a:r>
             <a:r>
-              <a:rPr lang="en-GB"/>
+              <a:rPr lang="en-GB" dirty="0"/>
               <a:t> Phrases to capture bigram and trigram</a:t>
             </a:r>
           </a:p>
@@ -18795,15 +20127,15 @@
               <a:buChar char="•"/>
             </a:pPr>
             <a:r>
-              <a:rPr lang="en-GB"/>
+              <a:rPr lang="en-GB" dirty="0"/>
               <a:t>Using </a:t>
             </a:r>
             <a:r>
-              <a:rPr lang="en-GB" err="1"/>
+              <a:rPr lang="en-GB" dirty="0" err="1"/>
               <a:t>gensim.models.phrases.Phraser</a:t>
             </a:r>
             <a:r>
-              <a:rPr lang="en-GB"/>
+              <a:rPr lang="en-GB" dirty="0"/>
               <a:t> to generate trained functions that can be use to detect bigram or trigram.</a:t>
             </a:r>
           </a:p>
@@ -18831,7 +20163,7 @@
         </p:blipFill>
         <p:spPr>
           <a:xfrm>
-            <a:off x="1905000" y="2005981"/>
+            <a:off x="1926772" y="2005981"/>
             <a:ext cx="8799258" cy="3626361"/>
           </a:xfrm>
           <a:prstGeom prst="rect">
@@ -18849,10 +20181,268 @@
   <p:clrMapOvr>
     <a:masterClrMapping/>
   </p:clrMapOvr>
+  <p:timing>
+    <p:tnLst>
+      <p:par>
+        <p:cTn id="1" dur="indefinite" restart="never" nodeType="tmRoot">
+          <p:childTnLst>
+            <p:seq concurrent="1" nextAc="seek">
+              <p:cTn id="2" dur="indefinite" nodeType="mainSeq">
+                <p:childTnLst>
+                  <p:par>
+                    <p:cTn id="3" fill="hold">
+                      <p:stCondLst>
+                        <p:cond delay="indefinite"/>
+                      </p:stCondLst>
+                      <p:childTnLst>
+                        <p:par>
+                          <p:cTn id="4" fill="hold">
+                            <p:stCondLst>
+                              <p:cond delay="0"/>
+                            </p:stCondLst>
+                            <p:childTnLst>
+                              <p:par>
+                                <p:cTn id="5" presetID="10" presetClass="entr" presetSubtype="0" fill="hold" nodeType="clickEffect">
+                                  <p:stCondLst>
+                                    <p:cond delay="0"/>
+                                  </p:stCondLst>
+                                  <p:childTnLst>
+                                    <p:set>
+                                      <p:cBhvr>
+                                        <p:cTn id="6" dur="1" fill="hold">
+                                          <p:stCondLst>
+                                            <p:cond delay="0"/>
+                                          </p:stCondLst>
+                                        </p:cTn>
+                                        <p:tgtEl>
+                                          <p:spTgt spid="8">
+                                            <p:txEl>
+                                              <p:pRg st="0" end="0"/>
+                                            </p:txEl>
+                                          </p:spTgt>
+                                        </p:tgtEl>
+                                        <p:attrNameLst>
+                                          <p:attrName>style.visibility</p:attrName>
+                                        </p:attrNameLst>
+                                      </p:cBhvr>
+                                      <p:to>
+                                        <p:strVal val="visible"/>
+                                      </p:to>
+                                    </p:set>
+                                    <p:animEffect transition="in" filter="fade">
+                                      <p:cBhvr>
+                                        <p:cTn id="7" dur="500"/>
+                                        <p:tgtEl>
+                                          <p:spTgt spid="8">
+                                            <p:txEl>
+                                              <p:pRg st="0" end="0"/>
+                                            </p:txEl>
+                                          </p:spTgt>
+                                        </p:tgtEl>
+                                      </p:cBhvr>
+                                    </p:animEffect>
+                                  </p:childTnLst>
+                                </p:cTn>
+                              </p:par>
+                            </p:childTnLst>
+                          </p:cTn>
+                        </p:par>
+                      </p:childTnLst>
+                    </p:cTn>
+                  </p:par>
+                  <p:par>
+                    <p:cTn id="8" fill="hold">
+                      <p:stCondLst>
+                        <p:cond delay="indefinite"/>
+                      </p:stCondLst>
+                      <p:childTnLst>
+                        <p:par>
+                          <p:cTn id="9" fill="hold">
+                            <p:stCondLst>
+                              <p:cond delay="0"/>
+                            </p:stCondLst>
+                            <p:childTnLst>
+                              <p:par>
+                                <p:cTn id="10" presetID="10" presetClass="entr" presetSubtype="0" fill="hold" nodeType="clickEffect">
+                                  <p:stCondLst>
+                                    <p:cond delay="0"/>
+                                  </p:stCondLst>
+                                  <p:childTnLst>
+                                    <p:set>
+                                      <p:cBhvr>
+                                        <p:cTn id="11" dur="1" fill="hold">
+                                          <p:stCondLst>
+                                            <p:cond delay="0"/>
+                                          </p:stCondLst>
+                                        </p:cTn>
+                                        <p:tgtEl>
+                                          <p:spTgt spid="8">
+                                            <p:txEl>
+                                              <p:pRg st="1" end="1"/>
+                                            </p:txEl>
+                                          </p:spTgt>
+                                        </p:tgtEl>
+                                        <p:attrNameLst>
+                                          <p:attrName>style.visibility</p:attrName>
+                                        </p:attrNameLst>
+                                      </p:cBhvr>
+                                      <p:to>
+                                        <p:strVal val="visible"/>
+                                      </p:to>
+                                    </p:set>
+                                    <p:animEffect transition="in" filter="fade">
+                                      <p:cBhvr>
+                                        <p:cTn id="12" dur="500"/>
+                                        <p:tgtEl>
+                                          <p:spTgt spid="8">
+                                            <p:txEl>
+                                              <p:pRg st="1" end="1"/>
+                                            </p:txEl>
+                                          </p:spTgt>
+                                        </p:tgtEl>
+                                      </p:cBhvr>
+                                    </p:animEffect>
+                                  </p:childTnLst>
+                                </p:cTn>
+                              </p:par>
+                            </p:childTnLst>
+                          </p:cTn>
+                        </p:par>
+                      </p:childTnLst>
+                    </p:cTn>
+                  </p:par>
+                  <p:par>
+                    <p:cTn id="13" fill="hold">
+                      <p:stCondLst>
+                        <p:cond delay="indefinite"/>
+                      </p:stCondLst>
+                      <p:childTnLst>
+                        <p:par>
+                          <p:cTn id="14" fill="hold">
+                            <p:stCondLst>
+                              <p:cond delay="0"/>
+                            </p:stCondLst>
+                            <p:childTnLst>
+                              <p:par>
+                                <p:cTn id="15" presetID="10" presetClass="entr" presetSubtype="0" fill="hold" nodeType="clickEffect">
+                                  <p:stCondLst>
+                                    <p:cond delay="0"/>
+                                  </p:stCondLst>
+                                  <p:childTnLst>
+                                    <p:set>
+                                      <p:cBhvr>
+                                        <p:cTn id="16" dur="1" fill="hold">
+                                          <p:stCondLst>
+                                            <p:cond delay="0"/>
+                                          </p:stCondLst>
+                                        </p:cTn>
+                                        <p:tgtEl>
+                                          <p:spTgt spid="10"/>
+                                        </p:tgtEl>
+                                        <p:attrNameLst>
+                                          <p:attrName>style.visibility</p:attrName>
+                                        </p:attrNameLst>
+                                      </p:cBhvr>
+                                      <p:to>
+                                        <p:strVal val="visible"/>
+                                      </p:to>
+                                    </p:set>
+                                    <p:animEffect transition="in" filter="fade">
+                                      <p:cBhvr>
+                                        <p:cTn id="17" dur="500"/>
+                                        <p:tgtEl>
+                                          <p:spTgt spid="10"/>
+                                        </p:tgtEl>
+                                      </p:cBhvr>
+                                    </p:animEffect>
+                                  </p:childTnLst>
+                                </p:cTn>
+                              </p:par>
+                            </p:childTnLst>
+                          </p:cTn>
+                        </p:par>
+                      </p:childTnLst>
+                    </p:cTn>
+                  </p:par>
+                  <p:par>
+                    <p:cTn id="18" fill="hold">
+                      <p:stCondLst>
+                        <p:cond delay="indefinite"/>
+                      </p:stCondLst>
+                      <p:childTnLst>
+                        <p:par>
+                          <p:cTn id="19" fill="hold">
+                            <p:stCondLst>
+                              <p:cond delay="0"/>
+                            </p:stCondLst>
+                            <p:childTnLst>
+                              <p:par>
+                                <p:cTn id="20" presetID="10" presetClass="entr" presetSubtype="0" fill="hold" nodeType="clickEffect">
+                                  <p:stCondLst>
+                                    <p:cond delay="0"/>
+                                  </p:stCondLst>
+                                  <p:childTnLst>
+                                    <p:set>
+                                      <p:cBhvr>
+                                        <p:cTn id="21" dur="1" fill="hold">
+                                          <p:stCondLst>
+                                            <p:cond delay="0"/>
+                                          </p:stCondLst>
+                                        </p:cTn>
+                                        <p:tgtEl>
+                                          <p:spTgt spid="5"/>
+                                        </p:tgtEl>
+                                        <p:attrNameLst>
+                                          <p:attrName>style.visibility</p:attrName>
+                                        </p:attrNameLst>
+                                      </p:cBhvr>
+                                      <p:to>
+                                        <p:strVal val="visible"/>
+                                      </p:to>
+                                    </p:set>
+                                    <p:animEffect transition="in" filter="fade">
+                                      <p:cBhvr>
+                                        <p:cTn id="22" dur="500"/>
+                                        <p:tgtEl>
+                                          <p:spTgt spid="5"/>
+                                        </p:tgtEl>
+                                      </p:cBhvr>
+                                    </p:animEffect>
+                                  </p:childTnLst>
+                                </p:cTn>
+                              </p:par>
+                            </p:childTnLst>
+                          </p:cTn>
+                        </p:par>
+                      </p:childTnLst>
+                    </p:cTn>
+                  </p:par>
+                </p:childTnLst>
+              </p:cTn>
+              <p:prevCondLst>
+                <p:cond evt="onPrev" delay="0">
+                  <p:tgtEl>
+                    <p:sldTgt/>
+                  </p:tgtEl>
+                </p:cond>
+              </p:prevCondLst>
+              <p:nextCondLst>
+                <p:cond evt="onNext" delay="0">
+                  <p:tgtEl>
+                    <p:sldTgt/>
+                  </p:tgtEl>
+                </p:cond>
+              </p:nextCondLst>
+            </p:seq>
+          </p:childTnLst>
+        </p:cTn>
+      </p:par>
+    </p:tnLst>
+  </p:timing>
 </p:sld>
 </file>
 
-<file path=ppt/slides/slide31.xml><?xml version="1.0" encoding="utf-8"?>
+<file path=ppt/slides/slide32.xml><?xml version="1.0" encoding="utf-8"?>
 <p:sld xmlns:a="http://schemas.openxmlformats.org/drawingml/2006/main" xmlns:r="http://schemas.openxmlformats.org/officeDocument/2006/relationships" xmlns:p="http://schemas.openxmlformats.org/presentationml/2006/main">
   <p:cSld>
     <p:spTree>
@@ -18936,7 +20526,7 @@
               <a:buChar char="-"/>
             </a:pPr>
             <a:r>
-              <a:rPr lang="en-GB" sz="2000" b="0" i="0">
+              <a:rPr lang="en-GB" sz="2000" b="0" i="0" dirty="0">
                 <a:solidFill>
                   <a:schemeClr val="tx1"/>
                 </a:solidFill>
@@ -18952,7 +20542,7 @@
               <a:buChar char="-"/>
             </a:pPr>
             <a:r>
-              <a:rPr lang="en-GB" sz="2000" b="0" i="0">
+              <a:rPr lang="en-GB" sz="2000" b="0" i="0" dirty="0">
                 <a:solidFill>
                   <a:schemeClr val="tx1"/>
                 </a:solidFill>
@@ -18968,7 +20558,7 @@
               <a:buChar char="-"/>
             </a:pPr>
             <a:r>
-              <a:rPr lang="en-GB" sz="2000" b="0" i="0" err="1">
+              <a:rPr lang="en-GB" sz="2000" b="0" i="0" dirty="0" err="1">
                 <a:solidFill>
                   <a:schemeClr val="tx1"/>
                 </a:solidFill>
@@ -18978,7 +20568,7 @@
               <a:t>Stopwords</a:t>
             </a:r>
             <a:r>
-              <a:rPr lang="en-GB" sz="2000" b="0" i="0">
+              <a:rPr lang="en-GB" sz="2000" b="0" i="0" dirty="0">
                 <a:solidFill>
                   <a:schemeClr val="tx1"/>
                 </a:solidFill>
@@ -19049,7 +20639,7 @@
           <a:lstStyle/>
           <a:p>
             <a:r>
-              <a:rPr lang="en-GB" i="1">
+              <a:rPr lang="en-GB" i="1" dirty="0">
                 <a:solidFill>
                   <a:srgbClr val="FF0000"/>
                 </a:solidFill>
@@ -19302,6 +20892,59 @@
                       </p:childTnLst>
                     </p:cTn>
                   </p:par>
+                  <p:par>
+                    <p:cTn id="19" fill="hold">
+                      <p:stCondLst>
+                        <p:cond delay="indefinite"/>
+                      </p:stCondLst>
+                      <p:childTnLst>
+                        <p:par>
+                          <p:cTn id="20" fill="hold">
+                            <p:stCondLst>
+                              <p:cond delay="0"/>
+                            </p:stCondLst>
+                            <p:childTnLst>
+                              <p:par>
+                                <p:cTn id="21" presetID="10" presetClass="entr" presetSubtype="0" fill="hold" nodeType="clickEffect">
+                                  <p:stCondLst>
+                                    <p:cond delay="0"/>
+                                  </p:stCondLst>
+                                  <p:childTnLst>
+                                    <p:set>
+                                      <p:cBhvr>
+                                        <p:cTn id="22" dur="1" fill="hold">
+                                          <p:stCondLst>
+                                            <p:cond delay="0"/>
+                                          </p:stCondLst>
+                                        </p:cTn>
+                                        <p:tgtEl>
+                                          <p:spTgt spid="8"/>
+                                        </p:tgtEl>
+                                        <p:attrNameLst>
+                                          <p:attrName>style.visibility</p:attrName>
+                                        </p:attrNameLst>
+                                      </p:cBhvr>
+                                      <p:to>
+                                        <p:strVal val="visible"/>
+                                      </p:to>
+                                    </p:set>
+                                    <p:animEffect transition="in" filter="fade">
+                                      <p:cBhvr>
+                                        <p:cTn id="23" dur="500"/>
+                                        <p:tgtEl>
+                                          <p:spTgt spid="8"/>
+                                        </p:tgtEl>
+                                      </p:cBhvr>
+                                    </p:animEffect>
+                                  </p:childTnLst>
+                                </p:cTn>
+                              </p:par>
+                            </p:childTnLst>
+                          </p:cTn>
+                        </p:par>
+                      </p:childTnLst>
+                    </p:cTn>
+                  </p:par>
                 </p:childTnLst>
               </p:cTn>
               <p:prevCondLst>
@@ -19327,7 +20970,7 @@
 </p:sld>
 </file>
 
-<file path=ppt/slides/slide32.xml><?xml version="1.0" encoding="utf-8"?>
+<file path=ppt/slides/slide33.xml><?xml version="1.0" encoding="utf-8"?>
 <p:sld xmlns:a="http://schemas.openxmlformats.org/drawingml/2006/main" xmlns:r="http://schemas.openxmlformats.org/officeDocument/2006/relationships" xmlns:p="http://schemas.openxmlformats.org/presentationml/2006/main">
   <p:cSld>
     <p:spTree>
@@ -19468,10 +21111,154 @@
   <p:clrMapOvr>
     <a:masterClrMapping/>
   </p:clrMapOvr>
+  <p:timing>
+    <p:tnLst>
+      <p:par>
+        <p:cTn id="1" dur="indefinite" restart="never" nodeType="tmRoot">
+          <p:childTnLst>
+            <p:seq concurrent="1" nextAc="seek">
+              <p:cTn id="2" dur="indefinite" nodeType="mainSeq">
+                <p:childTnLst>
+                  <p:par>
+                    <p:cTn id="3" fill="hold">
+                      <p:stCondLst>
+                        <p:cond delay="indefinite"/>
+                      </p:stCondLst>
+                      <p:childTnLst>
+                        <p:par>
+                          <p:cTn id="4" fill="hold">
+                            <p:stCondLst>
+                              <p:cond delay="0"/>
+                            </p:stCondLst>
+                            <p:childTnLst>
+                              <p:par>
+                                <p:cTn id="5" presetID="10" presetClass="entr" presetSubtype="0" fill="hold" nodeType="clickEffect">
+                                  <p:stCondLst>
+                                    <p:cond delay="0"/>
+                                  </p:stCondLst>
+                                  <p:childTnLst>
+                                    <p:set>
+                                      <p:cBhvr>
+                                        <p:cTn id="6" dur="1" fill="hold">
+                                          <p:stCondLst>
+                                            <p:cond delay="0"/>
+                                          </p:stCondLst>
+                                        </p:cTn>
+                                        <p:tgtEl>
+                                          <p:spTgt spid="4">
+                                            <p:txEl>
+                                              <p:pRg st="0" end="0"/>
+                                            </p:txEl>
+                                          </p:spTgt>
+                                        </p:tgtEl>
+                                        <p:attrNameLst>
+                                          <p:attrName>style.visibility</p:attrName>
+                                        </p:attrNameLst>
+                                      </p:cBhvr>
+                                      <p:to>
+                                        <p:strVal val="visible"/>
+                                      </p:to>
+                                    </p:set>
+                                    <p:animEffect transition="in" filter="fade">
+                                      <p:cBhvr>
+                                        <p:cTn id="7" dur="500"/>
+                                        <p:tgtEl>
+                                          <p:spTgt spid="4">
+                                            <p:txEl>
+                                              <p:pRg st="0" end="0"/>
+                                            </p:txEl>
+                                          </p:spTgt>
+                                        </p:tgtEl>
+                                      </p:cBhvr>
+                                    </p:animEffect>
+                                  </p:childTnLst>
+                                </p:cTn>
+                              </p:par>
+                            </p:childTnLst>
+                          </p:cTn>
+                        </p:par>
+                      </p:childTnLst>
+                    </p:cTn>
+                  </p:par>
+                  <p:par>
+                    <p:cTn id="8" fill="hold">
+                      <p:stCondLst>
+                        <p:cond delay="indefinite"/>
+                      </p:stCondLst>
+                      <p:childTnLst>
+                        <p:par>
+                          <p:cTn id="9" fill="hold">
+                            <p:stCondLst>
+                              <p:cond delay="0"/>
+                            </p:stCondLst>
+                            <p:childTnLst>
+                              <p:par>
+                                <p:cTn id="10" presetID="10" presetClass="entr" presetSubtype="0" fill="hold" nodeType="clickEffect">
+                                  <p:stCondLst>
+                                    <p:cond delay="0"/>
+                                  </p:stCondLst>
+                                  <p:childTnLst>
+                                    <p:set>
+                                      <p:cBhvr>
+                                        <p:cTn id="11" dur="1" fill="hold">
+                                          <p:stCondLst>
+                                            <p:cond delay="0"/>
+                                          </p:stCondLst>
+                                        </p:cTn>
+                                        <p:tgtEl>
+                                          <p:spTgt spid="6"/>
+                                        </p:tgtEl>
+                                        <p:attrNameLst>
+                                          <p:attrName>style.visibility</p:attrName>
+                                        </p:attrNameLst>
+                                      </p:cBhvr>
+                                      <p:to>
+                                        <p:strVal val="visible"/>
+                                      </p:to>
+                                    </p:set>
+                                    <p:animEffect transition="in" filter="fade">
+                                      <p:cBhvr>
+                                        <p:cTn id="12" dur="500"/>
+                                        <p:tgtEl>
+                                          <p:spTgt spid="6"/>
+                                        </p:tgtEl>
+                                      </p:cBhvr>
+                                    </p:animEffect>
+                                  </p:childTnLst>
+                                </p:cTn>
+                              </p:par>
+                            </p:childTnLst>
+                          </p:cTn>
+                        </p:par>
+                      </p:childTnLst>
+                    </p:cTn>
+                  </p:par>
+                </p:childTnLst>
+              </p:cTn>
+              <p:prevCondLst>
+                <p:cond evt="onPrev" delay="0">
+                  <p:tgtEl>
+                    <p:sldTgt/>
+                  </p:tgtEl>
+                </p:cond>
+              </p:prevCondLst>
+              <p:nextCondLst>
+                <p:cond evt="onNext" delay="0">
+                  <p:tgtEl>
+                    <p:sldTgt/>
+                  </p:tgtEl>
+                </p:cond>
+              </p:nextCondLst>
+            </p:seq>
+          </p:childTnLst>
+        </p:cTn>
+      </p:par>
+    </p:tnLst>
+  </p:timing>
 </p:sld>
 </file>
 
-<file path=ppt/slides/slide33.xml><?xml version="1.0" encoding="utf-8"?>
+<file path=ppt/slides/slide34.xml><?xml version="1.0" encoding="utf-8"?>
 <p:sld xmlns:a="http://schemas.openxmlformats.org/drawingml/2006/main" xmlns:r="http://schemas.openxmlformats.org/officeDocument/2006/relationships" xmlns:p="http://schemas.openxmlformats.org/presentationml/2006/main">
   <p:cSld>
     <p:spTree>
@@ -19562,7 +21349,7 @@
               <a:buChar char="•"/>
             </a:pPr>
             <a:r>
-              <a:rPr lang="en-GB"/>
+              <a:rPr lang="en-GB" dirty="0"/>
               <a:t>Lemmatization is a linguistic and natural language processing (NLP) technique that aims to reduce words to their base or dictionary form, known as the lemma. The lemma is the canonical or base form of a word, which represents its morphological root and carries the essential meaning of the word.</a:t>
             </a:r>
           </a:p>
@@ -19578,7 +21365,7 @@
               <a:buChar char="•"/>
             </a:pPr>
             <a:r>
-              <a:rPr lang="en-GB"/>
+              <a:rPr lang="en-GB" dirty="0"/>
               <a:t>In English, for example, lemmatization would transform words like "running," "runs," and "ran" into their common lemma "run." Similarly, "cats" would be lemmatized to "cat," "better" to "good," and so on.</a:t>
             </a:r>
           </a:p>
@@ -19624,10 +21411,253 @@
   <p:clrMapOvr>
     <a:masterClrMapping/>
   </p:clrMapOvr>
+  <p:timing>
+    <p:tnLst>
+      <p:par>
+        <p:cTn id="1" dur="indefinite" restart="never" nodeType="tmRoot">
+          <p:childTnLst>
+            <p:seq concurrent="1" nextAc="seek">
+              <p:cTn id="2" dur="indefinite" nodeType="mainSeq">
+                <p:childTnLst>
+                  <p:par>
+                    <p:cTn id="3" fill="hold">
+                      <p:stCondLst>
+                        <p:cond delay="indefinite"/>
+                      </p:stCondLst>
+                      <p:childTnLst>
+                        <p:par>
+                          <p:cTn id="4" fill="hold">
+                            <p:stCondLst>
+                              <p:cond delay="0"/>
+                            </p:stCondLst>
+                            <p:childTnLst>
+                              <p:par>
+                                <p:cTn id="5" presetID="10" presetClass="entr" presetSubtype="0" fill="hold" nodeType="clickEffect">
+                                  <p:stCondLst>
+                                    <p:cond delay="0"/>
+                                  </p:stCondLst>
+                                  <p:childTnLst>
+                                    <p:set>
+                                      <p:cBhvr>
+                                        <p:cTn id="6" dur="1" fill="hold">
+                                          <p:stCondLst>
+                                            <p:cond delay="0"/>
+                                          </p:stCondLst>
+                                        </p:cTn>
+                                        <p:tgtEl>
+                                          <p:spTgt spid="6">
+                                            <p:txEl>
+                                              <p:pRg st="0" end="0"/>
+                                            </p:txEl>
+                                          </p:spTgt>
+                                        </p:tgtEl>
+                                        <p:attrNameLst>
+                                          <p:attrName>style.visibility</p:attrName>
+                                        </p:attrNameLst>
+                                      </p:cBhvr>
+                                      <p:to>
+                                        <p:strVal val="visible"/>
+                                      </p:to>
+                                    </p:set>
+                                    <p:animEffect transition="in" filter="fade">
+                                      <p:cBhvr>
+                                        <p:cTn id="7" dur="500"/>
+                                        <p:tgtEl>
+                                          <p:spTgt spid="6">
+                                            <p:txEl>
+                                              <p:pRg st="0" end="0"/>
+                                            </p:txEl>
+                                          </p:spTgt>
+                                        </p:tgtEl>
+                                      </p:cBhvr>
+                                    </p:animEffect>
+                                  </p:childTnLst>
+                                </p:cTn>
+                              </p:par>
+                            </p:childTnLst>
+                          </p:cTn>
+                        </p:par>
+                      </p:childTnLst>
+                    </p:cTn>
+                  </p:par>
+                  <p:par>
+                    <p:cTn id="8" fill="hold">
+                      <p:stCondLst>
+                        <p:cond delay="indefinite"/>
+                      </p:stCondLst>
+                      <p:childTnLst>
+                        <p:par>
+                          <p:cTn id="9" fill="hold">
+                            <p:stCondLst>
+                              <p:cond delay="0"/>
+                            </p:stCondLst>
+                            <p:childTnLst>
+                              <p:par>
+                                <p:cTn id="10" presetID="10" presetClass="entr" presetSubtype="0" fill="hold" nodeType="clickEffect">
+                                  <p:stCondLst>
+                                    <p:cond delay="0"/>
+                                  </p:stCondLst>
+                                  <p:childTnLst>
+                                    <p:set>
+                                      <p:cBhvr>
+                                        <p:cTn id="11" dur="1" fill="hold">
+                                          <p:stCondLst>
+                                            <p:cond delay="0"/>
+                                          </p:stCondLst>
+                                        </p:cTn>
+                                        <p:tgtEl>
+                                          <p:spTgt spid="6">
+                                            <p:txEl>
+                                              <p:pRg st="1" end="1"/>
+                                            </p:txEl>
+                                          </p:spTgt>
+                                        </p:tgtEl>
+                                        <p:attrNameLst>
+                                          <p:attrName>style.visibility</p:attrName>
+                                        </p:attrNameLst>
+                                      </p:cBhvr>
+                                      <p:to>
+                                        <p:strVal val="visible"/>
+                                      </p:to>
+                                    </p:set>
+                                    <p:animEffect transition="in" filter="fade">
+                                      <p:cBhvr>
+                                        <p:cTn id="12" dur="500"/>
+                                        <p:tgtEl>
+                                          <p:spTgt spid="6">
+                                            <p:txEl>
+                                              <p:pRg st="1" end="1"/>
+                                            </p:txEl>
+                                          </p:spTgt>
+                                        </p:tgtEl>
+                                      </p:cBhvr>
+                                    </p:animEffect>
+                                  </p:childTnLst>
+                                </p:cTn>
+                              </p:par>
+                            </p:childTnLst>
+                          </p:cTn>
+                        </p:par>
+                      </p:childTnLst>
+                    </p:cTn>
+                  </p:par>
+                  <p:par>
+                    <p:cTn id="13" fill="hold">
+                      <p:stCondLst>
+                        <p:cond delay="indefinite"/>
+                      </p:stCondLst>
+                      <p:childTnLst>
+                        <p:par>
+                          <p:cTn id="14" fill="hold">
+                            <p:stCondLst>
+                              <p:cond delay="0"/>
+                            </p:stCondLst>
+                            <p:childTnLst>
+                              <p:par>
+                                <p:cTn id="15" presetID="2" presetClass="entr" presetSubtype="4" fill="hold" nodeType="clickEffect">
+                                  <p:stCondLst>
+                                    <p:cond delay="0"/>
+                                  </p:stCondLst>
+                                  <p:childTnLst>
+                                    <p:set>
+                                      <p:cBhvr>
+                                        <p:cTn id="16" dur="1" fill="hold">
+                                          <p:stCondLst>
+                                            <p:cond delay="0"/>
+                                          </p:stCondLst>
+                                        </p:cTn>
+                                        <p:tgtEl>
+                                          <p:spTgt spid="4"/>
+                                        </p:tgtEl>
+                                        <p:attrNameLst>
+                                          <p:attrName>style.visibility</p:attrName>
+                                        </p:attrNameLst>
+                                      </p:cBhvr>
+                                      <p:to>
+                                        <p:strVal val="visible"/>
+                                      </p:to>
+                                    </p:set>
+                                    <p:anim calcmode="lin" valueType="num">
+                                      <p:cBhvr additive="base">
+                                        <p:cTn id="17" dur="500" fill="hold"/>
+                                        <p:tgtEl>
+                                          <p:spTgt spid="4"/>
+                                        </p:tgtEl>
+                                        <p:attrNameLst>
+                                          <p:attrName>ppt_x</p:attrName>
+                                        </p:attrNameLst>
+                                      </p:cBhvr>
+                                      <p:tavLst>
+                                        <p:tav tm="0">
+                                          <p:val>
+                                            <p:strVal val="#ppt_x"/>
+                                          </p:val>
+                                        </p:tav>
+                                        <p:tav tm="100000">
+                                          <p:val>
+                                            <p:strVal val="#ppt_x"/>
+                                          </p:val>
+                                        </p:tav>
+                                      </p:tavLst>
+                                    </p:anim>
+                                    <p:anim calcmode="lin" valueType="num">
+                                      <p:cBhvr additive="base">
+                                        <p:cTn id="18" dur="500" fill="hold"/>
+                                        <p:tgtEl>
+                                          <p:spTgt spid="4"/>
+                                        </p:tgtEl>
+                                        <p:attrNameLst>
+                                          <p:attrName>ppt_y</p:attrName>
+                                        </p:attrNameLst>
+                                      </p:cBhvr>
+                                      <p:tavLst>
+                                        <p:tav tm="0">
+                                          <p:val>
+                                            <p:strVal val="1+#ppt_h/2"/>
+                                          </p:val>
+                                        </p:tav>
+                                        <p:tav tm="100000">
+                                          <p:val>
+                                            <p:strVal val="#ppt_y"/>
+                                          </p:val>
+                                        </p:tav>
+                                      </p:tavLst>
+                                    </p:anim>
+                                  </p:childTnLst>
+                                </p:cTn>
+                              </p:par>
+                            </p:childTnLst>
+                          </p:cTn>
+                        </p:par>
+                      </p:childTnLst>
+                    </p:cTn>
+                  </p:par>
+                </p:childTnLst>
+              </p:cTn>
+              <p:prevCondLst>
+                <p:cond evt="onPrev" delay="0">
+                  <p:tgtEl>
+                    <p:sldTgt/>
+                  </p:tgtEl>
+                </p:cond>
+              </p:prevCondLst>
+              <p:nextCondLst>
+                <p:cond evt="onNext" delay="0">
+                  <p:tgtEl>
+                    <p:sldTgt/>
+                  </p:tgtEl>
+                </p:cond>
+              </p:nextCondLst>
+            </p:seq>
+          </p:childTnLst>
+        </p:cTn>
+      </p:par>
+    </p:tnLst>
+  </p:timing>
 </p:sld>
 </file>
 
-<file path=ppt/slides/slide34.xml><?xml version="1.0" encoding="utf-8"?>
+<file path=ppt/slides/slide35.xml><?xml version="1.0" encoding="utf-8"?>
 <p:sld xmlns:a="http://schemas.openxmlformats.org/drawingml/2006/main" xmlns:r="http://schemas.openxmlformats.org/officeDocument/2006/relationships" xmlns:p="http://schemas.openxmlformats.org/presentationml/2006/main">
   <p:cSld>
     <p:spTree>
@@ -19671,7 +21701,7 @@
           <a:lstStyle/>
           <a:p>
             <a:r>
-              <a:rPr lang="en-GB"/>
+              <a:rPr lang="en-GB" dirty="0"/>
               <a:t>Applying these techniques…</a:t>
             </a:r>
           </a:p>
@@ -19717,10 +21747,225 @@
   <p:clrMapOvr>
     <a:masterClrMapping/>
   </p:clrMapOvr>
+  <p:timing>
+    <p:tnLst>
+      <p:par>
+        <p:cTn id="1" dur="indefinite" restart="never" nodeType="tmRoot">
+          <p:childTnLst>
+            <p:seq concurrent="1" nextAc="seek">
+              <p:cTn id="2" dur="indefinite" nodeType="mainSeq">
+                <p:childTnLst>
+                  <p:par>
+                    <p:cTn id="3" fill="hold">
+                      <p:stCondLst>
+                        <p:cond delay="indefinite"/>
+                      </p:stCondLst>
+                      <p:childTnLst>
+                        <p:par>
+                          <p:cTn id="4" fill="hold">
+                            <p:stCondLst>
+                              <p:cond delay="0"/>
+                            </p:stCondLst>
+                            <p:childTnLst>
+                              <p:par>
+                                <p:cTn id="5" presetID="2" presetClass="entr" presetSubtype="4" fill="hold" grpId="0" nodeType="clickEffect">
+                                  <p:stCondLst>
+                                    <p:cond delay="0"/>
+                                  </p:stCondLst>
+                                  <p:childTnLst>
+                                    <p:set>
+                                      <p:cBhvr>
+                                        <p:cTn id="6" dur="1" fill="hold">
+                                          <p:stCondLst>
+                                            <p:cond delay="0"/>
+                                          </p:stCondLst>
+                                        </p:cTn>
+                                        <p:tgtEl>
+                                          <p:spTgt spid="2"/>
+                                        </p:tgtEl>
+                                        <p:attrNameLst>
+                                          <p:attrName>style.visibility</p:attrName>
+                                        </p:attrNameLst>
+                                      </p:cBhvr>
+                                      <p:to>
+                                        <p:strVal val="visible"/>
+                                      </p:to>
+                                    </p:set>
+                                    <p:anim calcmode="lin" valueType="num">
+                                      <p:cBhvr additive="base">
+                                        <p:cTn id="7" dur="500" fill="hold"/>
+                                        <p:tgtEl>
+                                          <p:spTgt spid="2"/>
+                                        </p:tgtEl>
+                                        <p:attrNameLst>
+                                          <p:attrName>ppt_x</p:attrName>
+                                        </p:attrNameLst>
+                                      </p:cBhvr>
+                                      <p:tavLst>
+                                        <p:tav tm="0">
+                                          <p:val>
+                                            <p:strVal val="#ppt_x"/>
+                                          </p:val>
+                                        </p:tav>
+                                        <p:tav tm="100000">
+                                          <p:val>
+                                            <p:strVal val="#ppt_x"/>
+                                          </p:val>
+                                        </p:tav>
+                                      </p:tavLst>
+                                    </p:anim>
+                                    <p:anim calcmode="lin" valueType="num">
+                                      <p:cBhvr additive="base">
+                                        <p:cTn id="8" dur="500" fill="hold"/>
+                                        <p:tgtEl>
+                                          <p:spTgt spid="2"/>
+                                        </p:tgtEl>
+                                        <p:attrNameLst>
+                                          <p:attrName>ppt_y</p:attrName>
+                                        </p:attrNameLst>
+                                      </p:cBhvr>
+                                      <p:tavLst>
+                                        <p:tav tm="0">
+                                          <p:val>
+                                            <p:strVal val="1+#ppt_h/2"/>
+                                          </p:val>
+                                        </p:tav>
+                                        <p:tav tm="100000">
+                                          <p:val>
+                                            <p:strVal val="#ppt_y"/>
+                                          </p:val>
+                                        </p:tav>
+                                      </p:tavLst>
+                                    </p:anim>
+                                  </p:childTnLst>
+                                </p:cTn>
+                              </p:par>
+                            </p:childTnLst>
+                          </p:cTn>
+                        </p:par>
+                      </p:childTnLst>
+                    </p:cTn>
+                  </p:par>
+                  <p:par>
+                    <p:cTn id="9" fill="hold">
+                      <p:stCondLst>
+                        <p:cond delay="indefinite"/>
+                      </p:stCondLst>
+                      <p:childTnLst>
+                        <p:par>
+                          <p:cTn id="10" fill="hold">
+                            <p:stCondLst>
+                              <p:cond delay="0"/>
+                            </p:stCondLst>
+                            <p:childTnLst>
+                              <p:par>
+                                <p:cTn id="11" presetID="2" presetClass="entr" presetSubtype="4" fill="hold" nodeType="clickEffect">
+                                  <p:stCondLst>
+                                    <p:cond delay="0"/>
+                                  </p:stCondLst>
+                                  <p:childTnLst>
+                                    <p:set>
+                                      <p:cBhvr>
+                                        <p:cTn id="12" dur="1" fill="hold">
+                                          <p:stCondLst>
+                                            <p:cond delay="0"/>
+                                          </p:stCondLst>
+                                        </p:cTn>
+                                        <p:tgtEl>
+                                          <p:spTgt spid="5"/>
+                                        </p:tgtEl>
+                                        <p:attrNameLst>
+                                          <p:attrName>style.visibility</p:attrName>
+                                        </p:attrNameLst>
+                                      </p:cBhvr>
+                                      <p:to>
+                                        <p:strVal val="visible"/>
+                                      </p:to>
+                                    </p:set>
+                                    <p:anim calcmode="lin" valueType="num">
+                                      <p:cBhvr additive="base">
+                                        <p:cTn id="13" dur="500" fill="hold"/>
+                                        <p:tgtEl>
+                                          <p:spTgt spid="5"/>
+                                        </p:tgtEl>
+                                        <p:attrNameLst>
+                                          <p:attrName>ppt_x</p:attrName>
+                                        </p:attrNameLst>
+                                      </p:cBhvr>
+                                      <p:tavLst>
+                                        <p:tav tm="0">
+                                          <p:val>
+                                            <p:strVal val="#ppt_x"/>
+                                          </p:val>
+                                        </p:tav>
+                                        <p:tav tm="100000">
+                                          <p:val>
+                                            <p:strVal val="#ppt_x"/>
+                                          </p:val>
+                                        </p:tav>
+                                      </p:tavLst>
+                                    </p:anim>
+                                    <p:anim calcmode="lin" valueType="num">
+                                      <p:cBhvr additive="base">
+                                        <p:cTn id="14" dur="500" fill="hold"/>
+                                        <p:tgtEl>
+                                          <p:spTgt spid="5"/>
+                                        </p:tgtEl>
+                                        <p:attrNameLst>
+                                          <p:attrName>ppt_y</p:attrName>
+                                        </p:attrNameLst>
+                                      </p:cBhvr>
+                                      <p:tavLst>
+                                        <p:tav tm="0">
+                                          <p:val>
+                                            <p:strVal val="1+#ppt_h/2"/>
+                                          </p:val>
+                                        </p:tav>
+                                        <p:tav tm="100000">
+                                          <p:val>
+                                            <p:strVal val="#ppt_y"/>
+                                          </p:val>
+                                        </p:tav>
+                                      </p:tavLst>
+                                    </p:anim>
+                                  </p:childTnLst>
+                                </p:cTn>
+                              </p:par>
+                            </p:childTnLst>
+                          </p:cTn>
+                        </p:par>
+                      </p:childTnLst>
+                    </p:cTn>
+                  </p:par>
+                </p:childTnLst>
+              </p:cTn>
+              <p:prevCondLst>
+                <p:cond evt="onPrev" delay="0">
+                  <p:tgtEl>
+                    <p:sldTgt/>
+                  </p:tgtEl>
+                </p:cond>
+              </p:prevCondLst>
+              <p:nextCondLst>
+                <p:cond evt="onNext" delay="0">
+                  <p:tgtEl>
+                    <p:sldTgt/>
+                  </p:tgtEl>
+                </p:cond>
+              </p:nextCondLst>
+            </p:seq>
+          </p:childTnLst>
+        </p:cTn>
+      </p:par>
+    </p:tnLst>
+    <p:bldLst>
+      <p:bldP spid="2" grpId="0"/>
+    </p:bldLst>
+  </p:timing>
 </p:sld>
 </file>
 
-<file path=ppt/slides/slide35.xml><?xml version="1.0" encoding="utf-8"?>
+<file path=ppt/slides/slide36.xml><?xml version="1.0" encoding="utf-8"?>
 <p:sld xmlns:a="http://schemas.openxmlformats.org/drawingml/2006/main" xmlns:r="http://schemas.openxmlformats.org/officeDocument/2006/relationships" xmlns:p="http://schemas.openxmlformats.org/presentationml/2006/main">
   <p:cSld>
     <p:spTree>
@@ -19799,7 +22044,7 @@
 </p:sld>
 </file>
 
-<file path=ppt/slides/slide36.xml><?xml version="1.0" encoding="utf-8"?>
+<file path=ppt/slides/slide37.xml><?xml version="1.0" encoding="utf-8"?>
 <p:sld xmlns:a="http://schemas.openxmlformats.org/drawingml/2006/main" xmlns:r="http://schemas.openxmlformats.org/officeDocument/2006/relationships" xmlns:p="http://schemas.openxmlformats.org/presentationml/2006/main">
   <p:cSld>
     <p:spTree>
@@ -19869,196 +22114,6 @@
     <p:extLst>
       <p:ext uri="{BB962C8B-B14F-4D97-AF65-F5344CB8AC3E}">
         <p14:creationId xmlns:p14="http://schemas.microsoft.com/office/powerpoint/2010/main" val="3052295339"/>
-      </p:ext>
-    </p:extLst>
-  </p:cSld>
-  <p:clrMapOvr>
-    <a:masterClrMapping/>
-  </p:clrMapOvr>
-</p:sld>
-</file>
-
-<file path=ppt/slides/slide37.xml><?xml version="1.0" encoding="utf-8"?>
-<p:sld xmlns:a="http://schemas.openxmlformats.org/drawingml/2006/main" xmlns:r="http://schemas.openxmlformats.org/officeDocument/2006/relationships" xmlns:p="http://schemas.openxmlformats.org/presentationml/2006/main">
-  <p:cSld>
-    <p:spTree>
-      <p:nvGrpSpPr>
-        <p:cNvPr id="1" name=""/>
-        <p:cNvGrpSpPr/>
-        <p:nvPr/>
-      </p:nvGrpSpPr>
-      <p:grpSpPr>
-        <a:xfrm>
-          <a:off x="0" y="0"/>
-          <a:ext cx="0" cy="0"/>
-          <a:chOff x="0" y="0"/>
-          <a:chExt cx="0" cy="0"/>
-        </a:xfrm>
-      </p:grpSpPr>
-      <p:sp>
-        <p:nvSpPr>
-          <p:cNvPr id="2" name="Title 1">
-            <a:extLst>
-              <a:ext uri="{FF2B5EF4-FFF2-40B4-BE49-F238E27FC236}">
-                <a16:creationId xmlns:a16="http://schemas.microsoft.com/office/drawing/2014/main" id="{4E49D3C3-1AB5-5EBF-F526-2520978FC80D}"/>
-              </a:ext>
-            </a:extLst>
-          </p:cNvPr>
-          <p:cNvSpPr>
-            <a:spLocks noGrp="1"/>
-          </p:cNvSpPr>
-          <p:nvPr>
-            <p:ph type="title"/>
-          </p:nvPr>
-        </p:nvSpPr>
-        <p:spPr>
-          <a:xfrm>
-            <a:off x="647700" y="304800"/>
-            <a:ext cx="10896600" cy="553998"/>
-          </a:xfrm>
-        </p:spPr>
-        <p:txBody>
-          <a:bodyPr/>
-          <a:lstStyle/>
-          <a:p>
-            <a:pPr algn="ctr"/>
-            <a:r>
-              <a:rPr lang="en-GB" sz="3600"/>
-              <a:t>Theoretical Aspects</a:t>
-            </a:r>
-          </a:p>
-        </p:txBody>
-      </p:sp>
-      <p:sp>
-        <p:nvSpPr>
-          <p:cNvPr id="6" name="TextBox 5">
-            <a:extLst>
-              <a:ext uri="{FF2B5EF4-FFF2-40B4-BE49-F238E27FC236}">
-                <a16:creationId xmlns:a16="http://schemas.microsoft.com/office/drawing/2014/main" id="{15406326-8B61-00B4-186D-65F2C5DA56F9}"/>
-              </a:ext>
-            </a:extLst>
-          </p:cNvPr>
-          <p:cNvSpPr txBox="1"/>
-          <p:nvPr/>
-        </p:nvSpPr>
-        <p:spPr>
-          <a:xfrm>
-            <a:off x="381000" y="1219200"/>
-            <a:ext cx="11658600" cy="1938992"/>
-          </a:xfrm>
-          <a:prstGeom prst="rect">
-            <a:avLst/>
-          </a:prstGeom>
-          <a:noFill/>
-        </p:spPr>
-        <p:txBody>
-          <a:bodyPr wrap="square" rtlCol="0">
-            <a:spAutoFit/>
-          </a:bodyPr>
-          <a:lstStyle/>
-          <a:p>
-            <a:pPr marL="342900" indent="-342900">
-              <a:buFont typeface="Arial" panose="020B0604020202020204" pitchFamily="34" charset="0"/>
-              <a:buChar char="•"/>
-            </a:pPr>
-            <a:r>
-              <a:rPr lang="en-GB" sz="2400" dirty="0"/>
-              <a:t>We start with the basic Latent Semantic Indexing (LSI), Let </a:t>
-            </a:r>
-            <a:r>
-              <a:rPr lang="en-GB" sz="2400" dirty="0" err="1"/>
-              <a:t>m</a:t>
-            </a:r>
-            <a:r>
-              <a:rPr lang="en-GB" sz="2400" baseline="30000" dirty="0" err="1"/>
-              <a:t>th</a:t>
-            </a:r>
-            <a:r>
-              <a:rPr lang="en-GB" sz="2400" dirty="0"/>
-              <a:t> is </a:t>
-            </a:r>
-            <a:r>
-              <a:rPr lang="en-GB" sz="2400" dirty="0" err="1"/>
-              <a:t>document</a:t>
-            </a:r>
-            <a:r>
-              <a:rPr lang="en-GB" sz="2400" baseline="30000" dirty="0" err="1"/>
-              <a:t>th</a:t>
-            </a:r>
-            <a:r>
-              <a:rPr lang="en-GB" sz="2400" dirty="0"/>
-              <a:t> ∈ M documents, n</a:t>
-            </a:r>
-            <a:r>
-              <a:rPr lang="en-GB" sz="2400" baseline="30000" dirty="0"/>
-              <a:t>th</a:t>
-            </a:r>
-            <a:r>
-              <a:rPr lang="en-GB" sz="2400" dirty="0"/>
-              <a:t> is </a:t>
-            </a:r>
-            <a:r>
-              <a:rPr lang="en-GB" sz="2400" dirty="0" err="1"/>
-              <a:t>word</a:t>
-            </a:r>
-            <a:r>
-              <a:rPr lang="en-GB" sz="2400" baseline="30000" dirty="0" err="1"/>
-              <a:t>th</a:t>
-            </a:r>
-            <a:r>
-              <a:rPr lang="en-GB" sz="2400" dirty="0"/>
-              <a:t> ∈ N vocabulary in all documents (i.e., corpus). </a:t>
-            </a:r>
-          </a:p>
-          <a:p>
-            <a:pPr marL="342900" indent="-342900">
-              <a:buFont typeface="Arial" panose="020B0604020202020204" pitchFamily="34" charset="0"/>
-              <a:buChar char="•"/>
-            </a:pPr>
-            <a:r>
-              <a:rPr lang="en-GB" sz="2400" dirty="0"/>
-              <a:t>The occurring probabilities of words across different documents can be calculated by a term frequency – inverse document frequency (TF-IDF) method as follow:</a:t>
-            </a:r>
-          </a:p>
-          <a:p>
-            <a:endParaRPr lang="en-GB" sz="2400" dirty="0"/>
-          </a:p>
-        </p:txBody>
-      </p:sp>
-      <p:pic>
-        <p:nvPicPr>
-          <p:cNvPr id="8" name="Picture 7">
-            <a:extLst>
-              <a:ext uri="{FF2B5EF4-FFF2-40B4-BE49-F238E27FC236}">
-                <a16:creationId xmlns:a16="http://schemas.microsoft.com/office/drawing/2014/main" id="{72546ED4-7305-26A7-FD85-5B4C9FD1C3A1}"/>
-              </a:ext>
-            </a:extLst>
-          </p:cNvPr>
-          <p:cNvPicPr>
-            <a:picLocks noChangeAspect="1"/>
-          </p:cNvPicPr>
-          <p:nvPr/>
-        </p:nvPicPr>
-        <p:blipFill>
-          <a:blip r:embed="rId3"/>
-          <a:stretch>
-            <a:fillRect/>
-          </a:stretch>
-        </p:blipFill>
-        <p:spPr>
-          <a:xfrm>
-            <a:off x="1600200" y="3048000"/>
-            <a:ext cx="9474924" cy="2590800"/>
-          </a:xfrm>
-          <a:prstGeom prst="rect">
-            <a:avLst/>
-          </a:prstGeom>
-        </p:spPr>
-      </p:pic>
-    </p:spTree>
-    <p:extLst>
-      <p:ext uri="{BB962C8B-B14F-4D97-AF65-F5344CB8AC3E}">
-        <p14:creationId xmlns:p14="http://schemas.microsoft.com/office/powerpoint/2010/main" val="2360094134"/>
       </p:ext>
     </p:extLst>
   </p:cSld>
@@ -20783,7 +22838,7 @@
           <a:lstStyle/>
           <a:p>
             <a:r>
-              <a:rPr lang="en-GB" sz="2400"/>
+              <a:rPr lang="en-GB" sz="2400" dirty="0"/>
               <a:t>A corpus can be represented under the below matrix…</a:t>
             </a:r>
           </a:p>
@@ -20824,6 +22879,771 @@
           <p:cNvPr id="2" name="Title 1">
             <a:extLst>
               <a:ext uri="{FF2B5EF4-FFF2-40B4-BE49-F238E27FC236}">
+                <a16:creationId xmlns:a16="http://schemas.microsoft.com/office/drawing/2014/main" id="{4E49D3C3-1AB5-5EBF-F526-2520978FC80D}"/>
+              </a:ext>
+            </a:extLst>
+          </p:cNvPr>
+          <p:cNvSpPr>
+            <a:spLocks noGrp="1"/>
+          </p:cNvSpPr>
+          <p:nvPr>
+            <p:ph type="title"/>
+          </p:nvPr>
+        </p:nvSpPr>
+        <p:spPr>
+          <a:xfrm>
+            <a:off x="647700" y="304800"/>
+            <a:ext cx="10896600" cy="553998"/>
+          </a:xfrm>
+        </p:spPr>
+        <p:txBody>
+          <a:bodyPr/>
+          <a:lstStyle/>
+          <a:p>
+            <a:pPr algn="ctr"/>
+            <a:r>
+              <a:rPr lang="en-GB" sz="3600" dirty="0"/>
+              <a:t>Theoretical Aspects</a:t>
+            </a:r>
+          </a:p>
+        </p:txBody>
+      </p:sp>
+      <p:sp>
+        <p:nvSpPr>
+          <p:cNvPr id="6" name="TextBox 5">
+            <a:extLst>
+              <a:ext uri="{FF2B5EF4-FFF2-40B4-BE49-F238E27FC236}">
+                <a16:creationId xmlns:a16="http://schemas.microsoft.com/office/drawing/2014/main" id="{15406326-8B61-00B4-186D-65F2C5DA56F9}"/>
+              </a:ext>
+            </a:extLst>
+          </p:cNvPr>
+          <p:cNvSpPr txBox="1"/>
+          <p:nvPr/>
+        </p:nvSpPr>
+        <p:spPr>
+          <a:xfrm>
+            <a:off x="381000" y="1219200"/>
+            <a:ext cx="11658600" cy="1938992"/>
+          </a:xfrm>
+          <a:prstGeom prst="rect">
+            <a:avLst/>
+          </a:prstGeom>
+          <a:noFill/>
+        </p:spPr>
+        <p:txBody>
+          <a:bodyPr wrap="square" rtlCol="0">
+            <a:spAutoFit/>
+          </a:bodyPr>
+          <a:lstStyle/>
+          <a:p>
+            <a:pPr marL="342900" indent="-342900">
+              <a:buFont typeface="Arial" panose="020B0604020202020204" pitchFamily="34" charset="0"/>
+              <a:buChar char="•"/>
+            </a:pPr>
+            <a:r>
+              <a:rPr lang="en-GB" sz="2400" dirty="0"/>
+              <a:t>We start with the basic Latent Semantic Indexing (LSI), let </a:t>
+            </a:r>
+            <a:r>
+              <a:rPr lang="en-GB" sz="2400" dirty="0" err="1"/>
+              <a:t>m</a:t>
+            </a:r>
+            <a:r>
+              <a:rPr lang="en-GB" sz="2400" baseline="30000" dirty="0" err="1"/>
+              <a:t>th</a:t>
+            </a:r>
+            <a:r>
+              <a:rPr lang="en-GB" sz="2400" dirty="0"/>
+              <a:t> is </a:t>
+            </a:r>
+            <a:r>
+              <a:rPr lang="en-GB" sz="2400" dirty="0" err="1"/>
+              <a:t>document</a:t>
+            </a:r>
+            <a:r>
+              <a:rPr lang="en-GB" sz="2400" baseline="30000" dirty="0" err="1"/>
+              <a:t>th</a:t>
+            </a:r>
+            <a:r>
+              <a:rPr lang="en-GB" sz="2400" dirty="0"/>
+              <a:t> ∈ M documents, n</a:t>
+            </a:r>
+            <a:r>
+              <a:rPr lang="en-GB" sz="2400" baseline="30000" dirty="0"/>
+              <a:t>th</a:t>
+            </a:r>
+            <a:r>
+              <a:rPr lang="en-GB" sz="2400" dirty="0"/>
+              <a:t> is </a:t>
+            </a:r>
+            <a:r>
+              <a:rPr lang="en-GB" sz="2400" dirty="0" err="1"/>
+              <a:t>word</a:t>
+            </a:r>
+            <a:r>
+              <a:rPr lang="en-GB" sz="2400" baseline="30000" dirty="0" err="1"/>
+              <a:t>th</a:t>
+            </a:r>
+            <a:r>
+              <a:rPr lang="en-GB" sz="2400" dirty="0"/>
+              <a:t> ∈ N vocabulary in all documents (i.e., corpus). </a:t>
+            </a:r>
+          </a:p>
+          <a:p>
+            <a:pPr marL="342900" indent="-342900">
+              <a:buFont typeface="Arial" panose="020B0604020202020204" pitchFamily="34" charset="0"/>
+              <a:buChar char="•"/>
+            </a:pPr>
+            <a:r>
+              <a:rPr lang="en-GB" sz="2400" dirty="0"/>
+              <a:t>The occurring probabilities of words across different documents can be calculated by a </a:t>
+            </a:r>
+            <a:r>
+              <a:rPr lang="en-GB" sz="2400" b="1" u="sng" dirty="0"/>
+              <a:t>term frequency – inverse document frequency </a:t>
+            </a:r>
+            <a:r>
+              <a:rPr lang="en-GB" sz="2400" dirty="0"/>
+              <a:t>(TF-IDF) method as follow:</a:t>
+            </a:r>
+          </a:p>
+          <a:p>
+            <a:endParaRPr lang="en-GB" sz="2400" dirty="0"/>
+          </a:p>
+        </p:txBody>
+      </p:sp>
+      <p:pic>
+        <p:nvPicPr>
+          <p:cNvPr id="8" name="Picture 7">
+            <a:extLst>
+              <a:ext uri="{FF2B5EF4-FFF2-40B4-BE49-F238E27FC236}">
+                <a16:creationId xmlns:a16="http://schemas.microsoft.com/office/drawing/2014/main" id="{72546ED4-7305-26A7-FD85-5B4C9FD1C3A1}"/>
+              </a:ext>
+            </a:extLst>
+          </p:cNvPr>
+          <p:cNvPicPr>
+            <a:picLocks noChangeAspect="1"/>
+          </p:cNvPicPr>
+          <p:nvPr/>
+        </p:nvPicPr>
+        <p:blipFill>
+          <a:blip r:embed="rId3"/>
+          <a:stretch>
+            <a:fillRect/>
+          </a:stretch>
+        </p:blipFill>
+        <p:spPr>
+          <a:xfrm>
+            <a:off x="1600200" y="3048000"/>
+            <a:ext cx="9474924" cy="2590800"/>
+          </a:xfrm>
+          <a:prstGeom prst="rect">
+            <a:avLst/>
+          </a:prstGeom>
+        </p:spPr>
+      </p:pic>
+    </p:spTree>
+    <p:extLst>
+      <p:ext uri="{BB962C8B-B14F-4D97-AF65-F5344CB8AC3E}">
+        <p14:creationId xmlns:p14="http://schemas.microsoft.com/office/powerpoint/2010/main" val="2360094134"/>
+      </p:ext>
+    </p:extLst>
+  </p:cSld>
+  <p:clrMapOvr>
+    <a:masterClrMapping/>
+  </p:clrMapOvr>
+  <p:timing>
+    <p:tnLst>
+      <p:par>
+        <p:cTn id="1" dur="indefinite" restart="never" nodeType="tmRoot">
+          <p:childTnLst>
+            <p:seq concurrent="1" nextAc="seek">
+              <p:cTn id="2" dur="indefinite" nodeType="mainSeq">
+                <p:childTnLst>
+                  <p:par>
+                    <p:cTn id="3" fill="hold">
+                      <p:stCondLst>
+                        <p:cond delay="indefinite"/>
+                      </p:stCondLst>
+                      <p:childTnLst>
+                        <p:par>
+                          <p:cTn id="4" fill="hold">
+                            <p:stCondLst>
+                              <p:cond delay="0"/>
+                            </p:stCondLst>
+                            <p:childTnLst>
+                              <p:par>
+                                <p:cTn id="5" presetID="2" presetClass="entr" presetSubtype="4" fill="hold" nodeType="clickEffect">
+                                  <p:stCondLst>
+                                    <p:cond delay="0"/>
+                                  </p:stCondLst>
+                                  <p:childTnLst>
+                                    <p:set>
+                                      <p:cBhvr>
+                                        <p:cTn id="6" dur="1" fill="hold">
+                                          <p:stCondLst>
+                                            <p:cond delay="0"/>
+                                          </p:stCondLst>
+                                        </p:cTn>
+                                        <p:tgtEl>
+                                          <p:spTgt spid="6">
+                                            <p:txEl>
+                                              <p:pRg st="0" end="0"/>
+                                            </p:txEl>
+                                          </p:spTgt>
+                                        </p:tgtEl>
+                                        <p:attrNameLst>
+                                          <p:attrName>style.visibility</p:attrName>
+                                        </p:attrNameLst>
+                                      </p:cBhvr>
+                                      <p:to>
+                                        <p:strVal val="visible"/>
+                                      </p:to>
+                                    </p:set>
+                                    <p:anim calcmode="lin" valueType="num">
+                                      <p:cBhvr additive="base">
+                                        <p:cTn id="7" dur="500" fill="hold"/>
+                                        <p:tgtEl>
+                                          <p:spTgt spid="6">
+                                            <p:txEl>
+                                              <p:pRg st="0" end="0"/>
+                                            </p:txEl>
+                                          </p:spTgt>
+                                        </p:tgtEl>
+                                        <p:attrNameLst>
+                                          <p:attrName>ppt_x</p:attrName>
+                                        </p:attrNameLst>
+                                      </p:cBhvr>
+                                      <p:tavLst>
+                                        <p:tav tm="0">
+                                          <p:val>
+                                            <p:strVal val="#ppt_x"/>
+                                          </p:val>
+                                        </p:tav>
+                                        <p:tav tm="100000">
+                                          <p:val>
+                                            <p:strVal val="#ppt_x"/>
+                                          </p:val>
+                                        </p:tav>
+                                      </p:tavLst>
+                                    </p:anim>
+                                    <p:anim calcmode="lin" valueType="num">
+                                      <p:cBhvr additive="base">
+                                        <p:cTn id="8" dur="500" fill="hold"/>
+                                        <p:tgtEl>
+                                          <p:spTgt spid="6">
+                                            <p:txEl>
+                                              <p:pRg st="0" end="0"/>
+                                            </p:txEl>
+                                          </p:spTgt>
+                                        </p:tgtEl>
+                                        <p:attrNameLst>
+                                          <p:attrName>ppt_y</p:attrName>
+                                        </p:attrNameLst>
+                                      </p:cBhvr>
+                                      <p:tavLst>
+                                        <p:tav tm="0">
+                                          <p:val>
+                                            <p:strVal val="1+#ppt_h/2"/>
+                                          </p:val>
+                                        </p:tav>
+                                        <p:tav tm="100000">
+                                          <p:val>
+                                            <p:strVal val="#ppt_y"/>
+                                          </p:val>
+                                        </p:tav>
+                                      </p:tavLst>
+                                    </p:anim>
+                                  </p:childTnLst>
+                                </p:cTn>
+                              </p:par>
+                            </p:childTnLst>
+                          </p:cTn>
+                        </p:par>
+                      </p:childTnLst>
+                    </p:cTn>
+                  </p:par>
+                  <p:par>
+                    <p:cTn id="9" fill="hold">
+                      <p:stCondLst>
+                        <p:cond delay="indefinite"/>
+                      </p:stCondLst>
+                      <p:childTnLst>
+                        <p:par>
+                          <p:cTn id="10" fill="hold">
+                            <p:stCondLst>
+                              <p:cond delay="0"/>
+                            </p:stCondLst>
+                            <p:childTnLst>
+                              <p:par>
+                                <p:cTn id="11" presetID="10" presetClass="entr" presetSubtype="0" fill="hold" nodeType="clickEffect">
+                                  <p:stCondLst>
+                                    <p:cond delay="0"/>
+                                  </p:stCondLst>
+                                  <p:childTnLst>
+                                    <p:set>
+                                      <p:cBhvr>
+                                        <p:cTn id="12" dur="1" fill="hold">
+                                          <p:stCondLst>
+                                            <p:cond delay="0"/>
+                                          </p:stCondLst>
+                                        </p:cTn>
+                                        <p:tgtEl>
+                                          <p:spTgt spid="6">
+                                            <p:txEl>
+                                              <p:pRg st="1" end="1"/>
+                                            </p:txEl>
+                                          </p:spTgt>
+                                        </p:tgtEl>
+                                        <p:attrNameLst>
+                                          <p:attrName>style.visibility</p:attrName>
+                                        </p:attrNameLst>
+                                      </p:cBhvr>
+                                      <p:to>
+                                        <p:strVal val="visible"/>
+                                      </p:to>
+                                    </p:set>
+                                    <p:animEffect transition="in" filter="fade">
+                                      <p:cBhvr>
+                                        <p:cTn id="13" dur="500"/>
+                                        <p:tgtEl>
+                                          <p:spTgt spid="6">
+                                            <p:txEl>
+                                              <p:pRg st="1" end="1"/>
+                                            </p:txEl>
+                                          </p:spTgt>
+                                        </p:tgtEl>
+                                      </p:cBhvr>
+                                    </p:animEffect>
+                                  </p:childTnLst>
+                                </p:cTn>
+                              </p:par>
+                            </p:childTnLst>
+                          </p:cTn>
+                        </p:par>
+                      </p:childTnLst>
+                    </p:cTn>
+                  </p:par>
+                  <p:par>
+                    <p:cTn id="14" fill="hold">
+                      <p:stCondLst>
+                        <p:cond delay="indefinite"/>
+                      </p:stCondLst>
+                      <p:childTnLst>
+                        <p:par>
+                          <p:cTn id="15" fill="hold">
+                            <p:stCondLst>
+                              <p:cond delay="0"/>
+                            </p:stCondLst>
+                            <p:childTnLst>
+                              <p:par>
+                                <p:cTn id="16" presetID="10" presetClass="entr" presetSubtype="0" fill="hold" nodeType="clickEffect">
+                                  <p:stCondLst>
+                                    <p:cond delay="0"/>
+                                  </p:stCondLst>
+                                  <p:childTnLst>
+                                    <p:set>
+                                      <p:cBhvr>
+                                        <p:cTn id="17" dur="1" fill="hold">
+                                          <p:stCondLst>
+                                            <p:cond delay="0"/>
+                                          </p:stCondLst>
+                                        </p:cTn>
+                                        <p:tgtEl>
+                                          <p:spTgt spid="8"/>
+                                        </p:tgtEl>
+                                        <p:attrNameLst>
+                                          <p:attrName>style.visibility</p:attrName>
+                                        </p:attrNameLst>
+                                      </p:cBhvr>
+                                      <p:to>
+                                        <p:strVal val="visible"/>
+                                      </p:to>
+                                    </p:set>
+                                    <p:animEffect transition="in" filter="fade">
+                                      <p:cBhvr>
+                                        <p:cTn id="18" dur="500"/>
+                                        <p:tgtEl>
+                                          <p:spTgt spid="8"/>
+                                        </p:tgtEl>
+                                      </p:cBhvr>
+                                    </p:animEffect>
+                                  </p:childTnLst>
+                                </p:cTn>
+                              </p:par>
+                            </p:childTnLst>
+                          </p:cTn>
+                        </p:par>
+                      </p:childTnLst>
+                    </p:cTn>
+                  </p:par>
+                </p:childTnLst>
+              </p:cTn>
+              <p:prevCondLst>
+                <p:cond evt="onPrev" delay="0">
+                  <p:tgtEl>
+                    <p:sldTgt/>
+                  </p:tgtEl>
+                </p:cond>
+              </p:prevCondLst>
+              <p:nextCondLst>
+                <p:cond evt="onNext" delay="0">
+                  <p:tgtEl>
+                    <p:sldTgt/>
+                  </p:tgtEl>
+                </p:cond>
+              </p:nextCondLst>
+            </p:seq>
+          </p:childTnLst>
+        </p:cTn>
+      </p:par>
+    </p:tnLst>
+  </p:timing>
+</p:sld>
+</file>
+
+<file path=ppt/slides/slide4.xml><?xml version="1.0" encoding="utf-8"?>
+<p:sld xmlns:a="http://schemas.openxmlformats.org/drawingml/2006/main" xmlns:r="http://schemas.openxmlformats.org/officeDocument/2006/relationships" xmlns:p="http://schemas.openxmlformats.org/presentationml/2006/main">
+  <p:cSld>
+    <p:spTree>
+      <p:nvGrpSpPr>
+        <p:cNvPr id="1" name=""/>
+        <p:cNvGrpSpPr/>
+        <p:nvPr/>
+      </p:nvGrpSpPr>
+      <p:grpSpPr>
+        <a:xfrm>
+          <a:off x="0" y="0"/>
+          <a:ext cx="0" cy="0"/>
+          <a:chOff x="0" y="0"/>
+          <a:chExt cx="0" cy="0"/>
+        </a:xfrm>
+      </p:grpSpPr>
+      <p:sp>
+        <p:nvSpPr>
+          <p:cNvPr id="2" name="object 2"/>
+          <p:cNvSpPr txBox="1">
+            <a:spLocks noGrp="1"/>
+          </p:cNvSpPr>
+          <p:nvPr>
+            <p:ph type="title"/>
+          </p:nvPr>
+        </p:nvSpPr>
+        <p:spPr>
+          <a:xfrm>
+            <a:off x="831055" y="1190890"/>
+            <a:ext cx="11101301" cy="566822"/>
+          </a:xfrm>
+          <a:prstGeom prst="rect">
+            <a:avLst/>
+          </a:prstGeom>
+        </p:spPr>
+        <p:txBody>
+          <a:bodyPr vert="horz" wrap="square" lIns="0" tIns="12700" rIns="0" bIns="0" rtlCol="0">
+            <a:spAutoFit/>
+          </a:bodyPr>
+          <a:lstStyle/>
+          <a:p>
+            <a:pPr marL="12700">
+              <a:lnSpc>
+                <a:spcPct val="100000"/>
+              </a:lnSpc>
+              <a:spcBef>
+                <a:spcPts val="100"/>
+              </a:spcBef>
+            </a:pPr>
+            <a:r>
+              <a:rPr lang="en-GB" sz="3600" spc="-55"/>
+              <a:t>Session 2. Text Transformation </a:t>
+            </a:r>
+            <a:endParaRPr sz="3600"/>
+          </a:p>
+        </p:txBody>
+      </p:sp>
+      <p:sp>
+        <p:nvSpPr>
+          <p:cNvPr id="3" name="object 3"/>
+          <p:cNvSpPr txBox="1"/>
+          <p:nvPr/>
+        </p:nvSpPr>
+        <p:spPr>
+          <a:xfrm>
+            <a:off x="990600" y="2133600"/>
+            <a:ext cx="10896600" cy="1047082"/>
+          </a:xfrm>
+          <a:prstGeom prst="rect">
+            <a:avLst/>
+          </a:prstGeom>
+        </p:spPr>
+        <p:txBody>
+          <a:bodyPr vert="horz" wrap="square" lIns="0" tIns="94615" rIns="0" bIns="0" rtlCol="0">
+            <a:spAutoFit/>
+          </a:bodyPr>
+          <a:lstStyle/>
+          <a:p>
+            <a:pPr marL="605790" lvl="1" indent="-593725">
+              <a:lnSpc>
+                <a:spcPct val="100000"/>
+              </a:lnSpc>
+              <a:spcBef>
+                <a:spcPts val="745"/>
+              </a:spcBef>
+              <a:buAutoNum type="arabicPeriod"/>
+              <a:tabLst>
+                <a:tab pos="606425" algn="l"/>
+              </a:tabLst>
+            </a:pPr>
+            <a:endParaRPr lang="en-GB" sz="2800">
+              <a:latin typeface="Arial"/>
+              <a:cs typeface="Arial"/>
+            </a:endParaRPr>
+          </a:p>
+          <a:p>
+            <a:pPr marL="605790" lvl="1" indent="-593725">
+              <a:lnSpc>
+                <a:spcPct val="100000"/>
+              </a:lnSpc>
+              <a:spcBef>
+                <a:spcPts val="745"/>
+              </a:spcBef>
+              <a:buAutoNum type="arabicPeriod"/>
+              <a:tabLst>
+                <a:tab pos="606425" algn="l"/>
+              </a:tabLst>
+            </a:pPr>
+            <a:endParaRPr sz="2800">
+              <a:latin typeface="Arial"/>
+              <a:cs typeface="Arial"/>
+            </a:endParaRPr>
+          </a:p>
+        </p:txBody>
+      </p:sp>
+      <p:sp>
+        <p:nvSpPr>
+          <p:cNvPr id="4" name="object 2">
+            <a:extLst>
+              <a:ext uri="{FF2B5EF4-FFF2-40B4-BE49-F238E27FC236}">
+                <a16:creationId xmlns:a16="http://schemas.microsoft.com/office/drawing/2014/main" id="{A5096FE3-1200-60FB-C31C-6CE12AC856AF}"/>
+              </a:ext>
+            </a:extLst>
+          </p:cNvPr>
+          <p:cNvSpPr txBox="1">
+            <a:spLocks/>
+          </p:cNvSpPr>
+          <p:nvPr/>
+        </p:nvSpPr>
+        <p:spPr>
+          <a:xfrm>
+            <a:off x="862099" y="152908"/>
+            <a:ext cx="1998345" cy="695960"/>
+          </a:xfrm>
+          <a:prstGeom prst="rect">
+            <a:avLst/>
+          </a:prstGeom>
+        </p:spPr>
+        <p:txBody>
+          <a:bodyPr vert="horz" wrap="square" lIns="0" tIns="12700" rIns="0" bIns="0" rtlCol="0">
+            <a:spAutoFit/>
+          </a:bodyPr>
+          <a:lstStyle>
+            <a:lvl1pPr>
+              <a:defRPr sz="4400" b="1" i="0">
+                <a:solidFill>
+                  <a:srgbClr val="2E3E80"/>
+                </a:solidFill>
+                <a:latin typeface="Arial"/>
+                <a:ea typeface="+mj-ea"/>
+                <a:cs typeface="Arial"/>
+              </a:defRPr>
+            </a:lvl1pPr>
+          </a:lstStyle>
+          <a:p>
+            <a:pPr marL="12700">
+              <a:spcBef>
+                <a:spcPts val="100"/>
+              </a:spcBef>
+            </a:pPr>
+            <a:r>
+              <a:rPr lang="en-GB" spc="-100"/>
+              <a:t>Agenda</a:t>
+            </a:r>
+          </a:p>
+        </p:txBody>
+      </p:sp>
+      <p:sp>
+        <p:nvSpPr>
+          <p:cNvPr id="5" name="TextBox 4">
+            <a:extLst>
+              <a:ext uri="{FF2B5EF4-FFF2-40B4-BE49-F238E27FC236}">
+                <a16:creationId xmlns:a16="http://schemas.microsoft.com/office/drawing/2014/main" id="{8DDC0168-B3C5-3BCF-CE78-30CB093B2A52}"/>
+              </a:ext>
+            </a:extLst>
+          </p:cNvPr>
+          <p:cNvSpPr txBox="1"/>
+          <p:nvPr/>
+        </p:nvSpPr>
+        <p:spPr>
+          <a:xfrm>
+            <a:off x="831055" y="2133600"/>
+            <a:ext cx="10287000" cy="3603230"/>
+          </a:xfrm>
+          <a:prstGeom prst="rect">
+            <a:avLst/>
+          </a:prstGeom>
+          <a:noFill/>
+        </p:spPr>
+        <p:txBody>
+          <a:bodyPr wrap="square" rtlCol="0">
+            <a:spAutoFit/>
+          </a:bodyPr>
+          <a:lstStyle/>
+          <a:p>
+            <a:pPr marL="605790" lvl="1" indent="-593725">
+              <a:lnSpc>
+                <a:spcPct val="150000"/>
+              </a:lnSpc>
+              <a:spcBef>
+                <a:spcPts val="745"/>
+              </a:spcBef>
+              <a:buFont typeface="+mj-lt"/>
+              <a:buAutoNum type="arabicPeriod"/>
+              <a:tabLst>
+                <a:tab pos="606425" algn="l"/>
+              </a:tabLst>
+            </a:pPr>
+            <a:r>
+              <a:rPr lang="en-GB" sz="2800" dirty="0">
+                <a:latin typeface="Arial"/>
+                <a:cs typeface="Arial"/>
+              </a:rPr>
+              <a:t>Create Bigram and Trigram model (10 mins)</a:t>
+            </a:r>
+          </a:p>
+          <a:p>
+            <a:pPr marL="605790" lvl="1" indent="-593725">
+              <a:lnSpc>
+                <a:spcPct val="150000"/>
+              </a:lnSpc>
+              <a:spcBef>
+                <a:spcPts val="745"/>
+              </a:spcBef>
+              <a:buFont typeface="+mj-lt"/>
+              <a:buAutoNum type="arabicPeriod"/>
+              <a:tabLst>
+                <a:tab pos="606425" algn="l"/>
+              </a:tabLst>
+            </a:pPr>
+            <a:r>
+              <a:rPr lang="en-GB" sz="2800" dirty="0">
+                <a:latin typeface="Arial"/>
+                <a:cs typeface="Arial"/>
+              </a:rPr>
+              <a:t>Remove stop words (10 mins)</a:t>
+            </a:r>
+          </a:p>
+          <a:p>
+            <a:pPr marL="605790" lvl="1" indent="-593725">
+              <a:lnSpc>
+                <a:spcPct val="150000"/>
+              </a:lnSpc>
+              <a:spcBef>
+                <a:spcPts val="745"/>
+              </a:spcBef>
+              <a:buFont typeface="+mj-lt"/>
+              <a:buAutoNum type="arabicPeriod"/>
+              <a:tabLst>
+                <a:tab pos="606425" algn="l"/>
+              </a:tabLst>
+            </a:pPr>
+            <a:r>
+              <a:rPr lang="en-GB" sz="2800" dirty="0">
+                <a:latin typeface="Arial"/>
+                <a:cs typeface="Arial"/>
+              </a:rPr>
+              <a:t>Lemmatisation vs. Stemming (10 mins)</a:t>
+            </a:r>
+          </a:p>
+          <a:p>
+            <a:pPr marL="605790" lvl="1" indent="-593725">
+              <a:lnSpc>
+                <a:spcPct val="150000"/>
+              </a:lnSpc>
+              <a:spcBef>
+                <a:spcPts val="745"/>
+              </a:spcBef>
+              <a:buFont typeface="+mj-lt"/>
+              <a:buAutoNum type="arabicPeriod"/>
+              <a:tabLst>
+                <a:tab pos="606425" algn="l"/>
+              </a:tabLst>
+            </a:pPr>
+            <a:r>
+              <a:rPr lang="en-GB" sz="2800" dirty="0">
+                <a:latin typeface="Arial"/>
+                <a:cs typeface="Arial"/>
+              </a:rPr>
+              <a:t>Cleaning practice (30 mins)</a:t>
+            </a:r>
+          </a:p>
+          <a:p>
+            <a:pPr marL="605790" lvl="1" indent="-593725">
+              <a:lnSpc>
+                <a:spcPct val="150000"/>
+              </a:lnSpc>
+              <a:spcBef>
+                <a:spcPts val="745"/>
+              </a:spcBef>
+              <a:buFont typeface="+mj-lt"/>
+              <a:buAutoNum type="arabicPeriod"/>
+              <a:tabLst>
+                <a:tab pos="606425" algn="l"/>
+              </a:tabLst>
+            </a:pPr>
+            <a:r>
+              <a:rPr lang="en-GB" sz="2800" dirty="0">
+                <a:latin typeface="Arial"/>
+                <a:cs typeface="Arial"/>
+              </a:rPr>
+              <a:t>Short introduction of topic modelling and LDA (30 mins)</a:t>
+            </a:r>
+          </a:p>
+        </p:txBody>
+      </p:sp>
+    </p:spTree>
+    <p:extLst>
+      <p:ext uri="{BB962C8B-B14F-4D97-AF65-F5344CB8AC3E}">
+        <p14:creationId xmlns:p14="http://schemas.microsoft.com/office/powerpoint/2010/main" val="1011610255"/>
+      </p:ext>
+    </p:extLst>
+  </p:cSld>
+  <p:clrMapOvr>
+    <a:masterClrMapping/>
+  </p:clrMapOvr>
+</p:sld>
+</file>
+
+<file path=ppt/slides/slide40.xml><?xml version="1.0" encoding="utf-8"?>
+<p:sld xmlns:a="http://schemas.openxmlformats.org/drawingml/2006/main" xmlns:r="http://schemas.openxmlformats.org/officeDocument/2006/relationships" xmlns:p="http://schemas.openxmlformats.org/presentationml/2006/main">
+  <p:cSld>
+    <p:spTree>
+      <p:nvGrpSpPr>
+        <p:cNvPr id="1" name=""/>
+        <p:cNvGrpSpPr/>
+        <p:nvPr/>
+      </p:nvGrpSpPr>
+      <p:grpSpPr>
+        <a:xfrm>
+          <a:off x="0" y="0"/>
+          <a:ext cx="0" cy="0"/>
+          <a:chOff x="0" y="0"/>
+          <a:chExt cx="0" cy="0"/>
+        </a:xfrm>
+      </p:grpSpPr>
+      <p:sp>
+        <p:nvSpPr>
+          <p:cNvPr id="2" name="Title 1">
+            <a:extLst>
+              <a:ext uri="{FF2B5EF4-FFF2-40B4-BE49-F238E27FC236}">
                 <a16:creationId xmlns:a16="http://schemas.microsoft.com/office/drawing/2014/main" id="{6CCF9C81-D9AF-5446-F229-6259316E5F4E}"/>
               </a:ext>
             </a:extLst>
@@ -20837,7 +23657,7 @@
         </p:nvSpPr>
         <p:spPr>
           <a:xfrm>
-            <a:off x="1447800" y="152400"/>
+            <a:off x="1562417" y="228754"/>
             <a:ext cx="9067165" cy="695960"/>
           </a:xfrm>
         </p:spPr>
@@ -20847,7 +23667,7 @@
           <a:p>
             <a:pPr algn="ctr"/>
             <a:r>
-              <a:rPr lang="en-GB"/>
+              <a:rPr lang="en-GB" dirty="0"/>
               <a:t>The extraction of topics</a:t>
             </a:r>
           </a:p>
@@ -21388,327 +24208,7 @@
 </p:sld>
 </file>
 
-<file path=ppt/slides/slide4.xml><?xml version="1.0" encoding="utf-8"?>
-<p:sld xmlns:a="http://schemas.openxmlformats.org/drawingml/2006/main" xmlns:r="http://schemas.openxmlformats.org/officeDocument/2006/relationships" xmlns:p="http://schemas.openxmlformats.org/presentationml/2006/main">
-  <p:cSld>
-    <p:spTree>
-      <p:nvGrpSpPr>
-        <p:cNvPr id="1" name=""/>
-        <p:cNvGrpSpPr/>
-        <p:nvPr/>
-      </p:nvGrpSpPr>
-      <p:grpSpPr>
-        <a:xfrm>
-          <a:off x="0" y="0"/>
-          <a:ext cx="0" cy="0"/>
-          <a:chOff x="0" y="0"/>
-          <a:chExt cx="0" cy="0"/>
-        </a:xfrm>
-      </p:grpSpPr>
-      <p:sp>
-        <p:nvSpPr>
-          <p:cNvPr id="2" name="object 2"/>
-          <p:cNvSpPr txBox="1">
-            <a:spLocks noGrp="1"/>
-          </p:cNvSpPr>
-          <p:nvPr>
-            <p:ph type="title"/>
-          </p:nvPr>
-        </p:nvSpPr>
-        <p:spPr>
-          <a:xfrm>
-            <a:off x="831055" y="1190890"/>
-            <a:ext cx="11101301" cy="566822"/>
-          </a:xfrm>
-          <a:prstGeom prst="rect">
-            <a:avLst/>
-          </a:prstGeom>
-        </p:spPr>
-        <p:txBody>
-          <a:bodyPr vert="horz" wrap="square" lIns="0" tIns="12700" rIns="0" bIns="0" rtlCol="0">
-            <a:spAutoFit/>
-          </a:bodyPr>
-          <a:lstStyle/>
-          <a:p>
-            <a:pPr marL="12700">
-              <a:lnSpc>
-                <a:spcPct val="100000"/>
-              </a:lnSpc>
-              <a:spcBef>
-                <a:spcPts val="100"/>
-              </a:spcBef>
-            </a:pPr>
-            <a:r>
-              <a:rPr lang="en-GB" sz="3600" spc="-55"/>
-              <a:t>Session 2. Text Transformation </a:t>
-            </a:r>
-            <a:endParaRPr sz="3600"/>
-          </a:p>
-        </p:txBody>
-      </p:sp>
-      <p:sp>
-        <p:nvSpPr>
-          <p:cNvPr id="3" name="object 3"/>
-          <p:cNvSpPr txBox="1"/>
-          <p:nvPr/>
-        </p:nvSpPr>
-        <p:spPr>
-          <a:xfrm>
-            <a:off x="990600" y="2133600"/>
-            <a:ext cx="10896600" cy="1047082"/>
-          </a:xfrm>
-          <a:prstGeom prst="rect">
-            <a:avLst/>
-          </a:prstGeom>
-        </p:spPr>
-        <p:txBody>
-          <a:bodyPr vert="horz" wrap="square" lIns="0" tIns="94615" rIns="0" bIns="0" rtlCol="0">
-            <a:spAutoFit/>
-          </a:bodyPr>
-          <a:lstStyle/>
-          <a:p>
-            <a:pPr marL="605790" lvl="1" indent="-593725">
-              <a:lnSpc>
-                <a:spcPct val="100000"/>
-              </a:lnSpc>
-              <a:spcBef>
-                <a:spcPts val="745"/>
-              </a:spcBef>
-              <a:buAutoNum type="arabicPeriod"/>
-              <a:tabLst>
-                <a:tab pos="606425" algn="l"/>
-              </a:tabLst>
-            </a:pPr>
-            <a:endParaRPr lang="en-GB" sz="2800">
-              <a:latin typeface="Arial"/>
-              <a:cs typeface="Arial"/>
-            </a:endParaRPr>
-          </a:p>
-          <a:p>
-            <a:pPr marL="605790" lvl="1" indent="-593725">
-              <a:lnSpc>
-                <a:spcPct val="100000"/>
-              </a:lnSpc>
-              <a:spcBef>
-                <a:spcPts val="745"/>
-              </a:spcBef>
-              <a:buAutoNum type="arabicPeriod"/>
-              <a:tabLst>
-                <a:tab pos="606425" algn="l"/>
-              </a:tabLst>
-            </a:pPr>
-            <a:endParaRPr sz="2800">
-              <a:latin typeface="Arial"/>
-              <a:cs typeface="Arial"/>
-            </a:endParaRPr>
-          </a:p>
-        </p:txBody>
-      </p:sp>
-      <p:sp>
-        <p:nvSpPr>
-          <p:cNvPr id="4" name="object 2">
-            <a:extLst>
-              <a:ext uri="{FF2B5EF4-FFF2-40B4-BE49-F238E27FC236}">
-                <a16:creationId xmlns:a16="http://schemas.microsoft.com/office/drawing/2014/main" id="{A5096FE3-1200-60FB-C31C-6CE12AC856AF}"/>
-              </a:ext>
-            </a:extLst>
-          </p:cNvPr>
-          <p:cNvSpPr txBox="1">
-            <a:spLocks/>
-          </p:cNvSpPr>
-          <p:nvPr/>
-        </p:nvSpPr>
-        <p:spPr>
-          <a:xfrm>
-            <a:off x="862099" y="152908"/>
-            <a:ext cx="1998345" cy="695960"/>
-          </a:xfrm>
-          <a:prstGeom prst="rect">
-            <a:avLst/>
-          </a:prstGeom>
-        </p:spPr>
-        <p:txBody>
-          <a:bodyPr vert="horz" wrap="square" lIns="0" tIns="12700" rIns="0" bIns="0" rtlCol="0">
-            <a:spAutoFit/>
-          </a:bodyPr>
-          <a:lstStyle>
-            <a:lvl1pPr>
-              <a:defRPr sz="4400" b="1" i="0">
-                <a:solidFill>
-                  <a:srgbClr val="2E3E80"/>
-                </a:solidFill>
-                <a:latin typeface="Arial"/>
-                <a:ea typeface="+mj-ea"/>
-                <a:cs typeface="Arial"/>
-              </a:defRPr>
-            </a:lvl1pPr>
-          </a:lstStyle>
-          <a:p>
-            <a:pPr marL="12700">
-              <a:spcBef>
-                <a:spcPts val="100"/>
-              </a:spcBef>
-            </a:pPr>
-            <a:r>
-              <a:rPr lang="en-GB" spc="-100"/>
-              <a:t>Agenda</a:t>
-            </a:r>
-          </a:p>
-        </p:txBody>
-      </p:sp>
-      <p:sp>
-        <p:nvSpPr>
-          <p:cNvPr id="5" name="TextBox 4">
-            <a:extLst>
-              <a:ext uri="{FF2B5EF4-FFF2-40B4-BE49-F238E27FC236}">
-                <a16:creationId xmlns:a16="http://schemas.microsoft.com/office/drawing/2014/main" id="{8DDC0168-B3C5-3BCF-CE78-30CB093B2A52}"/>
-              </a:ext>
-            </a:extLst>
-          </p:cNvPr>
-          <p:cNvSpPr txBox="1"/>
-          <p:nvPr/>
-        </p:nvSpPr>
-        <p:spPr>
-          <a:xfrm>
-            <a:off x="831055" y="2133600"/>
-            <a:ext cx="10287000" cy="3603230"/>
-          </a:xfrm>
-          <a:prstGeom prst="rect">
-            <a:avLst/>
-          </a:prstGeom>
-          <a:noFill/>
-        </p:spPr>
-        <p:txBody>
-          <a:bodyPr wrap="square" rtlCol="0">
-            <a:spAutoFit/>
-          </a:bodyPr>
-          <a:lstStyle/>
-          <a:p>
-            <a:pPr marL="605790" lvl="1" indent="-593725">
-              <a:lnSpc>
-                <a:spcPct val="150000"/>
-              </a:lnSpc>
-              <a:spcBef>
-                <a:spcPts val="745"/>
-              </a:spcBef>
-              <a:buFont typeface="+mj-lt"/>
-              <a:buAutoNum type="arabicPeriod"/>
-              <a:tabLst>
-                <a:tab pos="606425" algn="l"/>
-              </a:tabLst>
-            </a:pPr>
-            <a:r>
-              <a:rPr lang="en-GB" sz="2800" dirty="0">
-                <a:latin typeface="Arial"/>
-                <a:cs typeface="Arial"/>
-              </a:rPr>
-              <a:t>Create Bigram and Trigram model (10 mins)</a:t>
-            </a:r>
-          </a:p>
-          <a:p>
-            <a:pPr marL="605790" lvl="1" indent="-593725">
-              <a:lnSpc>
-                <a:spcPct val="150000"/>
-              </a:lnSpc>
-              <a:spcBef>
-                <a:spcPts val="745"/>
-              </a:spcBef>
-              <a:buFont typeface="+mj-lt"/>
-              <a:buAutoNum type="arabicPeriod"/>
-              <a:tabLst>
-                <a:tab pos="606425" algn="l"/>
-              </a:tabLst>
-            </a:pPr>
-            <a:r>
-              <a:rPr lang="en-GB" sz="2800" dirty="0">
-                <a:latin typeface="Arial"/>
-                <a:cs typeface="Arial"/>
-              </a:rPr>
-              <a:t>Remove stop words (10 mins)</a:t>
-            </a:r>
-          </a:p>
-          <a:p>
-            <a:pPr marL="605790" lvl="1" indent="-593725">
-              <a:lnSpc>
-                <a:spcPct val="150000"/>
-              </a:lnSpc>
-              <a:spcBef>
-                <a:spcPts val="745"/>
-              </a:spcBef>
-              <a:buFont typeface="+mj-lt"/>
-              <a:buAutoNum type="arabicPeriod"/>
-              <a:tabLst>
-                <a:tab pos="606425" algn="l"/>
-              </a:tabLst>
-            </a:pPr>
-            <a:r>
-              <a:rPr lang="en-GB" sz="2800" dirty="0">
-                <a:latin typeface="Arial"/>
-                <a:cs typeface="Arial"/>
-              </a:rPr>
-              <a:t>Lemmatisation vs. Stemming (10 mins)</a:t>
-            </a:r>
-          </a:p>
-          <a:p>
-            <a:pPr marL="605790" lvl="1" indent="-593725">
-              <a:lnSpc>
-                <a:spcPct val="150000"/>
-              </a:lnSpc>
-              <a:spcBef>
-                <a:spcPts val="745"/>
-              </a:spcBef>
-              <a:buFont typeface="+mj-lt"/>
-              <a:buAutoNum type="arabicPeriod"/>
-              <a:tabLst>
-                <a:tab pos="606425" algn="l"/>
-              </a:tabLst>
-            </a:pPr>
-            <a:r>
-              <a:rPr lang="en-GB" sz="2800" dirty="0">
-                <a:latin typeface="Arial"/>
-                <a:cs typeface="Arial"/>
-              </a:rPr>
-              <a:t>Cleaning practice (30 mins)</a:t>
-            </a:r>
-          </a:p>
-          <a:p>
-            <a:pPr marL="605790" lvl="1" indent="-593725">
-              <a:lnSpc>
-                <a:spcPct val="150000"/>
-              </a:lnSpc>
-              <a:spcBef>
-                <a:spcPts val="745"/>
-              </a:spcBef>
-              <a:buFont typeface="+mj-lt"/>
-              <a:buAutoNum type="arabicPeriod"/>
-              <a:tabLst>
-                <a:tab pos="606425" algn="l"/>
-              </a:tabLst>
-            </a:pPr>
-            <a:r>
-              <a:rPr lang="en-GB" sz="2800" dirty="0">
-                <a:latin typeface="Arial"/>
-                <a:cs typeface="Arial"/>
-              </a:rPr>
-              <a:t>Short introduction of topic modelling and LDA (30 mins)</a:t>
-            </a:r>
-          </a:p>
-        </p:txBody>
-      </p:sp>
-    </p:spTree>
-    <p:extLst>
-      <p:ext uri="{BB962C8B-B14F-4D97-AF65-F5344CB8AC3E}">
-        <p14:creationId xmlns:p14="http://schemas.microsoft.com/office/powerpoint/2010/main" val="1011610255"/>
-      </p:ext>
-    </p:extLst>
-  </p:cSld>
-  <p:clrMapOvr>
-    <a:masterClrMapping/>
-  </p:clrMapOvr>
-</p:sld>
-</file>
-
-<file path=ppt/slides/slide40.xml><?xml version="1.0" encoding="utf-8"?>
+<file path=ppt/slides/slide41.xml><?xml version="1.0" encoding="utf-8"?>
 <p:sld xmlns:a="http://schemas.openxmlformats.org/drawingml/2006/main" xmlns:r="http://schemas.openxmlformats.org/officeDocument/2006/relationships" xmlns:p="http://schemas.openxmlformats.org/presentationml/2006/main">
   <p:cSld>
     <p:spTree>
@@ -21779,7 +24279,7 @@
         </p:nvSpPr>
         <p:spPr>
           <a:xfrm>
-            <a:off x="1143000" y="1755080"/>
+            <a:off x="1041400" y="1755080"/>
             <a:ext cx="9906000" cy="3347840"/>
           </a:xfrm>
           <a:prstGeom prst="rect">
@@ -21869,10 +24369,345 @@
   <p:clrMapOvr>
     <a:masterClrMapping/>
   </p:clrMapOvr>
+  <p:timing>
+    <p:tnLst>
+      <p:par>
+        <p:cTn id="1" dur="indefinite" restart="never" nodeType="tmRoot">
+          <p:childTnLst>
+            <p:seq concurrent="1" nextAc="seek">
+              <p:cTn id="2" dur="indefinite" nodeType="mainSeq">
+                <p:childTnLst>
+                  <p:par>
+                    <p:cTn id="3" fill="hold">
+                      <p:stCondLst>
+                        <p:cond delay="indefinite"/>
+                      </p:stCondLst>
+                      <p:childTnLst>
+                        <p:par>
+                          <p:cTn id="4" fill="hold">
+                            <p:stCondLst>
+                              <p:cond delay="0"/>
+                            </p:stCondLst>
+                            <p:childTnLst>
+                              <p:par>
+                                <p:cTn id="5" presetID="10" presetClass="entr" presetSubtype="0" fill="hold" nodeType="clickEffect">
+                                  <p:stCondLst>
+                                    <p:cond delay="0"/>
+                                  </p:stCondLst>
+                                  <p:childTnLst>
+                                    <p:set>
+                                      <p:cBhvr>
+                                        <p:cTn id="6" dur="1" fill="hold">
+                                          <p:stCondLst>
+                                            <p:cond delay="0"/>
+                                          </p:stCondLst>
+                                        </p:cTn>
+                                        <p:tgtEl>
+                                          <p:spTgt spid="9">
+                                            <p:txEl>
+                                              <p:pRg st="0" end="0"/>
+                                            </p:txEl>
+                                          </p:spTgt>
+                                        </p:tgtEl>
+                                        <p:attrNameLst>
+                                          <p:attrName>style.visibility</p:attrName>
+                                        </p:attrNameLst>
+                                      </p:cBhvr>
+                                      <p:to>
+                                        <p:strVal val="visible"/>
+                                      </p:to>
+                                    </p:set>
+                                    <p:animEffect transition="in" filter="fade">
+                                      <p:cBhvr>
+                                        <p:cTn id="7" dur="500"/>
+                                        <p:tgtEl>
+                                          <p:spTgt spid="9">
+                                            <p:txEl>
+                                              <p:pRg st="0" end="0"/>
+                                            </p:txEl>
+                                          </p:spTgt>
+                                        </p:tgtEl>
+                                      </p:cBhvr>
+                                    </p:animEffect>
+                                  </p:childTnLst>
+                                </p:cTn>
+                              </p:par>
+                            </p:childTnLst>
+                          </p:cTn>
+                        </p:par>
+                      </p:childTnLst>
+                    </p:cTn>
+                  </p:par>
+                  <p:par>
+                    <p:cTn id="8" fill="hold">
+                      <p:stCondLst>
+                        <p:cond delay="indefinite"/>
+                      </p:stCondLst>
+                      <p:childTnLst>
+                        <p:par>
+                          <p:cTn id="9" fill="hold">
+                            <p:stCondLst>
+                              <p:cond delay="0"/>
+                            </p:stCondLst>
+                            <p:childTnLst>
+                              <p:par>
+                                <p:cTn id="10" presetID="10" presetClass="entr" presetSubtype="0" fill="hold" nodeType="clickEffect">
+                                  <p:stCondLst>
+                                    <p:cond delay="0"/>
+                                  </p:stCondLst>
+                                  <p:childTnLst>
+                                    <p:set>
+                                      <p:cBhvr>
+                                        <p:cTn id="11" dur="1" fill="hold">
+                                          <p:stCondLst>
+                                            <p:cond delay="0"/>
+                                          </p:stCondLst>
+                                        </p:cTn>
+                                        <p:tgtEl>
+                                          <p:spTgt spid="9">
+                                            <p:txEl>
+                                              <p:pRg st="1" end="1"/>
+                                            </p:txEl>
+                                          </p:spTgt>
+                                        </p:tgtEl>
+                                        <p:attrNameLst>
+                                          <p:attrName>style.visibility</p:attrName>
+                                        </p:attrNameLst>
+                                      </p:cBhvr>
+                                      <p:to>
+                                        <p:strVal val="visible"/>
+                                      </p:to>
+                                    </p:set>
+                                    <p:animEffect transition="in" filter="fade">
+                                      <p:cBhvr>
+                                        <p:cTn id="12" dur="500"/>
+                                        <p:tgtEl>
+                                          <p:spTgt spid="9">
+                                            <p:txEl>
+                                              <p:pRg st="1" end="1"/>
+                                            </p:txEl>
+                                          </p:spTgt>
+                                        </p:tgtEl>
+                                      </p:cBhvr>
+                                    </p:animEffect>
+                                  </p:childTnLst>
+                                </p:cTn>
+                              </p:par>
+                            </p:childTnLst>
+                          </p:cTn>
+                        </p:par>
+                      </p:childTnLst>
+                    </p:cTn>
+                  </p:par>
+                  <p:par>
+                    <p:cTn id="13" fill="hold">
+                      <p:stCondLst>
+                        <p:cond delay="indefinite"/>
+                      </p:stCondLst>
+                      <p:childTnLst>
+                        <p:par>
+                          <p:cTn id="14" fill="hold">
+                            <p:stCondLst>
+                              <p:cond delay="0"/>
+                            </p:stCondLst>
+                            <p:childTnLst>
+                              <p:par>
+                                <p:cTn id="15" presetID="10" presetClass="entr" presetSubtype="0" fill="hold" nodeType="clickEffect">
+                                  <p:stCondLst>
+                                    <p:cond delay="0"/>
+                                  </p:stCondLst>
+                                  <p:childTnLst>
+                                    <p:set>
+                                      <p:cBhvr>
+                                        <p:cTn id="16" dur="1" fill="hold">
+                                          <p:stCondLst>
+                                            <p:cond delay="0"/>
+                                          </p:stCondLst>
+                                        </p:cTn>
+                                        <p:tgtEl>
+                                          <p:spTgt spid="9">
+                                            <p:txEl>
+                                              <p:pRg st="2" end="2"/>
+                                            </p:txEl>
+                                          </p:spTgt>
+                                        </p:tgtEl>
+                                        <p:attrNameLst>
+                                          <p:attrName>style.visibility</p:attrName>
+                                        </p:attrNameLst>
+                                      </p:cBhvr>
+                                      <p:to>
+                                        <p:strVal val="visible"/>
+                                      </p:to>
+                                    </p:set>
+                                    <p:animEffect transition="in" filter="fade">
+                                      <p:cBhvr>
+                                        <p:cTn id="17" dur="500"/>
+                                        <p:tgtEl>
+                                          <p:spTgt spid="9">
+                                            <p:txEl>
+                                              <p:pRg st="2" end="2"/>
+                                            </p:txEl>
+                                          </p:spTgt>
+                                        </p:tgtEl>
+                                      </p:cBhvr>
+                                    </p:animEffect>
+                                  </p:childTnLst>
+                                </p:cTn>
+                              </p:par>
+                            </p:childTnLst>
+                          </p:cTn>
+                        </p:par>
+                      </p:childTnLst>
+                    </p:cTn>
+                  </p:par>
+                  <p:par>
+                    <p:cTn id="18" fill="hold">
+                      <p:stCondLst>
+                        <p:cond delay="indefinite"/>
+                      </p:stCondLst>
+                      <p:childTnLst>
+                        <p:par>
+                          <p:cTn id="19" fill="hold">
+                            <p:stCondLst>
+                              <p:cond delay="0"/>
+                            </p:stCondLst>
+                            <p:childTnLst>
+                              <p:par>
+                                <p:cTn id="20" presetID="10" presetClass="entr" presetSubtype="0" fill="hold" nodeType="clickEffect">
+                                  <p:stCondLst>
+                                    <p:cond delay="0"/>
+                                  </p:stCondLst>
+                                  <p:childTnLst>
+                                    <p:set>
+                                      <p:cBhvr>
+                                        <p:cTn id="21" dur="1" fill="hold">
+                                          <p:stCondLst>
+                                            <p:cond delay="0"/>
+                                          </p:stCondLst>
+                                        </p:cTn>
+                                        <p:tgtEl>
+                                          <p:spTgt spid="9">
+                                            <p:txEl>
+                                              <p:pRg st="3" end="3"/>
+                                            </p:txEl>
+                                          </p:spTgt>
+                                        </p:tgtEl>
+                                        <p:attrNameLst>
+                                          <p:attrName>style.visibility</p:attrName>
+                                        </p:attrNameLst>
+                                      </p:cBhvr>
+                                      <p:to>
+                                        <p:strVal val="visible"/>
+                                      </p:to>
+                                    </p:set>
+                                    <p:animEffect transition="in" filter="fade">
+                                      <p:cBhvr>
+                                        <p:cTn id="22" dur="500"/>
+                                        <p:tgtEl>
+                                          <p:spTgt spid="9">
+                                            <p:txEl>
+                                              <p:pRg st="3" end="3"/>
+                                            </p:txEl>
+                                          </p:spTgt>
+                                        </p:tgtEl>
+                                      </p:cBhvr>
+                                    </p:animEffect>
+                                  </p:childTnLst>
+                                </p:cTn>
+                              </p:par>
+                            </p:childTnLst>
+                          </p:cTn>
+                        </p:par>
+                      </p:childTnLst>
+                    </p:cTn>
+                  </p:par>
+                  <p:par>
+                    <p:cTn id="23" fill="hold">
+                      <p:stCondLst>
+                        <p:cond delay="indefinite"/>
+                      </p:stCondLst>
+                      <p:childTnLst>
+                        <p:par>
+                          <p:cTn id="24" fill="hold">
+                            <p:stCondLst>
+                              <p:cond delay="0"/>
+                            </p:stCondLst>
+                            <p:childTnLst>
+                              <p:par>
+                                <p:cTn id="25" presetID="10" presetClass="entr" presetSubtype="0" fill="hold" nodeType="clickEffect">
+                                  <p:stCondLst>
+                                    <p:cond delay="0"/>
+                                  </p:stCondLst>
+                                  <p:childTnLst>
+                                    <p:set>
+                                      <p:cBhvr>
+                                        <p:cTn id="26" dur="1" fill="hold">
+                                          <p:stCondLst>
+                                            <p:cond delay="0"/>
+                                          </p:stCondLst>
+                                        </p:cTn>
+                                        <p:tgtEl>
+                                          <p:spTgt spid="9">
+                                            <p:txEl>
+                                              <p:pRg st="4" end="4"/>
+                                            </p:txEl>
+                                          </p:spTgt>
+                                        </p:tgtEl>
+                                        <p:attrNameLst>
+                                          <p:attrName>style.visibility</p:attrName>
+                                        </p:attrNameLst>
+                                      </p:cBhvr>
+                                      <p:to>
+                                        <p:strVal val="visible"/>
+                                      </p:to>
+                                    </p:set>
+                                    <p:animEffect transition="in" filter="fade">
+                                      <p:cBhvr>
+                                        <p:cTn id="27" dur="500"/>
+                                        <p:tgtEl>
+                                          <p:spTgt spid="9">
+                                            <p:txEl>
+                                              <p:pRg st="4" end="4"/>
+                                            </p:txEl>
+                                          </p:spTgt>
+                                        </p:tgtEl>
+                                      </p:cBhvr>
+                                    </p:animEffect>
+                                  </p:childTnLst>
+                                </p:cTn>
+                              </p:par>
+                            </p:childTnLst>
+                          </p:cTn>
+                        </p:par>
+                      </p:childTnLst>
+                    </p:cTn>
+                  </p:par>
+                </p:childTnLst>
+              </p:cTn>
+              <p:prevCondLst>
+                <p:cond evt="onPrev" delay="0">
+                  <p:tgtEl>
+                    <p:sldTgt/>
+                  </p:tgtEl>
+                </p:cond>
+              </p:prevCondLst>
+              <p:nextCondLst>
+                <p:cond evt="onNext" delay="0">
+                  <p:tgtEl>
+                    <p:sldTgt/>
+                  </p:tgtEl>
+                </p:cond>
+              </p:nextCondLst>
+            </p:seq>
+          </p:childTnLst>
+        </p:cTn>
+      </p:par>
+    </p:tnLst>
+  </p:timing>
 </p:sld>
 </file>
 
-<file path=ppt/slides/slide41.xml><?xml version="1.0" encoding="utf-8"?>
+<file path=ppt/slides/slide42.xml><?xml version="1.0" encoding="utf-8"?>
 <p:sld xmlns:a="http://schemas.openxmlformats.org/drawingml/2006/main" xmlns:r="http://schemas.openxmlformats.org/officeDocument/2006/relationships" xmlns:p="http://schemas.openxmlformats.org/presentationml/2006/main">
   <p:cSld>
     <p:spTree>
@@ -21936,8 +24771,8 @@
         </p:nvSpPr>
         <p:spPr>
           <a:xfrm>
-            <a:off x="132382" y="6215390"/>
-            <a:ext cx="6094708" cy="523220"/>
+            <a:off x="132381" y="6215390"/>
+            <a:ext cx="7318285" cy="523220"/>
           </a:xfrm>
           <a:prstGeom prst="rect">
             <a:avLst/>
@@ -22071,10 +24906,93 @@
   <p:clrMapOvr>
     <a:masterClrMapping/>
   </p:clrMapOvr>
+  <p:timing>
+    <p:tnLst>
+      <p:par>
+        <p:cTn id="1" dur="indefinite" restart="never" nodeType="tmRoot">
+          <p:childTnLst>
+            <p:seq concurrent="1" nextAc="seek">
+              <p:cTn id="2" dur="indefinite" nodeType="mainSeq">
+                <p:childTnLst>
+                  <p:par>
+                    <p:cTn id="3" fill="hold">
+                      <p:stCondLst>
+                        <p:cond delay="indefinite"/>
+                      </p:stCondLst>
+                      <p:childTnLst>
+                        <p:par>
+                          <p:cTn id="4" fill="hold">
+                            <p:stCondLst>
+                              <p:cond delay="0"/>
+                            </p:stCondLst>
+                            <p:childTnLst>
+                              <p:par>
+                                <p:cTn id="5" presetID="10" presetClass="entr" presetSubtype="0" fill="hold" nodeType="clickEffect">
+                                  <p:stCondLst>
+                                    <p:cond delay="0"/>
+                                  </p:stCondLst>
+                                  <p:childTnLst>
+                                    <p:set>
+                                      <p:cBhvr>
+                                        <p:cTn id="6" dur="1" fill="hold">
+                                          <p:stCondLst>
+                                            <p:cond delay="0"/>
+                                          </p:stCondLst>
+                                        </p:cTn>
+                                        <p:tgtEl>
+                                          <p:spTgt spid="1026"/>
+                                        </p:tgtEl>
+                                        <p:attrNameLst>
+                                          <p:attrName>style.visibility</p:attrName>
+                                        </p:attrNameLst>
+                                      </p:cBhvr>
+                                      <p:to>
+                                        <p:strVal val="visible"/>
+                                      </p:to>
+                                    </p:set>
+                                    <p:animEffect transition="in" filter="fade">
+                                      <p:cBhvr>
+                                        <p:cTn id="7" dur="500"/>
+                                        <p:tgtEl>
+                                          <p:spTgt spid="1026"/>
+                                        </p:tgtEl>
+                                      </p:cBhvr>
+                                    </p:animEffect>
+                                  </p:childTnLst>
+                                </p:cTn>
+                              </p:par>
+                            </p:childTnLst>
+                          </p:cTn>
+                        </p:par>
+                      </p:childTnLst>
+                    </p:cTn>
+                  </p:par>
+                </p:childTnLst>
+              </p:cTn>
+              <p:prevCondLst>
+                <p:cond evt="onPrev" delay="0">
+                  <p:tgtEl>
+                    <p:sldTgt/>
+                  </p:tgtEl>
+                </p:cond>
+              </p:prevCondLst>
+              <p:nextCondLst>
+                <p:cond evt="onNext" delay="0">
+                  <p:tgtEl>
+                    <p:sldTgt/>
+                  </p:tgtEl>
+                </p:cond>
+              </p:nextCondLst>
+            </p:seq>
+          </p:childTnLst>
+        </p:cTn>
+      </p:par>
+    </p:tnLst>
+  </p:timing>
 </p:sld>
 </file>
 
-<file path=ppt/slides/slide42.xml><?xml version="1.0" encoding="utf-8"?>
+<file path=ppt/slides/slide43.xml><?xml version="1.0" encoding="utf-8"?>
 <p:sld xmlns:a="http://schemas.openxmlformats.org/drawingml/2006/main" xmlns:r="http://schemas.openxmlformats.org/officeDocument/2006/relationships" xmlns:p="http://schemas.openxmlformats.org/presentationml/2006/main">
   <p:cSld>
     <p:spTree>
@@ -22442,7 +25360,7 @@
 </p:sld>
 </file>
 
-<file path=ppt/slides/slide43.xml><?xml version="1.0" encoding="utf-8"?>
+<file path=ppt/slides/slide44.xml><?xml version="1.0" encoding="utf-8"?>
 <p:sld xmlns:a="http://schemas.openxmlformats.org/drawingml/2006/main" xmlns:r="http://schemas.openxmlformats.org/officeDocument/2006/relationships" xmlns:p="http://schemas.openxmlformats.org/presentationml/2006/main">
   <p:cSld>
     <p:spTree>
@@ -23104,7 +26022,7 @@
 </p:sld>
 </file>
 
-<file path=ppt/slides/slide44.xml><?xml version="1.0" encoding="utf-8"?>
+<file path=ppt/slides/slide45.xml><?xml version="1.0" encoding="utf-8"?>
 <p:sld xmlns:a="http://schemas.openxmlformats.org/drawingml/2006/main" xmlns:r="http://schemas.openxmlformats.org/officeDocument/2006/relationships" xmlns:p="http://schemas.openxmlformats.org/presentationml/2006/main">
   <p:cSld>
     <p:spTree>
@@ -23179,7 +26097,7 @@
 </p:sld>
 </file>
 
-<file path=ppt/slides/slide45.xml><?xml version="1.0" encoding="utf-8"?>
+<file path=ppt/slides/slide46.xml><?xml version="1.0" encoding="utf-8"?>
 <p:sld xmlns:a="http://schemas.openxmlformats.org/drawingml/2006/main" xmlns:r="http://schemas.openxmlformats.org/officeDocument/2006/relationships" xmlns:p="http://schemas.openxmlformats.org/presentationml/2006/main">
   <p:cSld>
     <p:spTree>
@@ -23427,7 +26345,7 @@
 </p:sld>
 </file>
 
-<file path=ppt/slides/slide46.xml><?xml version="1.0" encoding="utf-8"?>
+<file path=ppt/slides/slide47.xml><?xml version="1.0" encoding="utf-8"?>
 <p:sld xmlns:a="http://schemas.openxmlformats.org/drawingml/2006/main" xmlns:r="http://schemas.openxmlformats.org/officeDocument/2006/relationships" xmlns:p="http://schemas.openxmlformats.org/presentationml/2006/main">
   <p:cSld>
     <p:spTree>
@@ -23594,10 +26512,406 @@
   <p:clrMapOvr>
     <a:masterClrMapping/>
   </p:clrMapOvr>
+  <p:timing>
+    <p:tnLst>
+      <p:par>
+        <p:cTn id="1" dur="indefinite" restart="never" nodeType="tmRoot">
+          <p:childTnLst>
+            <p:seq concurrent="1" nextAc="seek">
+              <p:cTn id="2" dur="indefinite" nodeType="mainSeq">
+                <p:childTnLst>
+                  <p:par>
+                    <p:cTn id="3" fill="hold">
+                      <p:stCondLst>
+                        <p:cond delay="indefinite"/>
+                      </p:stCondLst>
+                      <p:childTnLst>
+                        <p:par>
+                          <p:cTn id="4" fill="hold">
+                            <p:stCondLst>
+                              <p:cond delay="0"/>
+                            </p:stCondLst>
+                            <p:childTnLst>
+                              <p:par>
+                                <p:cTn id="5" presetID="10" presetClass="entr" presetSubtype="0" fill="hold" nodeType="clickEffect">
+                                  <p:stCondLst>
+                                    <p:cond delay="0"/>
+                                  </p:stCondLst>
+                                  <p:childTnLst>
+                                    <p:set>
+                                      <p:cBhvr>
+                                        <p:cTn id="6" dur="1" fill="hold">
+                                          <p:stCondLst>
+                                            <p:cond delay="0"/>
+                                          </p:stCondLst>
+                                        </p:cTn>
+                                        <p:tgtEl>
+                                          <p:spTgt spid="3">
+                                            <p:txEl>
+                                              <p:pRg st="0" end="0"/>
+                                            </p:txEl>
+                                          </p:spTgt>
+                                        </p:tgtEl>
+                                        <p:attrNameLst>
+                                          <p:attrName>style.visibility</p:attrName>
+                                        </p:attrNameLst>
+                                      </p:cBhvr>
+                                      <p:to>
+                                        <p:strVal val="visible"/>
+                                      </p:to>
+                                    </p:set>
+                                    <p:animEffect transition="in" filter="fade">
+                                      <p:cBhvr>
+                                        <p:cTn id="7" dur="500"/>
+                                        <p:tgtEl>
+                                          <p:spTgt spid="3">
+                                            <p:txEl>
+                                              <p:pRg st="0" end="0"/>
+                                            </p:txEl>
+                                          </p:spTgt>
+                                        </p:tgtEl>
+                                      </p:cBhvr>
+                                    </p:animEffect>
+                                  </p:childTnLst>
+                                </p:cTn>
+                              </p:par>
+                            </p:childTnLst>
+                          </p:cTn>
+                        </p:par>
+                      </p:childTnLst>
+                    </p:cTn>
+                  </p:par>
+                  <p:par>
+                    <p:cTn id="8" fill="hold">
+                      <p:stCondLst>
+                        <p:cond delay="indefinite"/>
+                      </p:stCondLst>
+                      <p:childTnLst>
+                        <p:par>
+                          <p:cTn id="9" fill="hold">
+                            <p:stCondLst>
+                              <p:cond delay="0"/>
+                            </p:stCondLst>
+                            <p:childTnLst>
+                              <p:par>
+                                <p:cTn id="10" presetID="10" presetClass="entr" presetSubtype="0" fill="hold" nodeType="clickEffect">
+                                  <p:stCondLst>
+                                    <p:cond delay="0"/>
+                                  </p:stCondLst>
+                                  <p:childTnLst>
+                                    <p:set>
+                                      <p:cBhvr>
+                                        <p:cTn id="11" dur="1" fill="hold">
+                                          <p:stCondLst>
+                                            <p:cond delay="0"/>
+                                          </p:stCondLst>
+                                        </p:cTn>
+                                        <p:tgtEl>
+                                          <p:spTgt spid="3">
+                                            <p:txEl>
+                                              <p:pRg st="1" end="1"/>
+                                            </p:txEl>
+                                          </p:spTgt>
+                                        </p:tgtEl>
+                                        <p:attrNameLst>
+                                          <p:attrName>style.visibility</p:attrName>
+                                        </p:attrNameLst>
+                                      </p:cBhvr>
+                                      <p:to>
+                                        <p:strVal val="visible"/>
+                                      </p:to>
+                                    </p:set>
+                                    <p:animEffect transition="in" filter="fade">
+                                      <p:cBhvr>
+                                        <p:cTn id="12" dur="500"/>
+                                        <p:tgtEl>
+                                          <p:spTgt spid="3">
+                                            <p:txEl>
+                                              <p:pRg st="1" end="1"/>
+                                            </p:txEl>
+                                          </p:spTgt>
+                                        </p:tgtEl>
+                                      </p:cBhvr>
+                                    </p:animEffect>
+                                  </p:childTnLst>
+                                </p:cTn>
+                              </p:par>
+                            </p:childTnLst>
+                          </p:cTn>
+                        </p:par>
+                      </p:childTnLst>
+                    </p:cTn>
+                  </p:par>
+                  <p:par>
+                    <p:cTn id="13" fill="hold">
+                      <p:stCondLst>
+                        <p:cond delay="indefinite"/>
+                      </p:stCondLst>
+                      <p:childTnLst>
+                        <p:par>
+                          <p:cTn id="14" fill="hold">
+                            <p:stCondLst>
+                              <p:cond delay="0"/>
+                            </p:stCondLst>
+                            <p:childTnLst>
+                              <p:par>
+                                <p:cTn id="15" presetID="10" presetClass="entr" presetSubtype="0" fill="hold" nodeType="clickEffect">
+                                  <p:stCondLst>
+                                    <p:cond delay="0"/>
+                                  </p:stCondLst>
+                                  <p:childTnLst>
+                                    <p:set>
+                                      <p:cBhvr>
+                                        <p:cTn id="16" dur="1" fill="hold">
+                                          <p:stCondLst>
+                                            <p:cond delay="0"/>
+                                          </p:stCondLst>
+                                        </p:cTn>
+                                        <p:tgtEl>
+                                          <p:spTgt spid="3">
+                                            <p:txEl>
+                                              <p:pRg st="2" end="2"/>
+                                            </p:txEl>
+                                          </p:spTgt>
+                                        </p:tgtEl>
+                                        <p:attrNameLst>
+                                          <p:attrName>style.visibility</p:attrName>
+                                        </p:attrNameLst>
+                                      </p:cBhvr>
+                                      <p:to>
+                                        <p:strVal val="visible"/>
+                                      </p:to>
+                                    </p:set>
+                                    <p:animEffect transition="in" filter="fade">
+                                      <p:cBhvr>
+                                        <p:cTn id="17" dur="500"/>
+                                        <p:tgtEl>
+                                          <p:spTgt spid="3">
+                                            <p:txEl>
+                                              <p:pRg st="2" end="2"/>
+                                            </p:txEl>
+                                          </p:spTgt>
+                                        </p:tgtEl>
+                                      </p:cBhvr>
+                                    </p:animEffect>
+                                  </p:childTnLst>
+                                </p:cTn>
+                              </p:par>
+                            </p:childTnLst>
+                          </p:cTn>
+                        </p:par>
+                      </p:childTnLst>
+                    </p:cTn>
+                  </p:par>
+                  <p:par>
+                    <p:cTn id="18" fill="hold">
+                      <p:stCondLst>
+                        <p:cond delay="indefinite"/>
+                      </p:stCondLst>
+                      <p:childTnLst>
+                        <p:par>
+                          <p:cTn id="19" fill="hold">
+                            <p:stCondLst>
+                              <p:cond delay="0"/>
+                            </p:stCondLst>
+                            <p:childTnLst>
+                              <p:par>
+                                <p:cTn id="20" presetID="10" presetClass="entr" presetSubtype="0" fill="hold" nodeType="clickEffect">
+                                  <p:stCondLst>
+                                    <p:cond delay="0"/>
+                                  </p:stCondLst>
+                                  <p:childTnLst>
+                                    <p:set>
+                                      <p:cBhvr>
+                                        <p:cTn id="21" dur="1" fill="hold">
+                                          <p:stCondLst>
+                                            <p:cond delay="0"/>
+                                          </p:stCondLst>
+                                        </p:cTn>
+                                        <p:tgtEl>
+                                          <p:spTgt spid="3">
+                                            <p:txEl>
+                                              <p:pRg st="3" end="3"/>
+                                            </p:txEl>
+                                          </p:spTgt>
+                                        </p:tgtEl>
+                                        <p:attrNameLst>
+                                          <p:attrName>style.visibility</p:attrName>
+                                        </p:attrNameLst>
+                                      </p:cBhvr>
+                                      <p:to>
+                                        <p:strVal val="visible"/>
+                                      </p:to>
+                                    </p:set>
+                                    <p:animEffect transition="in" filter="fade">
+                                      <p:cBhvr>
+                                        <p:cTn id="22" dur="500"/>
+                                        <p:tgtEl>
+                                          <p:spTgt spid="3">
+                                            <p:txEl>
+                                              <p:pRg st="3" end="3"/>
+                                            </p:txEl>
+                                          </p:spTgt>
+                                        </p:tgtEl>
+                                      </p:cBhvr>
+                                    </p:animEffect>
+                                  </p:childTnLst>
+                                </p:cTn>
+                              </p:par>
+                            </p:childTnLst>
+                          </p:cTn>
+                        </p:par>
+                      </p:childTnLst>
+                    </p:cTn>
+                  </p:par>
+                  <p:par>
+                    <p:cTn id="23" fill="hold">
+                      <p:stCondLst>
+                        <p:cond delay="indefinite"/>
+                      </p:stCondLst>
+                      <p:childTnLst>
+                        <p:par>
+                          <p:cTn id="24" fill="hold">
+                            <p:stCondLst>
+                              <p:cond delay="0"/>
+                            </p:stCondLst>
+                            <p:childTnLst>
+                              <p:par>
+                                <p:cTn id="25" presetID="10" presetClass="entr" presetSubtype="0" fill="hold" nodeType="clickEffect">
+                                  <p:stCondLst>
+                                    <p:cond delay="0"/>
+                                  </p:stCondLst>
+                                  <p:childTnLst>
+                                    <p:set>
+                                      <p:cBhvr>
+                                        <p:cTn id="26" dur="1" fill="hold">
+                                          <p:stCondLst>
+                                            <p:cond delay="0"/>
+                                          </p:stCondLst>
+                                        </p:cTn>
+                                        <p:tgtEl>
+                                          <p:spTgt spid="3">
+                                            <p:txEl>
+                                              <p:pRg st="4" end="4"/>
+                                            </p:txEl>
+                                          </p:spTgt>
+                                        </p:tgtEl>
+                                        <p:attrNameLst>
+                                          <p:attrName>style.visibility</p:attrName>
+                                        </p:attrNameLst>
+                                      </p:cBhvr>
+                                      <p:to>
+                                        <p:strVal val="visible"/>
+                                      </p:to>
+                                    </p:set>
+                                    <p:animEffect transition="in" filter="fade">
+                                      <p:cBhvr>
+                                        <p:cTn id="27" dur="500"/>
+                                        <p:tgtEl>
+                                          <p:spTgt spid="3">
+                                            <p:txEl>
+                                              <p:pRg st="4" end="4"/>
+                                            </p:txEl>
+                                          </p:spTgt>
+                                        </p:tgtEl>
+                                      </p:cBhvr>
+                                    </p:animEffect>
+                                  </p:childTnLst>
+                                </p:cTn>
+                              </p:par>
+                            </p:childTnLst>
+                          </p:cTn>
+                        </p:par>
+                      </p:childTnLst>
+                    </p:cTn>
+                  </p:par>
+                  <p:par>
+                    <p:cTn id="28" fill="hold">
+                      <p:stCondLst>
+                        <p:cond delay="indefinite"/>
+                      </p:stCondLst>
+                      <p:childTnLst>
+                        <p:par>
+                          <p:cTn id="29" fill="hold">
+                            <p:stCondLst>
+                              <p:cond delay="0"/>
+                            </p:stCondLst>
+                            <p:childTnLst>
+                              <p:par>
+                                <p:cTn id="30" presetID="10" presetClass="entr" presetSubtype="0" fill="hold" nodeType="clickEffect">
+                                  <p:stCondLst>
+                                    <p:cond delay="0"/>
+                                  </p:stCondLst>
+                                  <p:childTnLst>
+                                    <p:set>
+                                      <p:cBhvr>
+                                        <p:cTn id="31" dur="1" fill="hold">
+                                          <p:stCondLst>
+                                            <p:cond delay="0"/>
+                                          </p:stCondLst>
+                                        </p:cTn>
+                                        <p:tgtEl>
+                                          <p:spTgt spid="3">
+                                            <p:txEl>
+                                              <p:pRg st="5" end="5"/>
+                                            </p:txEl>
+                                          </p:spTgt>
+                                        </p:tgtEl>
+                                        <p:attrNameLst>
+                                          <p:attrName>style.visibility</p:attrName>
+                                        </p:attrNameLst>
+                                      </p:cBhvr>
+                                      <p:to>
+                                        <p:strVal val="visible"/>
+                                      </p:to>
+                                    </p:set>
+                                    <p:animEffect transition="in" filter="fade">
+                                      <p:cBhvr>
+                                        <p:cTn id="32" dur="500"/>
+                                        <p:tgtEl>
+                                          <p:spTgt spid="3">
+                                            <p:txEl>
+                                              <p:pRg st="5" end="5"/>
+                                            </p:txEl>
+                                          </p:spTgt>
+                                        </p:tgtEl>
+                                      </p:cBhvr>
+                                    </p:animEffect>
+                                  </p:childTnLst>
+                                </p:cTn>
+                              </p:par>
+                            </p:childTnLst>
+                          </p:cTn>
+                        </p:par>
+                      </p:childTnLst>
+                    </p:cTn>
+                  </p:par>
+                </p:childTnLst>
+              </p:cTn>
+              <p:prevCondLst>
+                <p:cond evt="onPrev" delay="0">
+                  <p:tgtEl>
+                    <p:sldTgt/>
+                  </p:tgtEl>
+                </p:cond>
+              </p:prevCondLst>
+              <p:nextCondLst>
+                <p:cond evt="onNext" delay="0">
+                  <p:tgtEl>
+                    <p:sldTgt/>
+                  </p:tgtEl>
+                </p:cond>
+              </p:nextCondLst>
+            </p:seq>
+          </p:childTnLst>
+        </p:cTn>
+      </p:par>
+    </p:tnLst>
+  </p:timing>
 </p:sld>
 </file>
 
-<file path=ppt/slides/slide47.xml><?xml version="1.0" encoding="utf-8"?>
+<file path=ppt/slides/slide48.xml><?xml version="1.0" encoding="utf-8"?>
 <p:sld xmlns:a="http://schemas.openxmlformats.org/drawingml/2006/main" xmlns:r="http://schemas.openxmlformats.org/officeDocument/2006/relationships" xmlns:p="http://schemas.openxmlformats.org/presentationml/2006/main">
   <p:cSld>
     <p:spTree>
@@ -23739,7 +27053,7 @@
 </p:sld>
 </file>
 
-<file path=ppt/slides/slide48.xml><?xml version="1.0" encoding="utf-8"?>
+<file path=ppt/slides/slide49.xml><?xml version="1.0" encoding="utf-8"?>
 <p:sld xmlns:a="http://schemas.openxmlformats.org/drawingml/2006/main" xmlns:r="http://schemas.openxmlformats.org/officeDocument/2006/relationships" xmlns:p="http://schemas.openxmlformats.org/presentationml/2006/main">
   <p:cSld>
     <p:spTree>
@@ -23886,220 +27200,6 @@
     <p:extLst>
       <p:ext uri="{BB962C8B-B14F-4D97-AF65-F5344CB8AC3E}">
         <p14:creationId xmlns:p14="http://schemas.microsoft.com/office/powerpoint/2010/main" val="2614886982"/>
-      </p:ext>
-    </p:extLst>
-  </p:cSld>
-  <p:clrMapOvr>
-    <a:masterClrMapping/>
-  </p:clrMapOvr>
-</p:sld>
-</file>
-
-<file path=ppt/slides/slide49.xml><?xml version="1.0" encoding="utf-8"?>
-<p:sld xmlns:a="http://schemas.openxmlformats.org/drawingml/2006/main" xmlns:r="http://schemas.openxmlformats.org/officeDocument/2006/relationships" xmlns:p="http://schemas.openxmlformats.org/presentationml/2006/main">
-  <p:cSld>
-    <p:spTree>
-      <p:nvGrpSpPr>
-        <p:cNvPr id="1" name=""/>
-        <p:cNvGrpSpPr/>
-        <p:nvPr/>
-      </p:nvGrpSpPr>
-      <p:grpSpPr>
-        <a:xfrm>
-          <a:off x="0" y="0"/>
-          <a:ext cx="0" cy="0"/>
-          <a:chOff x="0" y="0"/>
-          <a:chExt cx="0" cy="0"/>
-        </a:xfrm>
-      </p:grpSpPr>
-      <p:sp>
-        <p:nvSpPr>
-          <p:cNvPr id="2" name="Title 1">
-            <a:extLst>
-              <a:ext uri="{FF2B5EF4-FFF2-40B4-BE49-F238E27FC236}">
-                <a16:creationId xmlns:a16="http://schemas.microsoft.com/office/drawing/2014/main" id="{FA5659CC-992D-4201-91B4-68E14C99C3D7}"/>
-              </a:ext>
-            </a:extLst>
-          </p:cNvPr>
-          <p:cNvSpPr>
-            <a:spLocks noGrp="1"/>
-          </p:cNvSpPr>
-          <p:nvPr>
-            <p:ph type="title"/>
-          </p:nvPr>
-        </p:nvSpPr>
-        <p:spPr>
-          <a:xfrm>
-            <a:off x="381000" y="181645"/>
-            <a:ext cx="9067165" cy="695960"/>
-          </a:xfrm>
-        </p:spPr>
-        <p:txBody>
-          <a:bodyPr/>
-          <a:lstStyle/>
-          <a:p>
-            <a:r>
-              <a:rPr lang="en-GB"/>
-              <a:t>LDA with Python</a:t>
-            </a:r>
-          </a:p>
-        </p:txBody>
-      </p:sp>
-      <p:sp>
-        <p:nvSpPr>
-          <p:cNvPr id="3" name="Text Placeholder 2">
-            <a:extLst>
-              <a:ext uri="{FF2B5EF4-FFF2-40B4-BE49-F238E27FC236}">
-                <a16:creationId xmlns:a16="http://schemas.microsoft.com/office/drawing/2014/main" id="{1AE0ED58-1ED8-3966-403E-45898904E0D3}"/>
-              </a:ext>
-            </a:extLst>
-          </p:cNvPr>
-          <p:cNvSpPr>
-            <a:spLocks noGrp="1"/>
-          </p:cNvSpPr>
-          <p:nvPr>
-            <p:ph type="body" idx="1"/>
-          </p:nvPr>
-        </p:nvSpPr>
-        <p:spPr>
-          <a:xfrm>
-            <a:off x="393700" y="990600"/>
-            <a:ext cx="11569700" cy="4062651"/>
-          </a:xfrm>
-        </p:spPr>
-        <p:txBody>
-          <a:bodyPr/>
-          <a:lstStyle/>
-          <a:p>
-            <a:r>
-              <a:rPr lang="en-GB" sz="2400" b="0" dirty="0"/>
-              <a:t>Run the model – Important Parameters</a:t>
-            </a:r>
-          </a:p>
-          <a:p>
-            <a:endParaRPr lang="en-GB" sz="2400" b="0" dirty="0"/>
-          </a:p>
-          <a:p>
-            <a:pPr marL="342900" indent="-342900">
-              <a:buFontTx/>
-              <a:buChar char="-"/>
-            </a:pPr>
-            <a:r>
-              <a:rPr lang="en-GB" sz="2400" b="0" dirty="0"/>
-              <a:t>https://radimrehurek.com/gensim/models/ldamodel.html</a:t>
-            </a:r>
-          </a:p>
-          <a:p>
-            <a:pPr marL="342900" indent="-342900">
-              <a:buFontTx/>
-              <a:buChar char="-"/>
-            </a:pPr>
-            <a:r>
-              <a:rPr lang="en-GB" sz="2400" b="0" dirty="0"/>
-              <a:t>Corpus</a:t>
-            </a:r>
-          </a:p>
-          <a:p>
-            <a:pPr marL="342900" indent="-342900">
-              <a:buFontTx/>
-              <a:buChar char="-"/>
-            </a:pPr>
-            <a:r>
-              <a:rPr lang="en-GB" sz="2400" b="0" dirty="0"/>
-              <a:t>Id2word</a:t>
-            </a:r>
-          </a:p>
-          <a:p>
-            <a:pPr marL="342900" indent="-342900">
-              <a:buFontTx/>
-              <a:buChar char="-"/>
-            </a:pPr>
-            <a:r>
-              <a:rPr lang="en-GB" sz="2400" b="0" dirty="0" err="1"/>
-              <a:t>Num_topics</a:t>
-            </a:r>
-            <a:endParaRPr lang="en-GB" sz="2400" b="0" dirty="0"/>
-          </a:p>
-          <a:p>
-            <a:pPr marL="342900" indent="-342900">
-              <a:buFontTx/>
-              <a:buChar char="-"/>
-            </a:pPr>
-            <a:r>
-              <a:rPr lang="en-GB" sz="2400" b="0" dirty="0" err="1"/>
-              <a:t>Random_state</a:t>
-            </a:r>
-            <a:endParaRPr lang="en-GB" sz="2400" b="0" dirty="0"/>
-          </a:p>
-          <a:p>
-            <a:pPr marL="342900" indent="-342900">
-              <a:buFontTx/>
-              <a:buChar char="-"/>
-            </a:pPr>
-            <a:r>
-              <a:rPr lang="en-GB" sz="2400" b="0" dirty="0"/>
-              <a:t>Alpha</a:t>
-            </a:r>
-          </a:p>
-          <a:p>
-            <a:pPr marL="342900" indent="-342900">
-              <a:buFontTx/>
-              <a:buChar char="-"/>
-            </a:pPr>
-            <a:r>
-              <a:rPr lang="en-GB" sz="2400" b="0" dirty="0"/>
-              <a:t>Eta</a:t>
-            </a:r>
-          </a:p>
-          <a:p>
-            <a:pPr marL="342900" indent="-342900">
-              <a:buFontTx/>
-              <a:buChar char="-"/>
-            </a:pPr>
-            <a:r>
-              <a:rPr lang="en-GB" sz="2400" b="0" dirty="0"/>
-              <a:t>Etc.</a:t>
-            </a:r>
-          </a:p>
-          <a:p>
-            <a:endParaRPr lang="en-GB" sz="2400" b="0" dirty="0"/>
-          </a:p>
-        </p:txBody>
-      </p:sp>
-      <p:pic>
-        <p:nvPicPr>
-          <p:cNvPr id="5" name="Picture 4">
-            <a:extLst>
-              <a:ext uri="{FF2B5EF4-FFF2-40B4-BE49-F238E27FC236}">
-                <a16:creationId xmlns:a16="http://schemas.microsoft.com/office/drawing/2014/main" id="{27A55832-4986-0C69-96A1-B3CBBF4DF66A}"/>
-              </a:ext>
-            </a:extLst>
-          </p:cNvPr>
-          <p:cNvPicPr>
-            <a:picLocks noChangeAspect="1"/>
-          </p:cNvPicPr>
-          <p:nvPr/>
-        </p:nvPicPr>
-        <p:blipFill>
-          <a:blip r:embed="rId2"/>
-          <a:stretch>
-            <a:fillRect/>
-          </a:stretch>
-        </p:blipFill>
-        <p:spPr>
-          <a:xfrm>
-            <a:off x="2956605" y="2529568"/>
-            <a:ext cx="8905875" cy="3409950"/>
-          </a:xfrm>
-          <a:prstGeom prst="rect">
-            <a:avLst/>
-          </a:prstGeom>
-        </p:spPr>
-      </p:pic>
-    </p:spTree>
-    <p:extLst>
-      <p:ext uri="{BB962C8B-B14F-4D97-AF65-F5344CB8AC3E}">
-        <p14:creationId xmlns:p14="http://schemas.microsoft.com/office/powerpoint/2010/main" val="168474399"/>
       </p:ext>
     </p:extLst>
   </p:cSld>
@@ -24376,6 +27476,220 @@
       </p:grpSpPr>
       <p:sp>
         <p:nvSpPr>
+          <p:cNvPr id="2" name="Title 1">
+            <a:extLst>
+              <a:ext uri="{FF2B5EF4-FFF2-40B4-BE49-F238E27FC236}">
+                <a16:creationId xmlns:a16="http://schemas.microsoft.com/office/drawing/2014/main" id="{FA5659CC-992D-4201-91B4-68E14C99C3D7}"/>
+              </a:ext>
+            </a:extLst>
+          </p:cNvPr>
+          <p:cNvSpPr>
+            <a:spLocks noGrp="1"/>
+          </p:cNvSpPr>
+          <p:nvPr>
+            <p:ph type="title"/>
+          </p:nvPr>
+        </p:nvSpPr>
+        <p:spPr>
+          <a:xfrm>
+            <a:off x="381000" y="181645"/>
+            <a:ext cx="9067165" cy="695960"/>
+          </a:xfrm>
+        </p:spPr>
+        <p:txBody>
+          <a:bodyPr/>
+          <a:lstStyle/>
+          <a:p>
+            <a:r>
+              <a:rPr lang="en-GB"/>
+              <a:t>LDA with Python</a:t>
+            </a:r>
+          </a:p>
+        </p:txBody>
+      </p:sp>
+      <p:sp>
+        <p:nvSpPr>
+          <p:cNvPr id="3" name="Text Placeholder 2">
+            <a:extLst>
+              <a:ext uri="{FF2B5EF4-FFF2-40B4-BE49-F238E27FC236}">
+                <a16:creationId xmlns:a16="http://schemas.microsoft.com/office/drawing/2014/main" id="{1AE0ED58-1ED8-3966-403E-45898904E0D3}"/>
+              </a:ext>
+            </a:extLst>
+          </p:cNvPr>
+          <p:cNvSpPr>
+            <a:spLocks noGrp="1"/>
+          </p:cNvSpPr>
+          <p:nvPr>
+            <p:ph type="body" idx="1"/>
+          </p:nvPr>
+        </p:nvSpPr>
+        <p:spPr>
+          <a:xfrm>
+            <a:off x="393700" y="990600"/>
+            <a:ext cx="11569700" cy="4062651"/>
+          </a:xfrm>
+        </p:spPr>
+        <p:txBody>
+          <a:bodyPr/>
+          <a:lstStyle/>
+          <a:p>
+            <a:r>
+              <a:rPr lang="en-GB" sz="2400" b="0" dirty="0"/>
+              <a:t>Run the model – Important Parameters</a:t>
+            </a:r>
+          </a:p>
+          <a:p>
+            <a:endParaRPr lang="en-GB" sz="2400" b="0" dirty="0"/>
+          </a:p>
+          <a:p>
+            <a:pPr marL="342900" indent="-342900">
+              <a:buFontTx/>
+              <a:buChar char="-"/>
+            </a:pPr>
+            <a:r>
+              <a:rPr lang="en-GB" sz="2400" b="0" dirty="0"/>
+              <a:t>https://radimrehurek.com/gensim/models/ldamodel.html</a:t>
+            </a:r>
+          </a:p>
+          <a:p>
+            <a:pPr marL="342900" indent="-342900">
+              <a:buFontTx/>
+              <a:buChar char="-"/>
+            </a:pPr>
+            <a:r>
+              <a:rPr lang="en-GB" sz="2400" b="0" dirty="0"/>
+              <a:t>Corpus</a:t>
+            </a:r>
+          </a:p>
+          <a:p>
+            <a:pPr marL="342900" indent="-342900">
+              <a:buFontTx/>
+              <a:buChar char="-"/>
+            </a:pPr>
+            <a:r>
+              <a:rPr lang="en-GB" sz="2400" b="0" dirty="0"/>
+              <a:t>Id2word</a:t>
+            </a:r>
+          </a:p>
+          <a:p>
+            <a:pPr marL="342900" indent="-342900">
+              <a:buFontTx/>
+              <a:buChar char="-"/>
+            </a:pPr>
+            <a:r>
+              <a:rPr lang="en-GB" sz="2400" b="0" dirty="0" err="1"/>
+              <a:t>Num_topics</a:t>
+            </a:r>
+            <a:endParaRPr lang="en-GB" sz="2400" b="0" dirty="0"/>
+          </a:p>
+          <a:p>
+            <a:pPr marL="342900" indent="-342900">
+              <a:buFontTx/>
+              <a:buChar char="-"/>
+            </a:pPr>
+            <a:r>
+              <a:rPr lang="en-GB" sz="2400" b="0" dirty="0" err="1"/>
+              <a:t>Random_state</a:t>
+            </a:r>
+            <a:endParaRPr lang="en-GB" sz="2400" b="0" dirty="0"/>
+          </a:p>
+          <a:p>
+            <a:pPr marL="342900" indent="-342900">
+              <a:buFontTx/>
+              <a:buChar char="-"/>
+            </a:pPr>
+            <a:r>
+              <a:rPr lang="en-GB" sz="2400" b="0" dirty="0"/>
+              <a:t>Alpha</a:t>
+            </a:r>
+          </a:p>
+          <a:p>
+            <a:pPr marL="342900" indent="-342900">
+              <a:buFontTx/>
+              <a:buChar char="-"/>
+            </a:pPr>
+            <a:r>
+              <a:rPr lang="en-GB" sz="2400" b="0" dirty="0"/>
+              <a:t>Eta</a:t>
+            </a:r>
+          </a:p>
+          <a:p>
+            <a:pPr marL="342900" indent="-342900">
+              <a:buFontTx/>
+              <a:buChar char="-"/>
+            </a:pPr>
+            <a:r>
+              <a:rPr lang="en-GB" sz="2400" b="0" dirty="0"/>
+              <a:t>Etc.</a:t>
+            </a:r>
+          </a:p>
+          <a:p>
+            <a:endParaRPr lang="en-GB" sz="2400" b="0" dirty="0"/>
+          </a:p>
+        </p:txBody>
+      </p:sp>
+      <p:pic>
+        <p:nvPicPr>
+          <p:cNvPr id="5" name="Picture 4">
+            <a:extLst>
+              <a:ext uri="{FF2B5EF4-FFF2-40B4-BE49-F238E27FC236}">
+                <a16:creationId xmlns:a16="http://schemas.microsoft.com/office/drawing/2014/main" id="{27A55832-4986-0C69-96A1-B3CBBF4DF66A}"/>
+              </a:ext>
+            </a:extLst>
+          </p:cNvPr>
+          <p:cNvPicPr>
+            <a:picLocks noChangeAspect="1"/>
+          </p:cNvPicPr>
+          <p:nvPr/>
+        </p:nvPicPr>
+        <p:blipFill>
+          <a:blip r:embed="rId2"/>
+          <a:stretch>
+            <a:fillRect/>
+          </a:stretch>
+        </p:blipFill>
+        <p:spPr>
+          <a:xfrm>
+            <a:off x="2956605" y="2529568"/>
+            <a:ext cx="8905875" cy="3409950"/>
+          </a:xfrm>
+          <a:prstGeom prst="rect">
+            <a:avLst/>
+          </a:prstGeom>
+        </p:spPr>
+      </p:pic>
+    </p:spTree>
+    <p:extLst>
+      <p:ext uri="{BB962C8B-B14F-4D97-AF65-F5344CB8AC3E}">
+        <p14:creationId xmlns:p14="http://schemas.microsoft.com/office/powerpoint/2010/main" val="168474399"/>
+      </p:ext>
+    </p:extLst>
+  </p:cSld>
+  <p:clrMapOvr>
+    <a:masterClrMapping/>
+  </p:clrMapOvr>
+</p:sld>
+</file>
+
+<file path=ppt/slides/slide51.xml><?xml version="1.0" encoding="utf-8"?>
+<p:sld xmlns:a="http://schemas.openxmlformats.org/drawingml/2006/main" xmlns:r="http://schemas.openxmlformats.org/officeDocument/2006/relationships" xmlns:p="http://schemas.openxmlformats.org/presentationml/2006/main">
+  <p:cSld>
+    <p:spTree>
+      <p:nvGrpSpPr>
+        <p:cNvPr id="1" name=""/>
+        <p:cNvGrpSpPr/>
+        <p:nvPr/>
+      </p:nvGrpSpPr>
+      <p:grpSpPr>
+        <a:xfrm>
+          <a:off x="0" y="0"/>
+          <a:ext cx="0" cy="0"/>
+          <a:chOff x="0" y="0"/>
+          <a:chExt cx="0" cy="0"/>
+        </a:xfrm>
+      </p:grpSpPr>
+      <p:sp>
+        <p:nvSpPr>
           <p:cNvPr id="3" name="Text Placeholder 2">
             <a:extLst>
               <a:ext uri="{FF2B5EF4-FFF2-40B4-BE49-F238E27FC236}">
@@ -24592,7 +27906,7 @@
 </p:sld>
 </file>
 
-<file path=ppt/slides/slide51.xml><?xml version="1.0" encoding="utf-8"?>
+<file path=ppt/slides/slide52.xml><?xml version="1.0" encoding="utf-8"?>
 <p:sld xmlns:a="http://schemas.openxmlformats.org/drawingml/2006/main" xmlns:r="http://schemas.openxmlformats.org/officeDocument/2006/relationships" xmlns:p="http://schemas.openxmlformats.org/presentationml/2006/main">
   <p:cSld>
     <p:spTree>
@@ -24958,7 +28272,7 @@
 </p:sld>
 </file>
 
-<file path=ppt/slides/slide52.xml><?xml version="1.0" encoding="utf-8"?>
+<file path=ppt/slides/slide53.xml><?xml version="1.0" encoding="utf-8"?>
 <p:sld xmlns:a="http://schemas.openxmlformats.org/drawingml/2006/main" xmlns:r="http://schemas.openxmlformats.org/officeDocument/2006/relationships" xmlns:p="http://schemas.openxmlformats.org/presentationml/2006/main">
   <p:cSld>
     <p:spTree>
@@ -25053,8 +28367,8 @@
         </p:blipFill>
         <p:spPr>
           <a:xfrm>
-            <a:off x="671879" y="2597234"/>
-            <a:ext cx="11399783" cy="2451112"/>
+            <a:off x="96188" y="2463800"/>
+            <a:ext cx="11941608" cy="2567612"/>
           </a:xfrm>
           <a:prstGeom prst="rect">
             <a:avLst/>
@@ -25074,7 +28388,7 @@
 </p:sld>
 </file>
 
-<file path=ppt/slides/slide53.xml><?xml version="1.0" encoding="utf-8"?>
+<file path=ppt/slides/slide54.xml><?xml version="1.0" encoding="utf-8"?>
 <p:sld xmlns:a="http://schemas.openxmlformats.org/drawingml/2006/main" xmlns:r="http://schemas.openxmlformats.org/officeDocument/2006/relationships" xmlns:p="http://schemas.openxmlformats.org/presentationml/2006/main">
   <p:cSld>
     <p:spTree>
@@ -25642,7 +28956,7 @@
 </p:sld>
 </file>
 
-<file path=ppt/slides/slide54.xml><?xml version="1.0" encoding="utf-8"?>
+<file path=ppt/slides/slide55.xml><?xml version="1.0" encoding="utf-8"?>
 <p:sld xmlns:a="http://schemas.openxmlformats.org/drawingml/2006/main" xmlns:r="http://schemas.openxmlformats.org/officeDocument/2006/relationships" xmlns:p="http://schemas.openxmlformats.org/presentationml/2006/main">
   <p:cSld>
     <p:spTree>
@@ -25782,7 +29096,7 @@
 </p:sld>
 </file>
 
-<file path=ppt/slides/slide55.xml><?xml version="1.0" encoding="utf-8"?>
+<file path=ppt/slides/slide56.xml><?xml version="1.0" encoding="utf-8"?>
 <p:sld xmlns:a="http://schemas.openxmlformats.org/drawingml/2006/main" xmlns:r="http://schemas.openxmlformats.org/officeDocument/2006/relationships" xmlns:p="http://schemas.openxmlformats.org/presentationml/2006/main">
   <p:cSld>
     <p:spTree>
@@ -25922,7 +29236,7 @@
 </p:sld>
 </file>
 
-<file path=ppt/slides/slide56.xml><?xml version="1.0" encoding="utf-8"?>
+<file path=ppt/slides/slide57.xml><?xml version="1.0" encoding="utf-8"?>
 <p:sld xmlns:a="http://schemas.openxmlformats.org/drawingml/2006/main" xmlns:r="http://schemas.openxmlformats.org/officeDocument/2006/relationships" xmlns:p="http://schemas.openxmlformats.org/presentationml/2006/main">
   <p:cSld>
     <p:spTree>
@@ -26166,7 +29480,7 @@
         </p:blipFill>
         <p:spPr>
           <a:xfrm>
-            <a:off x="1756229" y="1323972"/>
+            <a:off x="2357362" y="1232933"/>
             <a:ext cx="9223380" cy="5534028"/>
           </a:xfrm>
           <a:prstGeom prst="rect">
@@ -26270,7 +29584,7 @@
 </p:sld>
 </file>
 
-<file path=ppt/slides/slide57.xml><?xml version="1.0" encoding="utf-8"?>
+<file path=ppt/slides/slide58.xml><?xml version="1.0" encoding="utf-8"?>
 <p:sld xmlns:a="http://schemas.openxmlformats.org/drawingml/2006/main" xmlns:r="http://schemas.openxmlformats.org/officeDocument/2006/relationships" xmlns:p="http://schemas.openxmlformats.org/presentationml/2006/main">
   <p:cSld>
     <p:spTree>
@@ -26398,7 +29712,7 @@
 </p:sld>
 </file>
 
-<file path=ppt/slides/slide58.xml><?xml version="1.0" encoding="utf-8"?>
+<file path=ppt/slides/slide59.xml><?xml version="1.0" encoding="utf-8"?>
 <p:sld xmlns:a="http://schemas.openxmlformats.org/drawingml/2006/main" xmlns:r="http://schemas.openxmlformats.org/officeDocument/2006/relationships" xmlns:p="http://schemas.openxmlformats.org/presentationml/2006/main">
   <p:cSld>
     <p:spTree>
@@ -26492,7 +29806,276 @@
 </p:sld>
 </file>
 
-<file path=ppt/slides/slide59.xml><?xml version="1.0" encoding="utf-8"?>
+<file path=ppt/slides/slide6.xml><?xml version="1.0" encoding="utf-8"?>
+<p:sld xmlns:a="http://schemas.openxmlformats.org/drawingml/2006/main" xmlns:r="http://schemas.openxmlformats.org/officeDocument/2006/relationships" xmlns:p="http://schemas.openxmlformats.org/presentationml/2006/main" show="0">
+  <p:cSld>
+    <p:spTree>
+      <p:nvGrpSpPr>
+        <p:cNvPr id="1" name=""/>
+        <p:cNvGrpSpPr/>
+        <p:nvPr/>
+      </p:nvGrpSpPr>
+      <p:grpSpPr>
+        <a:xfrm>
+          <a:off x="0" y="0"/>
+          <a:ext cx="0" cy="0"/>
+          <a:chOff x="0" y="0"/>
+          <a:chExt cx="0" cy="0"/>
+        </a:xfrm>
+      </p:grpSpPr>
+      <p:sp>
+        <p:nvSpPr>
+          <p:cNvPr id="2" name="object 2"/>
+          <p:cNvSpPr txBox="1">
+            <a:spLocks noGrp="1"/>
+          </p:cNvSpPr>
+          <p:nvPr>
+            <p:ph type="title"/>
+          </p:nvPr>
+        </p:nvSpPr>
+        <p:spPr>
+          <a:xfrm>
+            <a:off x="831055" y="1190890"/>
+            <a:ext cx="11101301" cy="566822"/>
+          </a:xfrm>
+          <a:prstGeom prst="rect">
+            <a:avLst/>
+          </a:prstGeom>
+        </p:spPr>
+        <p:txBody>
+          <a:bodyPr vert="horz" wrap="square" lIns="0" tIns="12700" rIns="0" bIns="0" rtlCol="0">
+            <a:spAutoFit/>
+          </a:bodyPr>
+          <a:lstStyle/>
+          <a:p>
+            <a:pPr marL="12700">
+              <a:lnSpc>
+                <a:spcPct val="100000"/>
+              </a:lnSpc>
+              <a:spcBef>
+                <a:spcPts val="100"/>
+              </a:spcBef>
+            </a:pPr>
+            <a:r>
+              <a:rPr lang="en-GB" sz="3600" spc="-55" dirty="0"/>
+              <a:t>Session 1. Getting started and Text Cleaning</a:t>
+            </a:r>
+            <a:endParaRPr sz="3600" dirty="0"/>
+          </a:p>
+        </p:txBody>
+      </p:sp>
+      <p:sp>
+        <p:nvSpPr>
+          <p:cNvPr id="3" name="object 3"/>
+          <p:cNvSpPr txBox="1"/>
+          <p:nvPr/>
+        </p:nvSpPr>
+        <p:spPr>
+          <a:xfrm>
+            <a:off x="990600" y="2133600"/>
+            <a:ext cx="10896600" cy="3991477"/>
+          </a:xfrm>
+          <a:prstGeom prst="rect">
+            <a:avLst/>
+          </a:prstGeom>
+        </p:spPr>
+        <p:txBody>
+          <a:bodyPr vert="horz" wrap="square" lIns="0" tIns="94615" rIns="0" bIns="0" rtlCol="0">
+            <a:spAutoFit/>
+          </a:bodyPr>
+          <a:lstStyle/>
+          <a:p>
+            <a:pPr marL="605790" lvl="1" indent="-593725">
+              <a:lnSpc>
+                <a:spcPct val="100000"/>
+              </a:lnSpc>
+              <a:spcBef>
+                <a:spcPts val="745"/>
+              </a:spcBef>
+              <a:buAutoNum type="arabicPeriod"/>
+              <a:tabLst>
+                <a:tab pos="606425" algn="l"/>
+              </a:tabLst>
+            </a:pPr>
+            <a:r>
+              <a:rPr lang="en-GB" sz="2800" dirty="0">
+                <a:latin typeface="Arial"/>
+                <a:cs typeface="Arial"/>
+              </a:rPr>
+              <a:t>Warm-up (10 mins)</a:t>
+            </a:r>
+          </a:p>
+          <a:p>
+            <a:pPr marL="605790" lvl="1" indent="-593725">
+              <a:spcBef>
+                <a:spcPts val="745"/>
+              </a:spcBef>
+              <a:buAutoNum type="arabicPeriod"/>
+              <a:tabLst>
+                <a:tab pos="606425" algn="l"/>
+              </a:tabLst>
+            </a:pPr>
+            <a:r>
+              <a:rPr lang="en-GB" sz="2800" dirty="0">
+                <a:latin typeface="Arial"/>
+                <a:cs typeface="Arial"/>
+              </a:rPr>
+              <a:t>Theory – Why is text cleaning and pre-processing utmost important? (10 mins)</a:t>
+            </a:r>
+          </a:p>
+          <a:p>
+            <a:pPr marL="605790" lvl="1" indent="-593725">
+              <a:spcBef>
+                <a:spcPts val="745"/>
+              </a:spcBef>
+              <a:buAutoNum type="arabicPeriod"/>
+              <a:tabLst>
+                <a:tab pos="606425" algn="l"/>
+              </a:tabLst>
+            </a:pPr>
+            <a:r>
+              <a:rPr lang="en-GB" sz="2800" dirty="0">
+                <a:latin typeface="Arial"/>
+                <a:cs typeface="Arial"/>
+              </a:rPr>
+              <a:t>Setting up the environment (5 mins)</a:t>
+            </a:r>
+          </a:p>
+          <a:p>
+            <a:pPr marL="605790" lvl="1" indent="-593725">
+              <a:lnSpc>
+                <a:spcPct val="100000"/>
+              </a:lnSpc>
+              <a:spcBef>
+                <a:spcPts val="745"/>
+              </a:spcBef>
+              <a:buAutoNum type="arabicPeriod"/>
+              <a:tabLst>
+                <a:tab pos="606425" algn="l"/>
+              </a:tabLst>
+            </a:pPr>
+            <a:r>
+              <a:rPr lang="en-GB" sz="2800" dirty="0">
+                <a:latin typeface="Arial"/>
+                <a:cs typeface="Arial"/>
+              </a:rPr>
+              <a:t>Data collection &amp; inspection from Scopus and Web of Science (25 mins)</a:t>
+            </a:r>
+          </a:p>
+          <a:p>
+            <a:pPr marL="605790" lvl="1" indent="-593725">
+              <a:lnSpc>
+                <a:spcPct val="100000"/>
+              </a:lnSpc>
+              <a:spcBef>
+                <a:spcPts val="745"/>
+              </a:spcBef>
+              <a:buAutoNum type="arabicPeriod"/>
+              <a:tabLst>
+                <a:tab pos="606425" algn="l"/>
+              </a:tabLst>
+            </a:pPr>
+            <a:r>
+              <a:rPr lang="en-GB" sz="2800" dirty="0">
+                <a:latin typeface="Arial"/>
+                <a:cs typeface="Arial"/>
+              </a:rPr>
+              <a:t>Basic text data cleaning (20 mins)</a:t>
+            </a:r>
+          </a:p>
+          <a:p>
+            <a:pPr marL="605790" lvl="1" indent="-593725">
+              <a:lnSpc>
+                <a:spcPct val="100000"/>
+              </a:lnSpc>
+              <a:spcBef>
+                <a:spcPts val="745"/>
+              </a:spcBef>
+              <a:buAutoNum type="arabicPeriod"/>
+              <a:tabLst>
+                <a:tab pos="606425" algn="l"/>
+              </a:tabLst>
+            </a:pPr>
+            <a:r>
+              <a:rPr lang="en-GB" sz="2800" dirty="0">
+                <a:latin typeface="Arial"/>
+                <a:cs typeface="Arial"/>
+              </a:rPr>
+              <a:t>Practice in your own data (20 mins)</a:t>
+            </a:r>
+            <a:endParaRPr sz="2800" dirty="0">
+              <a:latin typeface="Arial"/>
+              <a:cs typeface="Arial"/>
+            </a:endParaRPr>
+          </a:p>
+        </p:txBody>
+      </p:sp>
+      <p:sp>
+        <p:nvSpPr>
+          <p:cNvPr id="4" name="object 2">
+            <a:extLst>
+              <a:ext uri="{FF2B5EF4-FFF2-40B4-BE49-F238E27FC236}">
+                <a16:creationId xmlns:a16="http://schemas.microsoft.com/office/drawing/2014/main" id="{A5096FE3-1200-60FB-C31C-6CE12AC856AF}"/>
+              </a:ext>
+            </a:extLst>
+          </p:cNvPr>
+          <p:cNvSpPr txBox="1">
+            <a:spLocks/>
+          </p:cNvSpPr>
+          <p:nvPr/>
+        </p:nvSpPr>
+        <p:spPr>
+          <a:xfrm>
+            <a:off x="862099" y="152908"/>
+            <a:ext cx="1998345" cy="695960"/>
+          </a:xfrm>
+          <a:prstGeom prst="rect">
+            <a:avLst/>
+          </a:prstGeom>
+        </p:spPr>
+        <p:txBody>
+          <a:bodyPr vert="horz" wrap="square" lIns="0" tIns="12700" rIns="0" bIns="0" rtlCol="0">
+            <a:spAutoFit/>
+          </a:bodyPr>
+          <a:lstStyle>
+            <a:lvl1pPr>
+              <a:defRPr sz="4400" b="1" i="0">
+                <a:solidFill>
+                  <a:srgbClr val="2E3E80"/>
+                </a:solidFill>
+                <a:latin typeface="Arial"/>
+                <a:ea typeface="+mj-ea"/>
+                <a:cs typeface="Arial"/>
+              </a:defRPr>
+            </a:lvl1pPr>
+          </a:lstStyle>
+          <a:p>
+            <a:pPr marL="12700">
+              <a:spcBef>
+                <a:spcPts val="100"/>
+              </a:spcBef>
+            </a:pPr>
+            <a:r>
+              <a:rPr lang="en-GB" spc="-100"/>
+              <a:t>Agenda</a:t>
+            </a:r>
+          </a:p>
+        </p:txBody>
+      </p:sp>
+    </p:spTree>
+    <p:extLst>
+      <p:ext uri="{BB962C8B-B14F-4D97-AF65-F5344CB8AC3E}">
+        <p14:creationId xmlns:p14="http://schemas.microsoft.com/office/powerpoint/2010/main" val="4115999060"/>
+      </p:ext>
+    </p:extLst>
+  </p:cSld>
+  <p:clrMapOvr>
+    <a:masterClrMapping/>
+  </p:clrMapOvr>
+</p:sld>
+</file>
+
+<file path=ppt/slides/slide60.xml><?xml version="1.0" encoding="utf-8"?>
 <p:sld xmlns:a="http://schemas.openxmlformats.org/drawingml/2006/main" xmlns:r="http://schemas.openxmlformats.org/officeDocument/2006/relationships" xmlns:p="http://schemas.openxmlformats.org/presentationml/2006/main">
   <p:cSld>
     <p:spTree>
@@ -26595,276 +30178,7 @@
 </p:sld>
 </file>
 
-<file path=ppt/slides/slide6.xml><?xml version="1.0" encoding="utf-8"?>
-<p:sld xmlns:a="http://schemas.openxmlformats.org/drawingml/2006/main" xmlns:r="http://schemas.openxmlformats.org/officeDocument/2006/relationships" xmlns:p="http://schemas.openxmlformats.org/presentationml/2006/main">
-  <p:cSld>
-    <p:spTree>
-      <p:nvGrpSpPr>
-        <p:cNvPr id="1" name=""/>
-        <p:cNvGrpSpPr/>
-        <p:nvPr/>
-      </p:nvGrpSpPr>
-      <p:grpSpPr>
-        <a:xfrm>
-          <a:off x="0" y="0"/>
-          <a:ext cx="0" cy="0"/>
-          <a:chOff x="0" y="0"/>
-          <a:chExt cx="0" cy="0"/>
-        </a:xfrm>
-      </p:grpSpPr>
-      <p:sp>
-        <p:nvSpPr>
-          <p:cNvPr id="2" name="object 2"/>
-          <p:cNvSpPr txBox="1">
-            <a:spLocks noGrp="1"/>
-          </p:cNvSpPr>
-          <p:nvPr>
-            <p:ph type="title"/>
-          </p:nvPr>
-        </p:nvSpPr>
-        <p:spPr>
-          <a:xfrm>
-            <a:off x="831055" y="1190890"/>
-            <a:ext cx="11101301" cy="566822"/>
-          </a:xfrm>
-          <a:prstGeom prst="rect">
-            <a:avLst/>
-          </a:prstGeom>
-        </p:spPr>
-        <p:txBody>
-          <a:bodyPr vert="horz" wrap="square" lIns="0" tIns="12700" rIns="0" bIns="0" rtlCol="0">
-            <a:spAutoFit/>
-          </a:bodyPr>
-          <a:lstStyle/>
-          <a:p>
-            <a:pPr marL="12700">
-              <a:lnSpc>
-                <a:spcPct val="100000"/>
-              </a:lnSpc>
-              <a:spcBef>
-                <a:spcPts val="100"/>
-              </a:spcBef>
-            </a:pPr>
-            <a:r>
-              <a:rPr lang="en-GB" sz="3600" spc="-55" dirty="0"/>
-              <a:t>Session 1. Getting started and Text Cleaning</a:t>
-            </a:r>
-            <a:endParaRPr sz="3600" dirty="0"/>
-          </a:p>
-        </p:txBody>
-      </p:sp>
-      <p:sp>
-        <p:nvSpPr>
-          <p:cNvPr id="3" name="object 3"/>
-          <p:cNvSpPr txBox="1"/>
-          <p:nvPr/>
-        </p:nvSpPr>
-        <p:spPr>
-          <a:xfrm>
-            <a:off x="990600" y="2133600"/>
-            <a:ext cx="10896600" cy="3991477"/>
-          </a:xfrm>
-          <a:prstGeom prst="rect">
-            <a:avLst/>
-          </a:prstGeom>
-        </p:spPr>
-        <p:txBody>
-          <a:bodyPr vert="horz" wrap="square" lIns="0" tIns="94615" rIns="0" bIns="0" rtlCol="0">
-            <a:spAutoFit/>
-          </a:bodyPr>
-          <a:lstStyle/>
-          <a:p>
-            <a:pPr marL="605790" lvl="1" indent="-593725">
-              <a:lnSpc>
-                <a:spcPct val="100000"/>
-              </a:lnSpc>
-              <a:spcBef>
-                <a:spcPts val="745"/>
-              </a:spcBef>
-              <a:buAutoNum type="arabicPeriod"/>
-              <a:tabLst>
-                <a:tab pos="606425" algn="l"/>
-              </a:tabLst>
-            </a:pPr>
-            <a:r>
-              <a:rPr lang="en-GB" sz="2800" dirty="0">
-                <a:latin typeface="Arial"/>
-                <a:cs typeface="Arial"/>
-              </a:rPr>
-              <a:t>Warm-up (10 mins)</a:t>
-            </a:r>
-          </a:p>
-          <a:p>
-            <a:pPr marL="605790" lvl="1" indent="-593725">
-              <a:spcBef>
-                <a:spcPts val="745"/>
-              </a:spcBef>
-              <a:buAutoNum type="arabicPeriod"/>
-              <a:tabLst>
-                <a:tab pos="606425" algn="l"/>
-              </a:tabLst>
-            </a:pPr>
-            <a:r>
-              <a:rPr lang="en-GB" sz="2800" dirty="0">
-                <a:latin typeface="Arial"/>
-                <a:cs typeface="Arial"/>
-              </a:rPr>
-              <a:t>Theory – Why is text cleaning and pre-processing utmost important? (10 mins)</a:t>
-            </a:r>
-          </a:p>
-          <a:p>
-            <a:pPr marL="605790" lvl="1" indent="-593725">
-              <a:spcBef>
-                <a:spcPts val="745"/>
-              </a:spcBef>
-              <a:buAutoNum type="arabicPeriod"/>
-              <a:tabLst>
-                <a:tab pos="606425" algn="l"/>
-              </a:tabLst>
-            </a:pPr>
-            <a:r>
-              <a:rPr lang="en-GB" sz="2800" dirty="0">
-                <a:latin typeface="Arial"/>
-                <a:cs typeface="Arial"/>
-              </a:rPr>
-              <a:t>Setting up the environment (5 mins)</a:t>
-            </a:r>
-          </a:p>
-          <a:p>
-            <a:pPr marL="605790" lvl="1" indent="-593725">
-              <a:lnSpc>
-                <a:spcPct val="100000"/>
-              </a:lnSpc>
-              <a:spcBef>
-                <a:spcPts val="745"/>
-              </a:spcBef>
-              <a:buAutoNum type="arabicPeriod"/>
-              <a:tabLst>
-                <a:tab pos="606425" algn="l"/>
-              </a:tabLst>
-            </a:pPr>
-            <a:r>
-              <a:rPr lang="en-GB" sz="2800" dirty="0">
-                <a:latin typeface="Arial"/>
-                <a:cs typeface="Arial"/>
-              </a:rPr>
-              <a:t>Data collection &amp; inspection from Scopus and Web of Science (25 mins)</a:t>
-            </a:r>
-          </a:p>
-          <a:p>
-            <a:pPr marL="605790" lvl="1" indent="-593725">
-              <a:lnSpc>
-                <a:spcPct val="100000"/>
-              </a:lnSpc>
-              <a:spcBef>
-                <a:spcPts val="745"/>
-              </a:spcBef>
-              <a:buAutoNum type="arabicPeriod"/>
-              <a:tabLst>
-                <a:tab pos="606425" algn="l"/>
-              </a:tabLst>
-            </a:pPr>
-            <a:r>
-              <a:rPr lang="en-GB" sz="2800" dirty="0">
-                <a:latin typeface="Arial"/>
-                <a:cs typeface="Arial"/>
-              </a:rPr>
-              <a:t>Basic text data cleaning (20 mins)</a:t>
-            </a:r>
-          </a:p>
-          <a:p>
-            <a:pPr marL="605790" lvl="1" indent="-593725">
-              <a:lnSpc>
-                <a:spcPct val="100000"/>
-              </a:lnSpc>
-              <a:spcBef>
-                <a:spcPts val="745"/>
-              </a:spcBef>
-              <a:buAutoNum type="arabicPeriod"/>
-              <a:tabLst>
-                <a:tab pos="606425" algn="l"/>
-              </a:tabLst>
-            </a:pPr>
-            <a:r>
-              <a:rPr lang="en-GB" sz="2800" dirty="0">
-                <a:latin typeface="Arial"/>
-                <a:cs typeface="Arial"/>
-              </a:rPr>
-              <a:t>Practice in your own data (20 mins)</a:t>
-            </a:r>
-            <a:endParaRPr sz="2800" dirty="0">
-              <a:latin typeface="Arial"/>
-              <a:cs typeface="Arial"/>
-            </a:endParaRPr>
-          </a:p>
-        </p:txBody>
-      </p:sp>
-      <p:sp>
-        <p:nvSpPr>
-          <p:cNvPr id="4" name="object 2">
-            <a:extLst>
-              <a:ext uri="{FF2B5EF4-FFF2-40B4-BE49-F238E27FC236}">
-                <a16:creationId xmlns:a16="http://schemas.microsoft.com/office/drawing/2014/main" id="{A5096FE3-1200-60FB-C31C-6CE12AC856AF}"/>
-              </a:ext>
-            </a:extLst>
-          </p:cNvPr>
-          <p:cNvSpPr txBox="1">
-            <a:spLocks/>
-          </p:cNvSpPr>
-          <p:nvPr/>
-        </p:nvSpPr>
-        <p:spPr>
-          <a:xfrm>
-            <a:off x="862099" y="152908"/>
-            <a:ext cx="1998345" cy="695960"/>
-          </a:xfrm>
-          <a:prstGeom prst="rect">
-            <a:avLst/>
-          </a:prstGeom>
-        </p:spPr>
-        <p:txBody>
-          <a:bodyPr vert="horz" wrap="square" lIns="0" tIns="12700" rIns="0" bIns="0" rtlCol="0">
-            <a:spAutoFit/>
-          </a:bodyPr>
-          <a:lstStyle>
-            <a:lvl1pPr>
-              <a:defRPr sz="4400" b="1" i="0">
-                <a:solidFill>
-                  <a:srgbClr val="2E3E80"/>
-                </a:solidFill>
-                <a:latin typeface="Arial"/>
-                <a:ea typeface="+mj-ea"/>
-                <a:cs typeface="Arial"/>
-              </a:defRPr>
-            </a:lvl1pPr>
-          </a:lstStyle>
-          <a:p>
-            <a:pPr marL="12700">
-              <a:spcBef>
-                <a:spcPts val="100"/>
-              </a:spcBef>
-            </a:pPr>
-            <a:r>
-              <a:rPr lang="en-GB" spc="-100"/>
-              <a:t>Agenda</a:t>
-            </a:r>
-          </a:p>
-        </p:txBody>
-      </p:sp>
-    </p:spTree>
-    <p:extLst>
-      <p:ext uri="{BB962C8B-B14F-4D97-AF65-F5344CB8AC3E}">
-        <p14:creationId xmlns:p14="http://schemas.microsoft.com/office/powerpoint/2010/main" val="4115999060"/>
-      </p:ext>
-    </p:extLst>
-  </p:cSld>
-  <p:clrMapOvr>
-    <a:masterClrMapping/>
-  </p:clrMapOvr>
-</p:sld>
-</file>
-
-<file path=ppt/slides/slide60.xml><?xml version="1.0" encoding="utf-8"?>
+<file path=ppt/slides/slide61.xml><?xml version="1.0" encoding="utf-8"?>
 <p:sld xmlns:a="http://schemas.openxmlformats.org/drawingml/2006/main" xmlns:r="http://schemas.openxmlformats.org/officeDocument/2006/relationships" xmlns:p="http://schemas.openxmlformats.org/presentationml/2006/main">
   <p:cSld>
     <p:spTree>
@@ -26958,7 +30272,406 @@
 </p:sld>
 </file>
 
-<file path=ppt/slides/slide61.xml><?xml version="1.0" encoding="utf-8"?>
+<file path=ppt/slides/slide62.xml><?xml version="1.0" encoding="utf-8"?>
+<p:sld xmlns:a="http://schemas.openxmlformats.org/drawingml/2006/main" xmlns:r="http://schemas.openxmlformats.org/officeDocument/2006/relationships" xmlns:p="http://schemas.openxmlformats.org/presentationml/2006/main">
+  <p:cSld>
+    <p:spTree>
+      <p:nvGrpSpPr>
+        <p:cNvPr id="1" name=""/>
+        <p:cNvGrpSpPr/>
+        <p:nvPr/>
+      </p:nvGrpSpPr>
+      <p:grpSpPr>
+        <a:xfrm>
+          <a:off x="0" y="0"/>
+          <a:ext cx="0" cy="0"/>
+          <a:chOff x="0" y="0"/>
+          <a:chExt cx="0" cy="0"/>
+        </a:xfrm>
+      </p:grpSpPr>
+      <p:sp>
+        <p:nvSpPr>
+          <p:cNvPr id="2" name="object 2"/>
+          <p:cNvSpPr txBox="1">
+            <a:spLocks noGrp="1"/>
+          </p:cNvSpPr>
+          <p:nvPr>
+            <p:ph type="title"/>
+          </p:nvPr>
+        </p:nvSpPr>
+        <p:spPr>
+          <a:prstGeom prst="rect">
+            <a:avLst/>
+          </a:prstGeom>
+        </p:spPr>
+        <p:txBody>
+          <a:bodyPr vert="horz" wrap="square" lIns="0" tIns="12700" rIns="0" bIns="0" rtlCol="0">
+            <a:spAutoFit/>
+          </a:bodyPr>
+          <a:lstStyle/>
+          <a:p>
+            <a:pPr marL="12700">
+              <a:lnSpc>
+                <a:spcPct val="100000"/>
+              </a:lnSpc>
+              <a:spcBef>
+                <a:spcPts val="100"/>
+              </a:spcBef>
+            </a:pPr>
+            <a:r>
+              <a:rPr spc="-95"/>
+              <a:t>Learning</a:t>
+            </a:r>
+            <a:r>
+              <a:rPr spc="-160"/>
+              <a:t> </a:t>
+            </a:r>
+            <a:r>
+              <a:rPr spc="-85"/>
+              <a:t>Outcomes</a:t>
+            </a:r>
+          </a:p>
+        </p:txBody>
+      </p:sp>
+      <p:sp>
+        <p:nvSpPr>
+          <p:cNvPr id="3" name="object 3"/>
+          <p:cNvSpPr txBox="1"/>
+          <p:nvPr/>
+        </p:nvSpPr>
+        <p:spPr>
+          <a:xfrm>
+            <a:off x="953539" y="1798533"/>
+            <a:ext cx="10857461" cy="3643945"/>
+          </a:xfrm>
+          <a:prstGeom prst="rect">
+            <a:avLst/>
+          </a:prstGeom>
+        </p:spPr>
+        <p:txBody>
+          <a:bodyPr vert="horz" wrap="square" lIns="0" tIns="52704" rIns="0" bIns="0" rtlCol="0">
+            <a:spAutoFit/>
+          </a:bodyPr>
+          <a:lstStyle/>
+          <a:p>
+            <a:pPr marL="809625" lvl="2" indent="-514350">
+              <a:spcBef>
+                <a:spcPts val="414"/>
+              </a:spcBef>
+              <a:buFont typeface="+mj-lt"/>
+              <a:buAutoNum type="arabicParenR"/>
+            </a:pPr>
+            <a:r>
+              <a:rPr lang="en-GB" sz="2400" dirty="0">
+                <a:latin typeface="Arial"/>
+                <a:cs typeface="Arial"/>
+              </a:rPr>
+              <a:t>Holistically diagnose the sources of noises and challenges from unstructured abstract data </a:t>
+            </a:r>
+            <a:r>
+              <a:rPr lang="en-GB" sz="2400" dirty="0">
+                <a:solidFill>
+                  <a:srgbClr val="00B050"/>
+                </a:solidFill>
+                <a:latin typeface="Arial"/>
+                <a:cs typeface="Arial"/>
+              </a:rPr>
+              <a:t>- (Session 1)</a:t>
+            </a:r>
+          </a:p>
+          <a:p>
+            <a:pPr marL="809625" lvl="2" indent="-514350">
+              <a:spcBef>
+                <a:spcPts val="414"/>
+              </a:spcBef>
+              <a:buFont typeface="+mj-lt"/>
+              <a:buAutoNum type="arabicParenR"/>
+            </a:pPr>
+            <a:r>
+              <a:rPr lang="en-GB" sz="2400" dirty="0">
+                <a:latin typeface="Arial"/>
+                <a:cs typeface="Arial"/>
+              </a:rPr>
+              <a:t>Design a customised pipeline of text processing methods to address the noises and produce a ready-to-use collection of documents (i.e., corpus) </a:t>
+            </a:r>
+            <a:r>
+              <a:rPr lang="en-GB" sz="2400" dirty="0">
+                <a:solidFill>
+                  <a:srgbClr val="00B050"/>
+                </a:solidFill>
+                <a:latin typeface="Arial"/>
+                <a:cs typeface="Arial"/>
+              </a:rPr>
+              <a:t>- (Session 1-2)</a:t>
+            </a:r>
+            <a:endParaRPr lang="en-GB" sz="2400" dirty="0">
+              <a:latin typeface="Arial"/>
+              <a:cs typeface="Arial"/>
+            </a:endParaRPr>
+          </a:p>
+          <a:p>
+            <a:pPr marL="809625" lvl="2" indent="-514350">
+              <a:spcBef>
+                <a:spcPts val="414"/>
+              </a:spcBef>
+              <a:buFont typeface="+mj-lt"/>
+              <a:buAutoNum type="arabicParenR"/>
+            </a:pPr>
+            <a:r>
+              <a:rPr lang="en-GB" sz="2400" dirty="0">
+                <a:latin typeface="Arial"/>
+                <a:cs typeface="Arial"/>
+              </a:rPr>
+              <a:t>Employ topic modelling for identifying the prevailing themes in your research domain </a:t>
+            </a:r>
+            <a:r>
+              <a:rPr lang="en-GB" sz="2400" dirty="0">
+                <a:solidFill>
+                  <a:srgbClr val="00B050"/>
+                </a:solidFill>
+                <a:latin typeface="Arial"/>
+                <a:cs typeface="Arial"/>
+              </a:rPr>
+              <a:t>- (Session 2-3)</a:t>
+            </a:r>
+            <a:endParaRPr lang="en-GB" sz="2400" dirty="0">
+              <a:latin typeface="Arial"/>
+              <a:cs typeface="Arial"/>
+            </a:endParaRPr>
+          </a:p>
+          <a:p>
+            <a:pPr marL="809625" lvl="2" indent="-514350">
+              <a:spcBef>
+                <a:spcPts val="414"/>
+              </a:spcBef>
+              <a:buFont typeface="+mj-lt"/>
+              <a:buAutoNum type="arabicParenR"/>
+            </a:pPr>
+            <a:r>
+              <a:rPr lang="en-GB" sz="2400" dirty="0">
+                <a:latin typeface="Arial"/>
+                <a:cs typeface="Arial"/>
+              </a:rPr>
+              <a:t>Visualise the extracted topics on a semantic space</a:t>
+            </a:r>
+            <a:r>
+              <a:rPr lang="en-GB" sz="2400" dirty="0">
+                <a:solidFill>
+                  <a:srgbClr val="00B050"/>
+                </a:solidFill>
+                <a:latin typeface="Arial"/>
+                <a:cs typeface="Arial"/>
+              </a:rPr>
+              <a:t> - (Session 2-3)</a:t>
+            </a:r>
+            <a:endParaRPr lang="en-GB" sz="2400" dirty="0">
+              <a:latin typeface="Arial"/>
+              <a:cs typeface="Arial"/>
+            </a:endParaRPr>
+          </a:p>
+          <a:p>
+            <a:pPr marL="12700">
+              <a:lnSpc>
+                <a:spcPct val="100000"/>
+              </a:lnSpc>
+              <a:spcBef>
+                <a:spcPts val="414"/>
+              </a:spcBef>
+            </a:pPr>
+            <a:endParaRPr sz="2800" dirty="0">
+              <a:latin typeface="Arial"/>
+              <a:cs typeface="Arial"/>
+            </a:endParaRPr>
+          </a:p>
+        </p:txBody>
+      </p:sp>
+    </p:spTree>
+    <p:extLst>
+      <p:ext uri="{BB962C8B-B14F-4D97-AF65-F5344CB8AC3E}">
+        <p14:creationId xmlns:p14="http://schemas.microsoft.com/office/powerpoint/2010/main" val="3853762525"/>
+      </p:ext>
+    </p:extLst>
+  </p:cSld>
+  <p:clrMapOvr>
+    <a:masterClrMapping/>
+  </p:clrMapOvr>
+</p:sld>
+</file>
+
+<file path=ppt/slides/slide63.xml><?xml version="1.0" encoding="utf-8"?>
+<p:sld xmlns:a="http://schemas.openxmlformats.org/drawingml/2006/main" xmlns:r="http://schemas.openxmlformats.org/officeDocument/2006/relationships" xmlns:p="http://schemas.openxmlformats.org/presentationml/2006/main">
+  <p:cSld>
+    <p:spTree>
+      <p:nvGrpSpPr>
+        <p:cNvPr id="1" name=""/>
+        <p:cNvGrpSpPr/>
+        <p:nvPr/>
+      </p:nvGrpSpPr>
+      <p:grpSpPr>
+        <a:xfrm>
+          <a:off x="0" y="0"/>
+          <a:ext cx="0" cy="0"/>
+          <a:chOff x="0" y="0"/>
+          <a:chExt cx="0" cy="0"/>
+        </a:xfrm>
+      </p:grpSpPr>
+      <p:sp>
+        <p:nvSpPr>
+          <p:cNvPr id="2" name="Title 1">
+            <a:extLst>
+              <a:ext uri="{FF2B5EF4-FFF2-40B4-BE49-F238E27FC236}">
+                <a16:creationId xmlns:a16="http://schemas.microsoft.com/office/drawing/2014/main" id="{CEAEBC8B-AA6B-8EDF-7BF4-EB7A8AE2DF98}"/>
+              </a:ext>
+            </a:extLst>
+          </p:cNvPr>
+          <p:cNvSpPr>
+            <a:spLocks noGrp="1"/>
+          </p:cNvSpPr>
+          <p:nvPr>
+            <p:ph type="title"/>
+          </p:nvPr>
+        </p:nvSpPr>
+        <p:spPr>
+          <a:xfrm>
+            <a:off x="557299" y="426551"/>
+            <a:ext cx="9067165" cy="695960"/>
+          </a:xfrm>
+        </p:spPr>
+        <p:txBody>
+          <a:bodyPr/>
+          <a:lstStyle/>
+          <a:p>
+            <a:r>
+              <a:rPr lang="en-GB" dirty="0"/>
+              <a:t>Some more advanced techniques</a:t>
+            </a:r>
+          </a:p>
+        </p:txBody>
+      </p:sp>
+      <p:sp>
+        <p:nvSpPr>
+          <p:cNvPr id="3" name="Text Placeholder 2">
+            <a:extLst>
+              <a:ext uri="{FF2B5EF4-FFF2-40B4-BE49-F238E27FC236}">
+                <a16:creationId xmlns:a16="http://schemas.microsoft.com/office/drawing/2014/main" id="{5BD9A528-8C9A-91E4-0B82-8FBC4E991636}"/>
+              </a:ext>
+            </a:extLst>
+          </p:cNvPr>
+          <p:cNvSpPr>
+            <a:spLocks noGrp="1"/>
+          </p:cNvSpPr>
+          <p:nvPr>
+            <p:ph type="body" idx="1"/>
+          </p:nvPr>
+        </p:nvSpPr>
+        <p:spPr>
+          <a:xfrm>
+            <a:off x="1450025" y="1623738"/>
+            <a:ext cx="10217042" cy="4308872"/>
+          </a:xfrm>
+        </p:spPr>
+        <p:txBody>
+          <a:bodyPr/>
+          <a:lstStyle/>
+          <a:p>
+            <a:pPr marL="571500" indent="-571500">
+              <a:buFont typeface="Arial" panose="020B0604020202020204" pitchFamily="34" charset="0"/>
+              <a:buChar char="•"/>
+            </a:pPr>
+            <a:r>
+              <a:rPr lang="en-GB" sz="4000" b="0" dirty="0"/>
+              <a:t>LDA MALLET</a:t>
+            </a:r>
+          </a:p>
+          <a:p>
+            <a:pPr marL="571500" indent="-571500">
+              <a:buFont typeface="Arial" panose="020B0604020202020204" pitchFamily="34" charset="0"/>
+              <a:buChar char="•"/>
+            </a:pPr>
+            <a:r>
+              <a:rPr lang="en-GB" sz="4000" b="0" dirty="0"/>
+              <a:t>LDA+BERT</a:t>
+            </a:r>
+          </a:p>
+          <a:p>
+            <a:pPr marL="571500" indent="-571500">
+              <a:buFont typeface="Arial" panose="020B0604020202020204" pitchFamily="34" charset="0"/>
+              <a:buChar char="•"/>
+            </a:pPr>
+            <a:r>
+              <a:rPr lang="en-GB" sz="4000" b="0" dirty="0"/>
+              <a:t>Hierarchical LDA (</a:t>
+            </a:r>
+            <a:r>
+              <a:rPr lang="en-GB" sz="4000" b="0" dirty="0" err="1"/>
+              <a:t>tomotopy</a:t>
+            </a:r>
+            <a:r>
+              <a:rPr lang="en-GB" sz="4000" b="0" dirty="0"/>
+              <a:t> package)</a:t>
+            </a:r>
+          </a:p>
+          <a:p>
+            <a:pPr marL="571500" indent="-571500">
+              <a:buFont typeface="Arial" panose="020B0604020202020204" pitchFamily="34" charset="0"/>
+              <a:buChar char="•"/>
+            </a:pPr>
+            <a:r>
+              <a:rPr lang="en-GB" sz="4000" b="0" dirty="0"/>
+              <a:t>Dynamic LDA</a:t>
+            </a:r>
+          </a:p>
+          <a:p>
+            <a:pPr marL="571500" indent="-571500">
+              <a:buFont typeface="Arial" panose="020B0604020202020204" pitchFamily="34" charset="0"/>
+              <a:buChar char="•"/>
+            </a:pPr>
+            <a:r>
+              <a:rPr lang="en-GB" sz="4000" b="0" dirty="0"/>
+              <a:t>Multi Grain LDA</a:t>
+            </a:r>
+          </a:p>
+          <a:p>
+            <a:pPr marL="571500" indent="-571500">
+              <a:buFont typeface="Arial" panose="020B0604020202020204" pitchFamily="34" charset="0"/>
+              <a:buChar char="•"/>
+            </a:pPr>
+            <a:r>
+              <a:rPr lang="en-GB" sz="4000" b="0" dirty="0" err="1"/>
+              <a:t>Panchinko</a:t>
+            </a:r>
+            <a:r>
+              <a:rPr lang="en-GB" sz="4000" b="0" dirty="0"/>
+              <a:t> Allocation</a:t>
+            </a:r>
+          </a:p>
+          <a:p>
+            <a:pPr marL="571500" indent="-571500">
+              <a:buFont typeface="Arial" panose="020B0604020202020204" pitchFamily="34" charset="0"/>
+              <a:buChar char="•"/>
+            </a:pPr>
+            <a:r>
+              <a:rPr lang="en-GB" sz="4000" b="0" dirty="0" err="1"/>
+              <a:t>BerTopic</a:t>
+            </a:r>
+            <a:endParaRPr lang="en-GB" sz="4000" b="0" dirty="0"/>
+          </a:p>
+        </p:txBody>
+      </p:sp>
+    </p:spTree>
+    <p:extLst>
+      <p:ext uri="{BB962C8B-B14F-4D97-AF65-F5344CB8AC3E}">
+        <p14:creationId xmlns:p14="http://schemas.microsoft.com/office/powerpoint/2010/main" val="3047787511"/>
+      </p:ext>
+    </p:extLst>
+  </p:cSld>
+  <p:clrMapOvr>
+    <a:masterClrMapping/>
+  </p:clrMapOvr>
+</p:sld>
+</file>
+
+<file path=ppt/slides/slide64.xml><?xml version="1.0" encoding="utf-8"?>
 <p:sld xmlns:a="http://schemas.openxmlformats.org/drawingml/2006/main" xmlns:r="http://schemas.openxmlformats.org/officeDocument/2006/relationships" xmlns:p="http://schemas.openxmlformats.org/presentationml/2006/main">
   <p:cSld>
     <p:spTree>
@@ -27295,7 +31008,7 @@
 </p:sld>
 </file>
 
-<file path=ppt/slides/slide62.xml><?xml version="1.0" encoding="utf-8"?>
+<file path=ppt/slides/slide65.xml><?xml version="1.0" encoding="utf-8"?>
 <p:sld xmlns:a="http://schemas.openxmlformats.org/drawingml/2006/main" xmlns:r="http://schemas.openxmlformats.org/officeDocument/2006/relationships" xmlns:p="http://schemas.openxmlformats.org/presentationml/2006/main">
   <p:cSld>
     <p:spTree>
@@ -27314,56 +31027,6 @@
       </p:grpSpPr>
       <p:sp>
         <p:nvSpPr>
-          <p:cNvPr id="3" name="object 3"/>
-          <p:cNvSpPr/>
-          <p:nvPr/>
-        </p:nvSpPr>
-        <p:spPr>
-          <a:xfrm>
-            <a:off x="877203" y="3429000"/>
-            <a:ext cx="4546600" cy="63500"/>
-          </a:xfrm>
-          <a:custGeom>
-            <a:avLst/>
-            <a:gdLst/>
-            <a:ahLst/>
-            <a:cxnLst/>
-            <a:rect l="l" t="t" r="r" b="b"/>
-            <a:pathLst>
-              <a:path w="4546600" h="63500">
-                <a:moveTo>
-                  <a:pt x="4546600" y="0"/>
-                </a:moveTo>
-                <a:lnTo>
-                  <a:pt x="0" y="0"/>
-                </a:lnTo>
-                <a:lnTo>
-                  <a:pt x="0" y="63500"/>
-                </a:lnTo>
-                <a:lnTo>
-                  <a:pt x="4546600" y="63500"/>
-                </a:lnTo>
-                <a:lnTo>
-                  <a:pt x="4546600" y="0"/>
-                </a:lnTo>
-                <a:close/>
-              </a:path>
-            </a:pathLst>
-          </a:custGeom>
-          <a:solidFill>
-            <a:srgbClr val="F7D600"/>
-          </a:solidFill>
-        </p:spPr>
-        <p:txBody>
-          <a:bodyPr wrap="square" lIns="0" tIns="0" rIns="0" bIns="0" rtlCol="0"/>
-          <a:lstStyle/>
-          <a:p>
-            <a:endParaRPr/>
-          </a:p>
-        </p:txBody>
-      </p:sp>
-      <p:sp>
-        <p:nvSpPr>
           <p:cNvPr id="4" name="TextBox 3">
             <a:extLst>
               <a:ext uri="{FF2B5EF4-FFF2-40B4-BE49-F238E27FC236}">
@@ -27376,8 +31039,8 @@
         </p:nvSpPr>
         <p:spPr>
           <a:xfrm>
-            <a:off x="6466114" y="185057"/>
-            <a:ext cx="5334000" cy="5858014"/>
+            <a:off x="6466114" y="584200"/>
+            <a:ext cx="5334000" cy="5442516"/>
           </a:xfrm>
           <a:prstGeom prst="rect">
             <a:avLst/>
@@ -27403,18 +31066,6 @@
               </a:rPr>
               <a:t>Run LDA model on your cleaned dataset</a:t>
             </a:r>
-          </a:p>
-          <a:p>
-            <a:pPr lvl="1">
-              <a:lnSpc>
-                <a:spcPct val="150000"/>
-              </a:lnSpc>
-            </a:pPr>
-            <a:endParaRPr lang="en-GB" dirty="0">
-              <a:solidFill>
-                <a:schemeClr val="bg1"/>
-              </a:solidFill>
-            </a:endParaRPr>
           </a:p>
           <a:p>
             <a:pPr lvl="1">
@@ -27604,17 +31255,16 @@
               </a:spcBef>
             </a:pPr>
             <a:r>
-              <a:rPr lang="en-GB" sz="4800"/>
+              <a:rPr lang="en-GB" sz="4800" dirty="0"/>
               <a:t>Tutorial task </a:t>
             </a:r>
             <a:br>
-              <a:rPr lang="en-GB" sz="4800"/>
+              <a:rPr lang="en-GB" sz="4800" dirty="0"/>
             </a:br>
             <a:r>
-              <a:rPr lang="en-GB" sz="4800"/>
+              <a:rPr lang="en-GB" sz="4800" dirty="0"/>
               <a:t>(1 hour)</a:t>
             </a:r>
-            <a:endParaRPr lang="en-GB" sz="4800" dirty="0"/>
           </a:p>
         </p:txBody>
       </p:sp>
@@ -27626,7 +31276,7 @@
 </p:sld>
 </file>
 
-<file path=ppt/slides/slide63.xml><?xml version="1.0" encoding="utf-8"?>
+<file path=ppt/slides/slide66.xml><?xml version="1.0" encoding="utf-8"?>
 <p:sld xmlns:a="http://schemas.openxmlformats.org/drawingml/2006/main" xmlns:r="http://schemas.openxmlformats.org/officeDocument/2006/relationships" xmlns:p="http://schemas.openxmlformats.org/presentationml/2006/main">
   <p:cSld>
     <p:spTree>
